--- a/Lectures/14 Big Data Infrastructure.pptx
+++ b/Lectures/14 Big Data Infrastructure.pptx
@@ -5,10 +5,10 @@
     <p:sldMasterId id="2147483648" r:id="rId1"/>
   </p:sldMasterIdLst>
   <p:notesMasterIdLst>
-    <p:notesMasterId r:id="rId70"/>
+    <p:notesMasterId r:id="rId76"/>
   </p:notesMasterIdLst>
   <p:handoutMasterIdLst>
-    <p:handoutMasterId r:id="rId71"/>
+    <p:handoutMasterId r:id="rId77"/>
   </p:handoutMasterIdLst>
   <p:sldIdLst>
     <p:sldId id="258" r:id="rId2"/>
@@ -46,39 +46,45 @@
     <p:sldId id="266" r:id="rId34"/>
     <p:sldId id="267" r:id="rId35"/>
     <p:sldId id="278" r:id="rId36"/>
-    <p:sldId id="268" r:id="rId37"/>
-    <p:sldId id="276" r:id="rId38"/>
-    <p:sldId id="277" r:id="rId39"/>
-    <p:sldId id="269" r:id="rId40"/>
-    <p:sldId id="272" r:id="rId41"/>
-    <p:sldId id="274" r:id="rId42"/>
-    <p:sldId id="273" r:id="rId43"/>
-    <p:sldId id="275" r:id="rId44"/>
-    <p:sldId id="362" r:id="rId45"/>
-    <p:sldId id="279" r:id="rId46"/>
-    <p:sldId id="281" r:id="rId47"/>
-    <p:sldId id="282" r:id="rId48"/>
-    <p:sldId id="283" r:id="rId49"/>
-    <p:sldId id="280" r:id="rId50"/>
-    <p:sldId id="284" r:id="rId51"/>
-    <p:sldId id="363" r:id="rId52"/>
-    <p:sldId id="367" r:id="rId53"/>
-    <p:sldId id="375" r:id="rId54"/>
-    <p:sldId id="376" r:id="rId55"/>
-    <p:sldId id="377" r:id="rId56"/>
-    <p:sldId id="378" r:id="rId57"/>
-    <p:sldId id="379" r:id="rId58"/>
-    <p:sldId id="380" r:id="rId59"/>
-    <p:sldId id="381" r:id="rId60"/>
-    <p:sldId id="374" r:id="rId61"/>
-    <p:sldId id="382" r:id="rId62"/>
-    <p:sldId id="299" r:id="rId63"/>
-    <p:sldId id="318" r:id="rId64"/>
-    <p:sldId id="385" r:id="rId65"/>
-    <p:sldId id="300" r:id="rId66"/>
-    <p:sldId id="270" r:id="rId67"/>
-    <p:sldId id="368" r:id="rId68"/>
-    <p:sldId id="413" r:id="rId69"/>
+    <p:sldId id="414" r:id="rId37"/>
+    <p:sldId id="415" r:id="rId38"/>
+    <p:sldId id="268" r:id="rId39"/>
+    <p:sldId id="276" r:id="rId40"/>
+    <p:sldId id="277" r:id="rId41"/>
+    <p:sldId id="269" r:id="rId42"/>
+    <p:sldId id="272" r:id="rId43"/>
+    <p:sldId id="274" r:id="rId44"/>
+    <p:sldId id="273" r:id="rId45"/>
+    <p:sldId id="275" r:id="rId46"/>
+    <p:sldId id="362" r:id="rId47"/>
+    <p:sldId id="279" r:id="rId48"/>
+    <p:sldId id="416" r:id="rId49"/>
+    <p:sldId id="417" r:id="rId50"/>
+    <p:sldId id="418" r:id="rId51"/>
+    <p:sldId id="419" r:id="rId52"/>
+    <p:sldId id="281" r:id="rId53"/>
+    <p:sldId id="282" r:id="rId54"/>
+    <p:sldId id="283" r:id="rId55"/>
+    <p:sldId id="280" r:id="rId56"/>
+    <p:sldId id="284" r:id="rId57"/>
+    <p:sldId id="363" r:id="rId58"/>
+    <p:sldId id="367" r:id="rId59"/>
+    <p:sldId id="375" r:id="rId60"/>
+    <p:sldId id="376" r:id="rId61"/>
+    <p:sldId id="377" r:id="rId62"/>
+    <p:sldId id="378" r:id="rId63"/>
+    <p:sldId id="379" r:id="rId64"/>
+    <p:sldId id="380" r:id="rId65"/>
+    <p:sldId id="381" r:id="rId66"/>
+    <p:sldId id="374" r:id="rId67"/>
+    <p:sldId id="382" r:id="rId68"/>
+    <p:sldId id="299" r:id="rId69"/>
+    <p:sldId id="318" r:id="rId70"/>
+    <p:sldId id="385" r:id="rId71"/>
+    <p:sldId id="300" r:id="rId72"/>
+    <p:sldId id="270" r:id="rId73"/>
+    <p:sldId id="368" r:id="rId74"/>
+    <p:sldId id="413" r:id="rId75"/>
   </p:sldIdLst>
   <p:sldSz cx="9144000" cy="6858000" type="screen4x3"/>
   <p:notesSz cx="6858000" cy="9144000"/>
@@ -826,33 +832,72 @@
           <a:lstStyle/>
           <a:p>
             <a:r>
+              <a:rPr lang="en-US" dirty="0" smtClean="0"/>
+              <a:t>Based on </a:t>
+            </a:r>
+            <a:r>
               <a:rPr lang="en-US" dirty="0" err="1" smtClean="0"/>
-              <a:t>Redis</a:t>
-            </a:r>
-            <a:r>
-              <a:rPr lang="en-US" dirty="0" smtClean="0"/>
-              <a:t> is an open source, BSD licensed, advanced key-value cache and store. It is often referred to as a data structure server since keys can contain strings, hashes, lists, sets, sorted sets, bitmaps and </a:t>
-            </a:r>
-            <a:r>
-              <a:rPr lang="en-US" dirty="0" err="1" smtClean="0"/>
-              <a:t>hyperloglogs</a:t>
-            </a:r>
-            <a:r>
-              <a:rPr lang="en-US" dirty="0" smtClean="0"/>
-              <a:t>.</a:t>
-            </a:r>
-          </a:p>
-          <a:p>
-            <a:r>
-              <a:rPr lang="en-US" dirty="0" smtClean="0"/>
-              <a:t>Best used: For rapidly changing data with a foreseeable database size (should fit mostly in memory).</a:t>
+              <a:t>Dremel</a:t>
+            </a:r>
+            <a:r>
+              <a:rPr lang="en-US" dirty="0" smtClean="0"/>
+              <a:t>: ‘it separates a record</a:t>
+            </a:r>
+            <a:r>
+              <a:rPr lang="en-US" baseline="0" dirty="0" smtClean="0"/>
+              <a:t> </a:t>
+            </a:r>
+            <a:r>
+              <a:rPr lang="en-US" dirty="0" smtClean="0"/>
+              <a:t>into column values and stores each value on different storage volume’</a:t>
             </a:r>
           </a:p>
           <a:p>
             <a:endParaRPr lang="en-US" dirty="0" smtClean="0"/>
           </a:p>
           <a:p>
-            <a:endParaRPr lang="en-US" dirty="0"/>
+            <a:r>
+              <a:rPr lang="en-US" dirty="0" smtClean="0"/>
+              <a:t>‘For example, a query “SELECT top(title)</a:t>
+            </a:r>
+            <a:r>
+              <a:rPr lang="en-US" baseline="0" dirty="0" smtClean="0"/>
+              <a:t> </a:t>
+            </a:r>
+            <a:r>
+              <a:rPr lang="en-US" dirty="0" smtClean="0"/>
+              <a:t>FROM foo” would access the title column values only. In case of the Wikipedia</a:t>
+            </a:r>
+            <a:r>
+              <a:rPr lang="en-US" baseline="0" dirty="0" smtClean="0"/>
+              <a:t> </a:t>
+            </a:r>
+            <a:r>
+              <a:rPr lang="en-US" dirty="0" smtClean="0"/>
+              <a:t>table example, the query would scan only 9.13GB out of 35.7GB.’</a:t>
+            </a:r>
+          </a:p>
+          <a:p>
+            <a:r>
+              <a:rPr lang="en-US" dirty="0" smtClean="0"/>
+              <a:t>‘Higher compression ratio. One study reports that columnar storage can</a:t>
+            </a:r>
+            <a:r>
+              <a:rPr lang="en-US" baseline="0" dirty="0" smtClean="0"/>
+              <a:t> </a:t>
+            </a:r>
+            <a:r>
+              <a:rPr lang="en-US" dirty="0" smtClean="0"/>
+              <a:t>achieve a compression ratio of 1:10, whereas ordinary row-based storage can</a:t>
+            </a:r>
+            <a:r>
+              <a:rPr lang="en-US" baseline="0" dirty="0" smtClean="0"/>
+              <a:t> </a:t>
+            </a:r>
+            <a:r>
+              <a:rPr lang="en-US" dirty="0" smtClean="0"/>
+              <a:t>compress at roughly 1:3. ‘</a:t>
+            </a:r>
           </a:p>
         </p:txBody>
       </p:sp>
@@ -873,7 +918,7 @@
           <a:p>
             <a:fld id="{FD66F34B-9C4D-8640-BB34-4C24A79C9FFB}" type="slidenum">
               <a:rPr lang="en-US" smtClean="0"/>
-              <a:t>38</a:t>
+              <a:t>36</a:t>
             </a:fld>
             <a:endParaRPr lang="en-US"/>
           </a:p>
@@ -882,7 +927,7 @@
     </p:spTree>
     <p:extLst>
       <p:ext uri="{BB962C8B-B14F-4D97-AF65-F5344CB8AC3E}">
-        <p14:creationId xmlns:p14="http://schemas.microsoft.com/office/powerpoint/2010/main" val="3343700809"/>
+        <p14:creationId xmlns:p14="http://schemas.microsoft.com/office/powerpoint/2010/main" val="2241880516"/>
       </p:ext>
     </p:extLst>
   </p:cSld>
@@ -936,9 +981,41 @@
           <a:bodyPr/>
           <a:lstStyle/>
           <a:p>
-            <a:r>
-              <a:rPr lang="en-US" dirty="0" smtClean="0"/>
-              <a:t>Assuming the stream is sufficiently large..</a:t>
+            <a:endParaRPr lang="en-US" dirty="0" smtClean="0"/>
+          </a:p>
+          <a:p>
+            <a:r>
+              <a:rPr lang="en-US" dirty="0" smtClean="0"/>
+              <a:t>by using a Binary Tree, the data is </a:t>
+            </a:r>
+            <a:r>
+              <a:rPr lang="en-US" dirty="0" err="1" smtClean="0"/>
+              <a:t>sharded</a:t>
+            </a:r>
+            <a:r>
+              <a:rPr lang="en-US" dirty="0" smtClean="0"/>
+              <a:t> across multiple machines. This helps retrieve data much faster</a:t>
+            </a:r>
+            <a:r>
+              <a:rPr lang="en-US" baseline="0" dirty="0" smtClean="0"/>
+              <a:t> (interactive </a:t>
+            </a:r>
+            <a:r>
+              <a:rPr lang="en-US" baseline="0" dirty="0" err="1" smtClean="0"/>
+              <a:t>vs</a:t>
+            </a:r>
+            <a:r>
+              <a:rPr lang="en-US" baseline="0" dirty="0" smtClean="0"/>
+              <a:t> batch processing speeds)</a:t>
+            </a:r>
+          </a:p>
+          <a:p>
+            <a:endParaRPr lang="en-US" baseline="0" dirty="0" smtClean="0"/>
+          </a:p>
+          <a:p>
+            <a:r>
+              <a:rPr lang="en-US" baseline="0" dirty="0" smtClean="0"/>
+              <a:t>Makes it hard to update things (thus append only)</a:t>
             </a:r>
             <a:endParaRPr lang="en-US" dirty="0"/>
           </a:p>
@@ -961,7 +1038,7 @@
           <a:p>
             <a:fld id="{FD66F34B-9C4D-8640-BB34-4C24A79C9FFB}" type="slidenum">
               <a:rPr lang="en-US" smtClean="0"/>
-              <a:t>46</a:t>
+              <a:t>37</a:t>
             </a:fld>
             <a:endParaRPr lang="en-US"/>
           </a:p>
@@ -970,7 +1047,7 @@
     </p:spTree>
     <p:extLst>
       <p:ext uri="{BB962C8B-B14F-4D97-AF65-F5344CB8AC3E}">
-        <p14:creationId xmlns:p14="http://schemas.microsoft.com/office/powerpoint/2010/main" val="3189180533"/>
+        <p14:creationId xmlns:p14="http://schemas.microsoft.com/office/powerpoint/2010/main" val="2241880516"/>
       </p:ext>
     </p:extLst>
   </p:cSld>
@@ -1024,6 +1101,33 @@
           <a:bodyPr/>
           <a:lstStyle/>
           <a:p>
+            <a:r>
+              <a:rPr lang="en-US" dirty="0" err="1" smtClean="0"/>
+              <a:t>Redis</a:t>
+            </a:r>
+            <a:r>
+              <a:rPr lang="en-US" dirty="0" smtClean="0"/>
+              <a:t> is an open source, BSD licensed, advanced key-value cache and store. It is often referred to as a data structure server since keys can contain strings, hashes, lists, sets, sorted sets, bitmaps and </a:t>
+            </a:r>
+            <a:r>
+              <a:rPr lang="en-US" dirty="0" err="1" smtClean="0"/>
+              <a:t>hyperloglogs</a:t>
+            </a:r>
+            <a:r>
+              <a:rPr lang="en-US" dirty="0" smtClean="0"/>
+              <a:t>.</a:t>
+            </a:r>
+          </a:p>
+          <a:p>
+            <a:r>
+              <a:rPr lang="en-US" dirty="0" smtClean="0"/>
+              <a:t>Best used: For rapidly changing data with a foreseeable database size (should fit mostly in memory).</a:t>
+            </a:r>
+          </a:p>
+          <a:p>
+            <a:endParaRPr lang="en-US" dirty="0" smtClean="0"/>
+          </a:p>
+          <a:p>
             <a:endParaRPr lang="en-US" dirty="0"/>
           </a:p>
         </p:txBody>
@@ -1045,7 +1149,7 @@
           <a:p>
             <a:fld id="{FD66F34B-9C4D-8640-BB34-4C24A79C9FFB}" type="slidenum">
               <a:rPr lang="en-US" smtClean="0"/>
-              <a:t>52</a:t>
+              <a:t>40</a:t>
             </a:fld>
             <a:endParaRPr lang="en-US"/>
           </a:p>
@@ -1054,7 +1158,7 @@
     </p:spTree>
     <p:extLst>
       <p:ext uri="{BB962C8B-B14F-4D97-AF65-F5344CB8AC3E}">
-        <p14:creationId xmlns:p14="http://schemas.microsoft.com/office/powerpoint/2010/main" val="153296740"/>
+        <p14:creationId xmlns:p14="http://schemas.microsoft.com/office/powerpoint/2010/main" val="3343700809"/>
       </p:ext>
     </p:extLst>
   </p:cSld>
@@ -1110,17 +1214,9 @@
           <a:p>
             <a:r>
               <a:rPr lang="en-US" dirty="0" smtClean="0"/>
-              <a:t>an upper bound on </a:t>
-            </a:r>
-            <a:r>
-              <a:rPr lang="en-US" dirty="0" err="1" smtClean="0"/>
-              <a:t>mis</a:t>
-            </a:r>
-            <a:r>
-              <a:rPr lang="en-US" dirty="0" smtClean="0"/>
-              <a:t>-classification error</a:t>
-            </a:r>
-            <a:endParaRPr lang="en-US" i="1" dirty="0" smtClean="0"/>
+              <a:t>Assuming the stream is sufficiently large..</a:t>
+            </a:r>
+            <a:endParaRPr lang="en-US" dirty="0"/>
           </a:p>
         </p:txBody>
       </p:sp>
@@ -1141,7 +1237,7 @@
           <a:p>
             <a:fld id="{FD66F34B-9C4D-8640-BB34-4C24A79C9FFB}" type="slidenum">
               <a:rPr lang="en-US" smtClean="0"/>
-              <a:t>53</a:t>
+              <a:t>52</a:t>
             </a:fld>
             <a:endParaRPr lang="en-US"/>
           </a:p>
@@ -1150,7 +1246,7 @@
     </p:spTree>
     <p:extLst>
       <p:ext uri="{BB962C8B-B14F-4D97-AF65-F5344CB8AC3E}">
-        <p14:creationId xmlns:p14="http://schemas.microsoft.com/office/powerpoint/2010/main" val="354437720"/>
+        <p14:creationId xmlns:p14="http://schemas.microsoft.com/office/powerpoint/2010/main" val="3189180533"/>
       </p:ext>
     </p:extLst>
   </p:cSld>
@@ -1204,19 +1300,7 @@
           <a:bodyPr/>
           <a:lstStyle/>
           <a:p>
-            <a:r>
-              <a:rPr lang="en-US" dirty="0" smtClean="0"/>
-              <a:t>an upper bound on </a:t>
-            </a:r>
-            <a:r>
-              <a:rPr lang="en-US" dirty="0" err="1" smtClean="0"/>
-              <a:t>mis</a:t>
-            </a:r>
-            <a:r>
-              <a:rPr lang="en-US" dirty="0" smtClean="0"/>
-              <a:t>-classification error</a:t>
-            </a:r>
-            <a:endParaRPr lang="en-US" i="1" dirty="0" smtClean="0"/>
+            <a:endParaRPr lang="en-US" dirty="0"/>
           </a:p>
         </p:txBody>
       </p:sp>
@@ -1237,7 +1321,7 @@
           <a:p>
             <a:fld id="{FD66F34B-9C4D-8640-BB34-4C24A79C9FFB}" type="slidenum">
               <a:rPr lang="en-US" smtClean="0"/>
-              <a:t>54</a:t>
+              <a:t>58</a:t>
             </a:fld>
             <a:endParaRPr lang="en-US"/>
           </a:p>
@@ -1246,7 +1330,7 @@
     </p:spTree>
     <p:extLst>
       <p:ext uri="{BB962C8B-B14F-4D97-AF65-F5344CB8AC3E}">
-        <p14:creationId xmlns:p14="http://schemas.microsoft.com/office/powerpoint/2010/main" val="354437720"/>
+        <p14:creationId xmlns:p14="http://schemas.microsoft.com/office/powerpoint/2010/main" val="153296740"/>
       </p:ext>
     </p:extLst>
   </p:cSld>
@@ -1333,7 +1417,7 @@
           <a:p>
             <a:fld id="{FD66F34B-9C4D-8640-BB34-4C24A79C9FFB}" type="slidenum">
               <a:rPr lang="en-US" smtClean="0"/>
-              <a:t>55</a:t>
+              <a:t>59</a:t>
             </a:fld>
             <a:endParaRPr lang="en-US"/>
           </a:p>
@@ -1429,7 +1513,7 @@
           <a:p>
             <a:fld id="{FD66F34B-9C4D-8640-BB34-4C24A79C9FFB}" type="slidenum">
               <a:rPr lang="en-US" smtClean="0"/>
-              <a:t>56</a:t>
+              <a:t>60</a:t>
             </a:fld>
             <a:endParaRPr lang="en-US"/>
           </a:p>
@@ -1525,7 +1609,7 @@
           <a:p>
             <a:fld id="{FD66F34B-9C4D-8640-BB34-4C24A79C9FFB}" type="slidenum">
               <a:rPr lang="en-US" smtClean="0"/>
-              <a:t>57</a:t>
+              <a:t>61</a:t>
             </a:fld>
             <a:endParaRPr lang="en-US"/>
           </a:p>
@@ -1621,7 +1705,7 @@
           <a:p>
             <a:fld id="{FD66F34B-9C4D-8640-BB34-4C24A79C9FFB}" type="slidenum">
               <a:rPr lang="en-US" smtClean="0"/>
-              <a:t>58</a:t>
+              <a:t>62</a:t>
             </a:fld>
             <a:endParaRPr lang="en-US"/>
           </a:p>
@@ -1717,7 +1801,7 @@
           <a:p>
             <a:fld id="{FD66F34B-9C4D-8640-BB34-4C24A79C9FFB}" type="slidenum">
               <a:rPr lang="en-US" smtClean="0"/>
-              <a:t>59</a:t>
+              <a:t>63</a:t>
             </a:fld>
             <a:endParaRPr lang="en-US"/>
           </a:p>
@@ -1874,9 +1958,17 @@
           <a:p>
             <a:r>
               <a:rPr lang="en-US" dirty="0" smtClean="0"/>
-              <a:t>Note: may not converge to the minimum…</a:t>
-            </a:r>
-            <a:endParaRPr lang="en-US" dirty="0"/>
+              <a:t>an upper bound on </a:t>
+            </a:r>
+            <a:r>
+              <a:rPr lang="en-US" dirty="0" err="1" smtClean="0"/>
+              <a:t>mis</a:t>
+            </a:r>
+            <a:r>
+              <a:rPr lang="en-US" dirty="0" smtClean="0"/>
+              <a:t>-classification error</a:t>
+            </a:r>
+            <a:endParaRPr lang="en-US" i="1" dirty="0" smtClean="0"/>
           </a:p>
         </p:txBody>
       </p:sp>
@@ -1906,7 +1998,7 @@
     </p:spTree>
     <p:extLst>
       <p:ext uri="{BB962C8B-B14F-4D97-AF65-F5344CB8AC3E}">
-        <p14:creationId xmlns:p14="http://schemas.microsoft.com/office/powerpoint/2010/main" val="410146664"/>
+        <p14:creationId xmlns:p14="http://schemas.microsoft.com/office/powerpoint/2010/main" val="354437720"/>
       </p:ext>
     </p:extLst>
   </p:cSld>
@@ -1960,7 +2052,19 @@
           <a:bodyPr/>
           <a:lstStyle/>
           <a:p>
-            <a:endParaRPr lang="en-US" dirty="0"/>
+            <a:r>
+              <a:rPr lang="en-US" dirty="0" smtClean="0"/>
+              <a:t>an upper bound on </a:t>
+            </a:r>
+            <a:r>
+              <a:rPr lang="en-US" dirty="0" err="1" smtClean="0"/>
+              <a:t>mis</a:t>
+            </a:r>
+            <a:r>
+              <a:rPr lang="en-US" dirty="0" smtClean="0"/>
+              <a:t>-classification error</a:t>
+            </a:r>
+            <a:endParaRPr lang="en-US" i="1" dirty="0" smtClean="0"/>
           </a:p>
         </p:txBody>
       </p:sp>
@@ -1990,7 +2094,7 @@
     </p:spTree>
     <p:extLst>
       <p:ext uri="{BB962C8B-B14F-4D97-AF65-F5344CB8AC3E}">
-        <p14:creationId xmlns:p14="http://schemas.microsoft.com/office/powerpoint/2010/main" val="153296740"/>
+        <p14:creationId xmlns:p14="http://schemas.microsoft.com/office/powerpoint/2010/main" val="354437720"/>
       </p:ext>
     </p:extLst>
   </p:cSld>
@@ -2046,6 +2150,178 @@
           <a:p>
             <a:r>
               <a:rPr lang="en-US" dirty="0" smtClean="0"/>
+              <a:t>Note: may not converge to the minimum…</a:t>
+            </a:r>
+            <a:endParaRPr lang="en-US" dirty="0"/>
+          </a:p>
+        </p:txBody>
+      </p:sp>
+      <p:sp>
+        <p:nvSpPr>
+          <p:cNvPr id="4" name="Slide Number Placeholder 3"/>
+          <p:cNvSpPr>
+            <a:spLocks noGrp="1"/>
+          </p:cNvSpPr>
+          <p:nvPr>
+            <p:ph type="sldNum" sz="quarter" idx="10"/>
+          </p:nvPr>
+        </p:nvSpPr>
+        <p:spPr/>
+        <p:txBody>
+          <a:bodyPr/>
+          <a:lstStyle/>
+          <a:p>
+            <a:fld id="{FD66F34B-9C4D-8640-BB34-4C24A79C9FFB}" type="slidenum">
+              <a:rPr lang="en-US" smtClean="0"/>
+              <a:t>70</a:t>
+            </a:fld>
+            <a:endParaRPr lang="en-US"/>
+          </a:p>
+        </p:txBody>
+      </p:sp>
+    </p:spTree>
+    <p:extLst>
+      <p:ext uri="{BB962C8B-B14F-4D97-AF65-F5344CB8AC3E}">
+        <p14:creationId xmlns:p14="http://schemas.microsoft.com/office/powerpoint/2010/main" val="410146664"/>
+      </p:ext>
+    </p:extLst>
+  </p:cSld>
+  <p:clrMapOvr>
+    <a:masterClrMapping/>
+  </p:clrMapOvr>
+</p:notes>
+</file>
+
+<file path=ppt/notesSlides/notesSlide23.xml><?xml version="1.0" encoding="utf-8"?>
+<p:notes xmlns:a="http://schemas.openxmlformats.org/drawingml/2006/main" xmlns:r="http://schemas.openxmlformats.org/officeDocument/2006/relationships" xmlns:p="http://schemas.openxmlformats.org/presentationml/2006/main">
+  <p:cSld>
+    <p:spTree>
+      <p:nvGrpSpPr>
+        <p:cNvPr id="1" name=""/>
+        <p:cNvGrpSpPr/>
+        <p:nvPr/>
+      </p:nvGrpSpPr>
+      <p:grpSpPr>
+        <a:xfrm>
+          <a:off x="0" y="0"/>
+          <a:ext cx="0" cy="0"/>
+          <a:chOff x="0" y="0"/>
+          <a:chExt cx="0" cy="0"/>
+        </a:xfrm>
+      </p:grpSpPr>
+      <p:sp>
+        <p:nvSpPr>
+          <p:cNvPr id="2" name="Slide Image Placeholder 1"/>
+          <p:cNvSpPr>
+            <a:spLocks noGrp="1" noRot="1" noChangeAspect="1"/>
+          </p:cNvSpPr>
+          <p:nvPr>
+            <p:ph type="sldImg"/>
+          </p:nvPr>
+        </p:nvSpPr>
+        <p:spPr/>
+      </p:sp>
+      <p:sp>
+        <p:nvSpPr>
+          <p:cNvPr id="3" name="Notes Placeholder 2"/>
+          <p:cNvSpPr>
+            <a:spLocks noGrp="1"/>
+          </p:cNvSpPr>
+          <p:nvPr>
+            <p:ph type="body" idx="1"/>
+          </p:nvPr>
+        </p:nvSpPr>
+        <p:spPr/>
+        <p:txBody>
+          <a:bodyPr/>
+          <a:lstStyle/>
+          <a:p>
+            <a:endParaRPr lang="en-US" dirty="0"/>
+          </a:p>
+        </p:txBody>
+      </p:sp>
+      <p:sp>
+        <p:nvSpPr>
+          <p:cNvPr id="4" name="Slide Number Placeholder 3"/>
+          <p:cNvSpPr>
+            <a:spLocks noGrp="1"/>
+          </p:cNvSpPr>
+          <p:nvPr>
+            <p:ph type="sldNum" sz="quarter" idx="10"/>
+          </p:nvPr>
+        </p:nvSpPr>
+        <p:spPr/>
+        <p:txBody>
+          <a:bodyPr/>
+          <a:lstStyle/>
+          <a:p>
+            <a:fld id="{FD66F34B-9C4D-8640-BB34-4C24A79C9FFB}" type="slidenum">
+              <a:rPr lang="en-US" smtClean="0"/>
+              <a:t>71</a:t>
+            </a:fld>
+            <a:endParaRPr lang="en-US"/>
+          </a:p>
+        </p:txBody>
+      </p:sp>
+    </p:spTree>
+    <p:extLst>
+      <p:ext uri="{BB962C8B-B14F-4D97-AF65-F5344CB8AC3E}">
+        <p14:creationId xmlns:p14="http://schemas.microsoft.com/office/powerpoint/2010/main" val="153296740"/>
+      </p:ext>
+    </p:extLst>
+  </p:cSld>
+  <p:clrMapOvr>
+    <a:masterClrMapping/>
+  </p:clrMapOvr>
+</p:notes>
+</file>
+
+<file path=ppt/notesSlides/notesSlide24.xml><?xml version="1.0" encoding="utf-8"?>
+<p:notes xmlns:a="http://schemas.openxmlformats.org/drawingml/2006/main" xmlns:r="http://schemas.openxmlformats.org/officeDocument/2006/relationships" xmlns:p="http://schemas.openxmlformats.org/presentationml/2006/main">
+  <p:cSld>
+    <p:spTree>
+      <p:nvGrpSpPr>
+        <p:cNvPr id="1" name=""/>
+        <p:cNvGrpSpPr/>
+        <p:nvPr/>
+      </p:nvGrpSpPr>
+      <p:grpSpPr>
+        <a:xfrm>
+          <a:off x="0" y="0"/>
+          <a:ext cx="0" cy="0"/>
+          <a:chOff x="0" y="0"/>
+          <a:chExt cx="0" cy="0"/>
+        </a:xfrm>
+      </p:grpSpPr>
+      <p:sp>
+        <p:nvSpPr>
+          <p:cNvPr id="2" name="Slide Image Placeholder 1"/>
+          <p:cNvSpPr>
+            <a:spLocks noGrp="1" noRot="1" noChangeAspect="1"/>
+          </p:cNvSpPr>
+          <p:nvPr>
+            <p:ph type="sldImg"/>
+          </p:nvPr>
+        </p:nvSpPr>
+        <p:spPr/>
+      </p:sp>
+      <p:sp>
+        <p:nvSpPr>
+          <p:cNvPr id="3" name="Notes Placeholder 2"/>
+          <p:cNvSpPr>
+            <a:spLocks noGrp="1"/>
+          </p:cNvSpPr>
+          <p:nvPr>
+            <p:ph type="body" idx="1"/>
+          </p:nvPr>
+        </p:nvSpPr>
+        <p:spPr/>
+        <p:txBody>
+          <a:bodyPr/>
+          <a:lstStyle/>
+          <a:p>
+            <a:r>
+              <a:rPr lang="en-US" dirty="0" smtClean="0"/>
               <a:t>http://</a:t>
             </a:r>
             <a:r>
@@ -2110,7 +2386,7 @@
           <a:p>
             <a:fld id="{FD66F34B-9C4D-8640-BB34-4C24A79C9FFB}" type="slidenum">
               <a:rPr lang="en-US" smtClean="0"/>
-              <a:t>66</a:t>
+              <a:t>72</a:t>
             </a:fld>
             <a:endParaRPr lang="en-US"/>
           </a:p>
@@ -16190,52 +16466,31 @@
           <a:p>
             <a:r>
               <a:rPr lang="en-US" dirty="0" smtClean="0"/>
-              <a:t>How is it so fast?</a:t>
-            </a:r>
-            <a:endParaRPr lang="en-US" dirty="0"/>
-          </a:p>
-        </p:txBody>
-      </p:sp>
-      <p:sp>
-        <p:nvSpPr>
-          <p:cNvPr id="3" name="Content Placeholder 2"/>
-          <p:cNvSpPr>
-            <a:spLocks noGrp="1"/>
-          </p:cNvSpPr>
+              <a:t>What makes Big Query so fast?</a:t>
+            </a:r>
+            <a:endParaRPr lang="en-US" dirty="0"/>
+          </a:p>
+        </p:txBody>
+      </p:sp>
+      <p:pic>
+        <p:nvPicPr>
+          <p:cNvPr id="7" name="Content Placeholder 6"/>
+          <p:cNvPicPr>
+            <a:picLocks noGrp="1" noChangeAspect="1"/>
+          </p:cNvPicPr>
           <p:nvPr>
             <p:ph idx="1"/>
           </p:nvPr>
-        </p:nvSpPr>
-        <p:spPr/>
-        <p:txBody>
-          <a:bodyPr/>
-          <a:lstStyle/>
-          <a:p>
-            <a:r>
-              <a:rPr lang="en-US" dirty="0" smtClean="0"/>
-              <a:t>Data stored in tables, but organized in columns rather than rows</a:t>
-            </a:r>
-          </a:p>
-          <a:p>
-            <a:r>
-              <a:rPr lang="en-US" dirty="0" smtClean="0"/>
-              <a:t>Reduces the amount of data necessary to load into memory</a:t>
-            </a:r>
-          </a:p>
-          <a:p>
-            <a:r>
-              <a:rPr lang="en-US" dirty="0" smtClean="0"/>
-              <a:t>Query results returned as JSON objects &amp; can create new tables when very large</a:t>
-            </a:r>
-          </a:p>
-          <a:p>
-            <a:r>
-              <a:rPr lang="en-US" dirty="0" smtClean="0"/>
-              <a:t>Limited by Google’s servers’ available memory</a:t>
-            </a:r>
-          </a:p>
-        </p:txBody>
-      </p:sp>
+        </p:nvPicPr>
+        <p:blipFill>
+          <a:blip r:embed="rId3"/>
+          <a:srcRect l="7826" r="7826"/>
+          <a:stretch>
+            <a:fillRect/>
+          </a:stretch>
+        </p:blipFill>
+        <p:spPr/>
+      </p:pic>
       <p:sp>
         <p:nvSpPr>
           <p:cNvPr id="4" name="Date Placeholder 3"/>
@@ -16301,10 +16556,51 @@
           </a:p>
         </p:txBody>
       </p:sp>
+      <p:sp>
+        <p:nvSpPr>
+          <p:cNvPr id="8" name="Rectangle 7"/>
+          <p:cNvSpPr/>
+          <p:nvPr/>
+        </p:nvSpPr>
+        <p:spPr>
+          <a:xfrm>
+            <a:off x="954131" y="1523987"/>
+            <a:ext cx="7223615" cy="369332"/>
+          </a:xfrm>
+          <a:prstGeom prst="rect">
+            <a:avLst/>
+          </a:prstGeom>
+        </p:spPr>
+        <p:txBody>
+          <a:bodyPr wrap="square">
+            <a:spAutoFit/>
+          </a:bodyPr>
+          <a:lstStyle/>
+          <a:p>
+            <a:r>
+              <a:rPr lang="en-US" dirty="0"/>
+              <a:t>https://</a:t>
+            </a:r>
+            <a:r>
+              <a:rPr lang="en-US" dirty="0" err="1"/>
+              <a:t>cloud.google.com</a:t>
+            </a:r>
+            <a:r>
+              <a:rPr lang="en-US" dirty="0"/>
+              <a:t>/files/</a:t>
+            </a:r>
+            <a:r>
+              <a:rPr lang="en-US" dirty="0" err="1"/>
+              <a:t>BigQueryTechnicalWP.pdf</a:t>
+            </a:r>
+            <a:endParaRPr lang="en-US" dirty="0"/>
+          </a:p>
+        </p:txBody>
+      </p:sp>
     </p:spTree>
     <p:extLst>
       <p:ext uri="{BB962C8B-B14F-4D97-AF65-F5344CB8AC3E}">
-        <p14:creationId xmlns:p14="http://schemas.microsoft.com/office/powerpoint/2010/main" val="1339765684"/>
+        <p14:creationId xmlns:p14="http://schemas.microsoft.com/office/powerpoint/2010/main" val="2294541035"/>
       </p:ext>
     </p:extLst>
   </p:cSld>
@@ -16341,122 +16637,14 @@
             <p:ph type="title"/>
           </p:nvPr>
         </p:nvSpPr>
-        <p:spPr>
-          <a:xfrm>
-            <a:off x="954131" y="310162"/>
-            <a:ext cx="7631231" cy="990107"/>
-          </a:xfrm>
-        </p:spPr>
-        <p:txBody>
-          <a:bodyPr/>
-          <a:lstStyle/>
-          <a:p>
-            <a:r>
-              <a:rPr lang="en-US" dirty="0" smtClean="0"/>
-              <a:t>Case Study [Bad Data Handbook </a:t>
-            </a:r>
-            <a:r>
-              <a:rPr lang="en-US" dirty="0" err="1" smtClean="0"/>
-              <a:t>Ch</a:t>
-            </a:r>
-            <a:r>
-              <a:rPr lang="en-US" dirty="0" smtClean="0"/>
-              <a:t> 12]</a:t>
-            </a:r>
-            <a:endParaRPr lang="en-US" dirty="0"/>
-          </a:p>
-        </p:txBody>
-      </p:sp>
-      <p:sp>
-        <p:nvSpPr>
-          <p:cNvPr id="3" name="Content Placeholder 2"/>
-          <p:cNvSpPr>
-            <a:spLocks noGrp="1"/>
-          </p:cNvSpPr>
-          <p:nvPr>
-            <p:ph idx="1"/>
-          </p:nvPr>
-        </p:nvSpPr>
-        <p:spPr/>
-        <p:txBody>
-          <a:bodyPr/>
-          <a:lstStyle/>
-          <a:p>
-            <a:pPr marL="0" indent="0">
-              <a:buNone/>
-            </a:pPr>
-            <a:r>
-              <a:rPr lang="en-US" dirty="0" smtClean="0"/>
-              <a:t>Studying online text data (NLP)</a:t>
-            </a:r>
-          </a:p>
-          <a:p>
-            <a:pPr marL="0" indent="0">
-              <a:buNone/>
-            </a:pPr>
-            <a:r>
-              <a:rPr lang="en-US" dirty="0" smtClean="0"/>
-              <a:t>Scraped data into </a:t>
-            </a:r>
-            <a:r>
-              <a:rPr lang="en-US" i="1" dirty="0" smtClean="0"/>
-              <a:t>Apache</a:t>
-            </a:r>
-            <a:r>
-              <a:rPr lang="en-US" dirty="0" smtClean="0"/>
-              <a:t> </a:t>
-            </a:r>
-            <a:r>
-              <a:rPr lang="en-US" dirty="0" err="1" smtClean="0"/>
-              <a:t>CouchDB</a:t>
-            </a:r>
-            <a:endParaRPr lang="en-US" dirty="0" smtClean="0"/>
-          </a:p>
-          <a:p>
-            <a:r>
-              <a:rPr lang="en-US" dirty="0" smtClean="0"/>
-              <a:t>JSON based</a:t>
-            </a:r>
-          </a:p>
-          <a:p>
-            <a:r>
-              <a:rPr lang="en-US" dirty="0" smtClean="0"/>
-              <a:t>Schema-less / Document oriented</a:t>
-            </a:r>
-          </a:p>
-          <a:p>
-            <a:r>
-              <a:rPr lang="en-US" dirty="0" smtClean="0"/>
-              <a:t>HTTP support</a:t>
-            </a:r>
-          </a:p>
-          <a:p>
-            <a:r>
-              <a:rPr lang="en-US" dirty="0" smtClean="0"/>
-              <a:t>Supports </a:t>
-            </a:r>
-            <a:r>
-              <a:rPr lang="en-US" dirty="0" err="1" smtClean="0"/>
-              <a:t>MapReduce</a:t>
-            </a:r>
-            <a:endParaRPr lang="en-US" dirty="0" smtClean="0"/>
-          </a:p>
-          <a:p>
-            <a:pPr marL="0" indent="0">
-              <a:buNone/>
-            </a:pPr>
-            <a:r>
-              <a:rPr lang="en-US" dirty="0" smtClean="0"/>
-              <a:t>Collected 70GB of blog posts </a:t>
-            </a:r>
-          </a:p>
-          <a:p>
-            <a:pPr marL="0" indent="0">
-              <a:buNone/>
-            </a:pPr>
-            <a:r>
-              <a:rPr lang="en-US" dirty="0" smtClean="0"/>
-              <a:t>[McNamara]</a:t>
+        <p:spPr/>
+        <p:txBody>
+          <a:bodyPr/>
+          <a:lstStyle/>
+          <a:p>
+            <a:r>
+              <a:rPr lang="en-US" dirty="0" smtClean="0"/>
+              <a:t>What makes Big Query so fast?</a:t>
             </a:r>
             <a:endParaRPr lang="en-US" dirty="0"/>
           </a:p>
@@ -16527,10 +16715,76 @@
           </a:p>
         </p:txBody>
       </p:sp>
+      <p:sp>
+        <p:nvSpPr>
+          <p:cNvPr id="8" name="Rectangle 7"/>
+          <p:cNvSpPr/>
+          <p:nvPr/>
+        </p:nvSpPr>
+        <p:spPr>
+          <a:xfrm>
+            <a:off x="954131" y="1523987"/>
+            <a:ext cx="7223615" cy="369332"/>
+          </a:xfrm>
+          <a:prstGeom prst="rect">
+            <a:avLst/>
+          </a:prstGeom>
+        </p:spPr>
+        <p:txBody>
+          <a:bodyPr wrap="square">
+            <a:spAutoFit/>
+          </a:bodyPr>
+          <a:lstStyle/>
+          <a:p>
+            <a:r>
+              <a:rPr lang="en-US" dirty="0"/>
+              <a:t>https://</a:t>
+            </a:r>
+            <a:r>
+              <a:rPr lang="en-US" dirty="0" err="1"/>
+              <a:t>cloud.google.com</a:t>
+            </a:r>
+            <a:r>
+              <a:rPr lang="en-US" dirty="0"/>
+              <a:t>/files/</a:t>
+            </a:r>
+            <a:r>
+              <a:rPr lang="en-US" dirty="0" err="1"/>
+              <a:t>BigQueryTechnicalWP.pdf</a:t>
+            </a:r>
+            <a:endParaRPr lang="en-US" dirty="0"/>
+          </a:p>
+        </p:txBody>
+      </p:sp>
+      <p:pic>
+        <p:nvPicPr>
+          <p:cNvPr id="9" name="Content Placeholder 8" descr="Screen Shot 2015-03-23 at 8.16.43 PM.png"/>
+          <p:cNvPicPr>
+            <a:picLocks noGrp="1" noChangeAspect="1"/>
+          </p:cNvPicPr>
+          <p:nvPr>
+            <p:ph idx="1"/>
+          </p:nvPr>
+        </p:nvPicPr>
+        <p:blipFill>
+          <a:blip r:embed="rId3">
+            <a:extLst>
+              <a:ext uri="{28A0092B-C50C-407E-A947-70E740481C1C}">
+                <a14:useLocalDpi xmlns:a14="http://schemas.microsoft.com/office/drawing/2010/main" val="0"/>
+              </a:ext>
+            </a:extLst>
+          </a:blip>
+          <a:srcRect t="-6249" b="-6249"/>
+          <a:stretch>
+            <a:fillRect/>
+          </a:stretch>
+        </p:blipFill>
+        <p:spPr/>
+      </p:pic>
     </p:spTree>
     <p:extLst>
       <p:ext uri="{BB962C8B-B14F-4D97-AF65-F5344CB8AC3E}">
-        <p14:creationId xmlns:p14="http://schemas.microsoft.com/office/powerpoint/2010/main" val="1738120900"/>
+        <p14:creationId xmlns:p14="http://schemas.microsoft.com/office/powerpoint/2010/main" val="2159025932"/>
       </p:ext>
     </p:extLst>
   </p:cSld>
@@ -16541,7 +16795,7 @@
 </file>
 
 <file path=ppt/slides/slide38.xml><?xml version="1.0" encoding="utf-8"?>
-<p:sld xmlns:a="http://schemas.openxmlformats.org/drawingml/2006/main" xmlns:r="http://schemas.openxmlformats.org/officeDocument/2006/relationships" xmlns:p="http://schemas.openxmlformats.org/presentationml/2006/main">
+<p:sld xmlns:a="http://schemas.openxmlformats.org/drawingml/2006/main" xmlns:r="http://schemas.openxmlformats.org/officeDocument/2006/relationships" xmlns:p="http://schemas.openxmlformats.org/presentationml/2006/main" show="0">
   <p:cSld>
     <p:spTree>
       <p:nvGrpSpPr>
@@ -16567,27 +16821,14 @@
             <p:ph type="title"/>
           </p:nvPr>
         </p:nvSpPr>
-        <p:spPr>
-          <a:xfrm>
-            <a:off x="954131" y="310162"/>
-            <a:ext cx="7631231" cy="990107"/>
-          </a:xfrm>
-        </p:spPr>
-        <p:txBody>
-          <a:bodyPr/>
-          <a:lstStyle/>
-          <a:p>
-            <a:r>
-              <a:rPr lang="en-US" dirty="0" smtClean="0"/>
-              <a:t>Case Study [Bad Data Handbook </a:t>
-            </a:r>
-            <a:r>
-              <a:rPr lang="en-US" dirty="0" err="1" smtClean="0"/>
-              <a:t>Ch</a:t>
-            </a:r>
-            <a:r>
-              <a:rPr lang="en-US" dirty="0" smtClean="0"/>
-              <a:t> 12]</a:t>
+        <p:spPr/>
+        <p:txBody>
+          <a:bodyPr/>
+          <a:lstStyle/>
+          <a:p>
+            <a:r>
+              <a:rPr lang="en-US" dirty="0" smtClean="0"/>
+              <a:t>How is it so fast?</a:t>
             </a:r>
             <a:endParaRPr lang="en-US" dirty="0"/>
           </a:p>
@@ -16608,64 +16849,28 @@
           <a:bodyPr/>
           <a:lstStyle/>
           <a:p>
-            <a:pPr marL="0" indent="0">
-              <a:buNone/>
-            </a:pPr>
-            <a:r>
-              <a:rPr lang="en-US" dirty="0" smtClean="0"/>
-              <a:t>Poor debugging experience</a:t>
-            </a:r>
-          </a:p>
-          <a:p>
-            <a:r>
-              <a:rPr lang="en-US" dirty="0" smtClean="0"/>
-              <a:t>Error output poor</a:t>
-            </a:r>
-          </a:p>
-          <a:p>
-            <a:r>
-              <a:rPr lang="en-US" dirty="0" err="1" smtClean="0"/>
-              <a:t>MapReduce</a:t>
-            </a:r>
-            <a:r>
-              <a:rPr lang="en-US" dirty="0" smtClean="0"/>
-              <a:t> errors occurred only at </a:t>
-            </a:r>
-            <a:r>
-              <a:rPr lang="en-US" i="1" dirty="0" smtClean="0"/>
-              <a:t>reduce </a:t>
-            </a:r>
-            <a:r>
-              <a:rPr lang="en-US" dirty="0" smtClean="0"/>
-              <a:t>stage (slow debug cycle)</a:t>
-            </a:r>
-          </a:p>
-          <a:p>
-            <a:r>
-              <a:rPr lang="en-US" dirty="0" smtClean="0"/>
-              <a:t>Indexing data took days; failures could occur at any point</a:t>
-            </a:r>
-          </a:p>
-          <a:p>
-            <a:pPr marL="0" indent="0">
-              <a:buNone/>
-            </a:pPr>
-            <a:r>
-              <a:rPr lang="en-US" dirty="0" smtClean="0"/>
-              <a:t>-&gt; Fast write, slow &amp; difficult querying</a:t>
-            </a:r>
-          </a:p>
-          <a:p>
-            <a:pPr marL="0" indent="0">
-              <a:buNone/>
-            </a:pPr>
-            <a:r>
-              <a:rPr lang="en-US" dirty="0" smtClean="0"/>
-              <a:t>OPPOSITE of what he needed… File System might have been better, or REDIS</a:t>
-            </a:r>
-          </a:p>
-          <a:p>
-            <a:endParaRPr lang="en-US" dirty="0"/>
+            <a:r>
+              <a:rPr lang="en-US" dirty="0" smtClean="0"/>
+              <a:t>Data stored in tables, but organized in columns rather than rows</a:t>
+            </a:r>
+          </a:p>
+          <a:p>
+            <a:r>
+              <a:rPr lang="en-US" dirty="0" smtClean="0"/>
+              <a:t>Reduces the amount of data necessary to load into memory</a:t>
+            </a:r>
+          </a:p>
+          <a:p>
+            <a:r>
+              <a:rPr lang="en-US" dirty="0" smtClean="0"/>
+              <a:t>Query results returned as JSON objects &amp; can create new tables when very large</a:t>
+            </a:r>
+          </a:p>
+          <a:p>
+            <a:r>
+              <a:rPr lang="en-US" dirty="0" smtClean="0"/>
+              <a:t>Limited by Google’s servers’ available memory</a:t>
+            </a:r>
           </a:p>
         </p:txBody>
       </p:sp>
@@ -16737,13 +16942,21 @@
     </p:spTree>
     <p:extLst>
       <p:ext uri="{BB962C8B-B14F-4D97-AF65-F5344CB8AC3E}">
-        <p14:creationId xmlns:p14="http://schemas.microsoft.com/office/powerpoint/2010/main" val="1941621020"/>
+        <p14:creationId xmlns:p14="http://schemas.microsoft.com/office/powerpoint/2010/main" val="1339765684"/>
       </p:ext>
     </p:extLst>
   </p:cSld>
   <p:clrMapOvr>
     <a:masterClrMapping/>
   </p:clrMapOvr>
+  <mc:AlternateContent xmlns:mc="http://schemas.openxmlformats.org/markup-compatibility/2006">
+    <mc:Choice xmlns:p14="http://schemas.microsoft.com/office/powerpoint/2010/main" Requires="p14">
+      <p:transition spd="slow" p14:dur="2000"/>
+    </mc:Choice>
+    <mc:Fallback>
+      <p:transition xmlns:p14="http://schemas.microsoft.com/office/powerpoint/2010/main" spd="slow"/>
+    </mc:Fallback>
+  </mc:AlternateContent>
 </p:sld>
 </file>
 
@@ -16774,14 +16987,27 @@
             <p:ph type="title"/>
           </p:nvPr>
         </p:nvSpPr>
-        <p:spPr/>
-        <p:txBody>
-          <a:bodyPr/>
-          <a:lstStyle/>
-          <a:p>
-            <a:r>
-              <a:rPr lang="en-US" dirty="0" smtClean="0"/>
-              <a:t>Relating infrastructure solutions to the Data Pipeline</a:t>
+        <p:spPr>
+          <a:xfrm>
+            <a:off x="954131" y="310162"/>
+            <a:ext cx="7631231" cy="990107"/>
+          </a:xfrm>
+        </p:spPr>
+        <p:txBody>
+          <a:bodyPr/>
+          <a:lstStyle/>
+          <a:p>
+            <a:r>
+              <a:rPr lang="en-US" dirty="0" smtClean="0"/>
+              <a:t>Case Study [Bad Data Handbook </a:t>
+            </a:r>
+            <a:r>
+              <a:rPr lang="en-US" dirty="0" err="1" smtClean="0"/>
+              <a:t>Ch</a:t>
+            </a:r>
+            <a:r>
+              <a:rPr lang="en-US" dirty="0" smtClean="0"/>
+              <a:t> 12]</a:t>
             </a:r>
             <a:endParaRPr lang="en-US" dirty="0"/>
           </a:p>
@@ -16807,12 +17033,59 @@
             </a:pPr>
             <a:r>
               <a:rPr lang="en-US" dirty="0" smtClean="0"/>
-              <a:t>Understand your data problem </a:t>
+              <a:t>Studying online text data (NLP)</a:t>
+            </a:r>
+          </a:p>
+          <a:p>
+            <a:pPr marL="0" indent="0">
+              <a:buNone/>
+            </a:pPr>
+            <a:r>
+              <a:rPr lang="en-US" dirty="0" smtClean="0"/>
+              <a:t>Scraped data into </a:t>
             </a:r>
             <a:r>
               <a:rPr lang="en-US" i="1" dirty="0" smtClean="0"/>
-              <a:t>first </a:t>
-            </a:r>
+              <a:t>Apache</a:t>
+            </a:r>
+            <a:r>
+              <a:rPr lang="en-US" dirty="0" smtClean="0"/>
+              <a:t> </a:t>
+            </a:r>
+            <a:r>
+              <a:rPr lang="en-US" dirty="0" err="1" smtClean="0"/>
+              <a:t>CouchDB</a:t>
+            </a:r>
+            <a:endParaRPr lang="en-US" dirty="0" smtClean="0"/>
+          </a:p>
+          <a:p>
+            <a:r>
+              <a:rPr lang="en-US" dirty="0" smtClean="0"/>
+              <a:t>JSON based</a:t>
+            </a:r>
+          </a:p>
+          <a:p>
+            <a:r>
+              <a:rPr lang="en-US" dirty="0" smtClean="0"/>
+              <a:t>Schema-less / Document oriented</a:t>
+            </a:r>
+          </a:p>
+          <a:p>
+            <a:r>
+              <a:rPr lang="en-US" dirty="0" smtClean="0"/>
+              <a:t>HTTP support</a:t>
+            </a:r>
+          </a:p>
+          <a:p>
+            <a:r>
+              <a:rPr lang="en-US" dirty="0" smtClean="0"/>
+              <a:t>Supports </a:t>
+            </a:r>
+            <a:r>
+              <a:rPr lang="en-US" dirty="0" err="1" smtClean="0"/>
+              <a:t>MapReduce</a:t>
+            </a:r>
+            <a:endParaRPr lang="en-US" dirty="0" smtClean="0"/>
           </a:p>
           <a:p>
             <a:pPr marL="0" indent="0">
@@ -16820,7 +17093,7 @@
             </a:pPr>
             <a:r>
               <a:rPr lang="en-US" dirty="0" smtClean="0"/>
-              <a:t>Outsource things that aren’t key to your contribution</a:t>
+              <a:t>Collected 70GB of blog posts </a:t>
             </a:r>
           </a:p>
           <a:p>
@@ -16829,23 +17102,9 @@
             </a:pPr>
             <a:r>
               <a:rPr lang="en-US" dirty="0" smtClean="0"/>
-              <a:t>Start small  -- test on a subset of data to find basic problems first</a:t>
-            </a:r>
-          </a:p>
-          <a:p>
-            <a:pPr marL="0" indent="0">
-              <a:buNone/>
-            </a:pPr>
-            <a:r>
-              <a:rPr lang="en-US" dirty="0" smtClean="0"/>
-              <a:t>Plan to scale up </a:t>
-            </a:r>
-          </a:p>
-          <a:p>
-            <a:pPr marL="0" indent="0">
-              <a:buNone/>
-            </a:pPr>
-            <a:endParaRPr lang="en-US" dirty="0" smtClean="0"/>
+              <a:t>[McNamara]</a:t>
+            </a:r>
+            <a:endParaRPr lang="en-US" dirty="0"/>
           </a:p>
         </p:txBody>
       </p:sp>
@@ -16917,7 +17176,7 @@
     </p:spTree>
     <p:extLst>
       <p:ext uri="{BB962C8B-B14F-4D97-AF65-F5344CB8AC3E}">
-        <p14:creationId xmlns:p14="http://schemas.microsoft.com/office/powerpoint/2010/main" val="4252009038"/>
+        <p14:creationId xmlns:p14="http://schemas.microsoft.com/office/powerpoint/2010/main" val="1738120900"/>
       </p:ext>
     </p:extLst>
   </p:cSld>
@@ -17192,14 +17451,27 @@
             <p:ph type="title"/>
           </p:nvPr>
         </p:nvSpPr>
-        <p:spPr/>
-        <p:txBody>
-          <a:bodyPr/>
-          <a:lstStyle/>
-          <a:p>
-            <a:r>
-              <a:rPr lang="en-US" dirty="0" smtClean="0"/>
-              <a:t>Relating infrastructure solutions to the Data Pipeline</a:t>
+        <p:spPr>
+          <a:xfrm>
+            <a:off x="954131" y="310162"/>
+            <a:ext cx="7631231" cy="990107"/>
+          </a:xfrm>
+        </p:spPr>
+        <p:txBody>
+          <a:bodyPr/>
+          <a:lstStyle/>
+          <a:p>
+            <a:r>
+              <a:rPr lang="en-US" dirty="0" smtClean="0"/>
+              <a:t>Case Study [Bad Data Handbook </a:t>
+            </a:r>
+            <a:r>
+              <a:rPr lang="en-US" dirty="0" err="1" smtClean="0"/>
+              <a:t>Ch</a:t>
+            </a:r>
+            <a:r>
+              <a:rPr lang="en-US" dirty="0" smtClean="0"/>
+              <a:t> 12]</a:t>
             </a:r>
             <a:endParaRPr lang="en-US" dirty="0"/>
           </a:p>
@@ -17224,21 +17496,60 @@
               <a:buNone/>
             </a:pPr>
             <a:r>
-              <a:rPr lang="en-US" b="1" dirty="0" smtClean="0"/>
-              <a:t>Collecting Data:</a:t>
-            </a:r>
-            <a:r>
-              <a:rPr lang="en-US" dirty="0" smtClean="0"/>
-              <a:t> File System? Or </a:t>
-            </a:r>
-            <a:r>
-              <a:rPr lang="en-US" i="1" dirty="0" err="1" smtClean="0"/>
-              <a:t>Redis</a:t>
-            </a:r>
-            <a:r>
-              <a:rPr lang="en-US" dirty="0" smtClean="0"/>
-              <a:t>  [write heavy]</a:t>
-            </a:r>
+              <a:rPr lang="en-US" dirty="0" smtClean="0"/>
+              <a:t>Poor debugging experience</a:t>
+            </a:r>
+          </a:p>
+          <a:p>
+            <a:r>
+              <a:rPr lang="en-US" dirty="0" smtClean="0"/>
+              <a:t>Error output poor</a:t>
+            </a:r>
+          </a:p>
+          <a:p>
+            <a:r>
+              <a:rPr lang="en-US" dirty="0" err="1" smtClean="0"/>
+              <a:t>MapReduce</a:t>
+            </a:r>
+            <a:r>
+              <a:rPr lang="en-US" dirty="0" smtClean="0"/>
+              <a:t> errors occurred only at </a:t>
+            </a:r>
+            <a:r>
+              <a:rPr lang="en-US" i="1" dirty="0" smtClean="0"/>
+              <a:t>reduce </a:t>
+            </a:r>
+            <a:r>
+              <a:rPr lang="en-US" dirty="0" smtClean="0"/>
+              <a:t>stage (slow debug cycle)</a:t>
+            </a:r>
+          </a:p>
+          <a:p>
+            <a:r>
+              <a:rPr lang="en-US" dirty="0" smtClean="0"/>
+              <a:t>Indexing data took days; failures could occur at any point</a:t>
+            </a:r>
+          </a:p>
+          <a:p>
+            <a:pPr marL="0" indent="0">
+              <a:buNone/>
+            </a:pPr>
+            <a:r>
+              <a:rPr lang="en-US" dirty="0" smtClean="0"/>
+              <a:t>-&gt; Fast write, slow &amp; difficult querying</a:t>
+            </a:r>
+          </a:p>
+          <a:p>
+            <a:pPr marL="0" indent="0">
+              <a:buNone/>
+            </a:pPr>
+            <a:r>
+              <a:rPr lang="en-US" dirty="0" smtClean="0"/>
+              <a:t>OPPOSITE of what he needed… File System might have been better, or REDIS</a:t>
+            </a:r>
+          </a:p>
+          <a:p>
+            <a:endParaRPr lang="en-US" dirty="0"/>
           </a:p>
         </p:txBody>
       </p:sp>
@@ -17310,7 +17621,7 @@
     </p:spTree>
     <p:extLst>
       <p:ext uri="{BB962C8B-B14F-4D97-AF65-F5344CB8AC3E}">
-        <p14:creationId xmlns:p14="http://schemas.microsoft.com/office/powerpoint/2010/main" val="847895473"/>
+        <p14:creationId xmlns:p14="http://schemas.microsoft.com/office/powerpoint/2010/main" val="1941621020"/>
       </p:ext>
     </p:extLst>
   </p:cSld>
@@ -17370,12 +17681,7 @@
             <p:ph idx="1"/>
           </p:nvPr>
         </p:nvSpPr>
-        <p:spPr>
-          <a:xfrm>
-            <a:off x="1128943" y="1847153"/>
-            <a:ext cx="7597550" cy="4379976"/>
-          </a:xfrm>
-        </p:spPr>
+        <p:spPr/>
         <p:txBody>
           <a:bodyPr/>
           <a:lstStyle/>
@@ -17384,20 +17690,12 @@
               <a:buNone/>
             </a:pPr>
             <a:r>
-              <a:rPr lang="en-US" b="1" dirty="0" smtClean="0"/>
-              <a:t>Collecting Data: </a:t>
-            </a:r>
-            <a:r>
-              <a:rPr lang="en-US" dirty="0" smtClean="0"/>
-              <a:t>FS/</a:t>
-            </a:r>
-            <a:r>
-              <a:rPr lang="en-US" dirty="0" err="1" smtClean="0"/>
-              <a:t>Redis</a:t>
-            </a:r>
-            <a:r>
-              <a:rPr lang="en-US" dirty="0" smtClean="0"/>
-              <a:t>  [write heavy] </a:t>
+              <a:rPr lang="en-US" dirty="0" smtClean="0"/>
+              <a:t>Understand your data problem </a:t>
+            </a:r>
+            <a:r>
+              <a:rPr lang="en-US" i="1" dirty="0" smtClean="0"/>
+              <a:t>first </a:t>
             </a:r>
           </a:p>
           <a:p>
@@ -17405,53 +17703,33 @@
               <a:buNone/>
             </a:pPr>
             <a:r>
-              <a:rPr lang="en-US" b="1" dirty="0" smtClean="0"/>
-              <a:t>Organizing and Processing for future needs: </a:t>
-            </a:r>
-            <a:r>
-              <a:rPr lang="en-US" dirty="0" err="1" smtClean="0"/>
-              <a:t>Hadoop</a:t>
-            </a:r>
-            <a:r>
-              <a:rPr lang="en-US" dirty="0" smtClean="0"/>
-              <a:t>/Map Reduce related tools [flexible, not always efficient, not enterprise-ready]</a:t>
-            </a:r>
-          </a:p>
-          <a:p>
-            <a:pPr>
-              <a:buFontTx/>
-              <a:buChar char="-"/>
+              <a:rPr lang="en-US" dirty="0" smtClean="0"/>
+              <a:t>Outsource things that aren’t key to your contribution</a:t>
+            </a:r>
+          </a:p>
+          <a:p>
+            <a:pPr marL="0" indent="0">
+              <a:buNone/>
             </a:pPr>
             <a:r>
               <a:rPr lang="en-US" dirty="0" smtClean="0"/>
-              <a:t>Lacks automated backups</a:t>
-            </a:r>
-          </a:p>
-          <a:p>
-            <a:pPr>
-              <a:buFontTx/>
-              <a:buChar char="-"/>
+              <a:t>Start small  -- test on a subset of data to find basic problems first</a:t>
+            </a:r>
+          </a:p>
+          <a:p>
+            <a:pPr marL="0" indent="0">
+              <a:buNone/>
             </a:pPr>
             <a:r>
               <a:rPr lang="en-US" dirty="0" smtClean="0"/>
-              <a:t>Lacks interoperability with existing </a:t>
-            </a:r>
-            <a:r>
-              <a:rPr lang="en-US" dirty="0" err="1" smtClean="0"/>
-              <a:t>filesystems</a:t>
-            </a:r>
-            <a:endParaRPr lang="en-US" dirty="0"/>
-          </a:p>
-          <a:p>
-            <a:pPr>
-              <a:buFontTx/>
-              <a:buChar char="-"/>
+              <a:t>Plan to scale up </a:t>
+            </a:r>
+          </a:p>
+          <a:p>
+            <a:pPr marL="0" indent="0">
+              <a:buNone/>
             </a:pPr>
-            <a:r>
-              <a:rPr lang="en-US" dirty="0" smtClean="0"/>
-              <a:t>Better for batch than interactive tasks</a:t>
-            </a:r>
-            <a:endParaRPr lang="en-US" dirty="0"/>
+            <a:endParaRPr lang="en-US" dirty="0" smtClean="0"/>
           </a:p>
         </p:txBody>
       </p:sp>
@@ -17520,94 +17798,10 @@
           </a:p>
         </p:txBody>
       </p:sp>
-      <p:sp>
-        <p:nvSpPr>
-          <p:cNvPr id="7" name="Rectangle 6"/>
-          <p:cNvSpPr/>
-          <p:nvPr/>
-        </p:nvSpPr>
-        <p:spPr>
-          <a:xfrm>
-            <a:off x="1128942" y="5396742"/>
-            <a:ext cx="6597625" cy="861774"/>
-          </a:xfrm>
-          <a:prstGeom prst="rect">
-            <a:avLst/>
-          </a:prstGeom>
-        </p:spPr>
-        <p:txBody>
-          <a:bodyPr wrap="square">
-            <a:spAutoFit/>
-          </a:bodyPr>
-          <a:lstStyle/>
-          <a:p>
-            <a:r>
-              <a:rPr lang="en-US" sz="3200" dirty="0" smtClean="0">
-                <a:solidFill>
-                  <a:schemeClr val="accent3"/>
-                </a:solidFill>
-              </a:rPr>
-              <a:t>Other options to compare: </a:t>
-            </a:r>
-            <a:br>
-              <a:rPr lang="en-US" sz="3200" dirty="0" smtClean="0">
-                <a:solidFill>
-                  <a:schemeClr val="accent3"/>
-                </a:solidFill>
-              </a:rPr>
-            </a:br>
-            <a:r>
-              <a:rPr lang="en-US" dirty="0" smtClean="0">
-                <a:solidFill>
-                  <a:schemeClr val="accent3"/>
-                </a:solidFill>
-              </a:rPr>
-              <a:t>http</a:t>
-            </a:r>
-            <a:r>
-              <a:rPr lang="en-US" dirty="0">
-                <a:solidFill>
-                  <a:schemeClr val="accent3"/>
-                </a:solidFill>
-              </a:rPr>
-              <a:t>://</a:t>
-            </a:r>
-            <a:r>
-              <a:rPr lang="en-US" dirty="0" err="1">
-                <a:solidFill>
-                  <a:schemeClr val="accent3"/>
-                </a:solidFill>
-              </a:rPr>
-              <a:t>kkovacs.eu</a:t>
-            </a:r>
-            <a:r>
-              <a:rPr lang="en-US" dirty="0">
-                <a:solidFill>
-                  <a:schemeClr val="accent3"/>
-                </a:solidFill>
-              </a:rPr>
-              <a:t>/</a:t>
-            </a:r>
-            <a:r>
-              <a:rPr lang="en-US" dirty="0" err="1">
-                <a:solidFill>
-                  <a:schemeClr val="accent3"/>
-                </a:solidFill>
-              </a:rPr>
-              <a:t>cassandra-vs-mongodb-vs-couchdb-vs-redis</a:t>
-            </a:r>
-            <a:endParaRPr lang="en-US" dirty="0">
-              <a:solidFill>
-                <a:schemeClr val="accent3"/>
-              </a:solidFill>
-            </a:endParaRPr>
-          </a:p>
-        </p:txBody>
-      </p:sp>
     </p:spTree>
     <p:extLst>
       <p:ext uri="{BB962C8B-B14F-4D97-AF65-F5344CB8AC3E}">
-        <p14:creationId xmlns:p14="http://schemas.microsoft.com/office/powerpoint/2010/main" val="850245698"/>
+        <p14:creationId xmlns:p14="http://schemas.microsoft.com/office/powerpoint/2010/main" val="4252009038"/>
       </p:ext>
     </p:extLst>
   </p:cSld>
@@ -17667,12 +17861,7 @@
             <p:ph idx="1"/>
           </p:nvPr>
         </p:nvSpPr>
-        <p:spPr>
-          <a:xfrm>
-            <a:off x="1128943" y="1847153"/>
-            <a:ext cx="7887140" cy="4379976"/>
-          </a:xfrm>
-        </p:spPr>
+        <p:spPr/>
         <p:txBody>
           <a:bodyPr/>
           <a:lstStyle/>
@@ -17686,87 +17875,16 @@
             </a:r>
             <a:r>
               <a:rPr lang="en-US" dirty="0" smtClean="0"/>
-              <a:t> FS/</a:t>
-            </a:r>
-            <a:r>
-              <a:rPr lang="en-US" dirty="0" err="1" smtClean="0"/>
+              <a:t> File System? Or </a:t>
+            </a:r>
+            <a:r>
+              <a:rPr lang="en-US" i="1" dirty="0" err="1" smtClean="0"/>
               <a:t>Redis</a:t>
             </a:r>
             <a:r>
               <a:rPr lang="en-US" dirty="0" smtClean="0"/>
               <a:t>  [write heavy]</a:t>
             </a:r>
-          </a:p>
-          <a:p>
-            <a:pPr marL="0" indent="0">
-              <a:buNone/>
-            </a:pPr>
-            <a:r>
-              <a:rPr lang="en-US" b="1" dirty="0" smtClean="0"/>
-              <a:t>Organizing and Processing for future needs: </a:t>
-            </a:r>
-            <a:r>
-              <a:rPr lang="en-US" dirty="0" err="1" smtClean="0"/>
-              <a:t>Hadoop</a:t>
-            </a:r>
-            <a:r>
-              <a:rPr lang="en-US" dirty="0" smtClean="0"/>
-              <a:t>/Map Reduce related tools [flexible, not always efficient, not enterprise-ready]</a:t>
-            </a:r>
-          </a:p>
-          <a:p>
-            <a:pPr marL="0" indent="0">
-              <a:buNone/>
-            </a:pPr>
-            <a:r>
-              <a:rPr lang="en-US" b="1" dirty="0" smtClean="0"/>
-              <a:t>Visualization:</a:t>
-            </a:r>
-            <a:r>
-              <a:rPr lang="en-US" dirty="0" smtClean="0"/>
-              <a:t> Google Big Query + D3 </a:t>
-            </a:r>
-          </a:p>
-          <a:p>
-            <a:pPr marL="0" indent="0">
-              <a:buNone/>
-            </a:pPr>
-            <a:r>
-              <a:rPr lang="en-US" b="1" dirty="0"/>
-              <a:t>Summarization: </a:t>
-            </a:r>
-            <a:r>
-              <a:rPr lang="en-US" dirty="0"/>
-              <a:t>Google Big Query </a:t>
-            </a:r>
-            <a:endParaRPr lang="en-US" dirty="0" smtClean="0"/>
-          </a:p>
-          <a:p>
-            <a:pPr>
-              <a:buFontTx/>
-              <a:buChar char="-"/>
-            </a:pPr>
-            <a:r>
-              <a:rPr lang="en-US" dirty="0" smtClean="0"/>
-              <a:t>In the cloud </a:t>
-            </a:r>
-          </a:p>
-          <a:p>
-            <a:pPr>
-              <a:buFontTx/>
-              <a:buChar char="-"/>
-            </a:pPr>
-            <a:r>
-              <a:rPr lang="en-US" dirty="0" smtClean="0"/>
-              <a:t>Network speed a limiting factor</a:t>
-            </a:r>
-          </a:p>
-          <a:p>
-            <a:pPr>
-              <a:buFontTx/>
-              <a:buChar char="-"/>
-            </a:pPr>
-            <a:endParaRPr lang="en-US" dirty="0"/>
           </a:p>
         </p:txBody>
       </p:sp>
@@ -17838,7 +17956,7 @@
     </p:spTree>
     <p:extLst>
       <p:ext uri="{BB962C8B-B14F-4D97-AF65-F5344CB8AC3E}">
-        <p14:creationId xmlns:p14="http://schemas.microsoft.com/office/powerpoint/2010/main" val="3215531682"/>
+        <p14:creationId xmlns:p14="http://schemas.microsoft.com/office/powerpoint/2010/main" val="847895473"/>
       </p:ext>
     </p:extLst>
   </p:cSld>
@@ -17901,7 +18019,7 @@
         <p:spPr>
           <a:xfrm>
             <a:off x="1128943" y="1847153"/>
-            <a:ext cx="7887140" cy="4379976"/>
+            <a:ext cx="7597550" cy="4379976"/>
           </a:xfrm>
         </p:spPr>
         <p:txBody>
@@ -17925,7 +18043,7 @@
             </a:r>
             <a:r>
               <a:rPr lang="en-US" dirty="0" smtClean="0"/>
-              <a:t>  [write heavy]</a:t>
+              <a:t>  [write heavy] </a:t>
             </a:r>
           </a:p>
           <a:p>
@@ -17946,44 +18064,39 @@
             </a:r>
           </a:p>
           <a:p>
-            <a:pPr marL="0" indent="0">
-              <a:buNone/>
+            <a:pPr>
+              <a:buFontTx/>
+              <a:buChar char="-"/>
             </a:pPr>
             <a:r>
-              <a:rPr lang="en-US" b="1" dirty="0" smtClean="0"/>
-              <a:t>Visualization: </a:t>
-            </a:r>
-            <a:r>
-              <a:rPr lang="en-US" dirty="0" smtClean="0"/>
-              <a:t>Google Big Query + D3 </a:t>
-            </a:r>
-          </a:p>
-          <a:p>
-            <a:pPr marL="0" indent="0">
-              <a:buNone/>
+              <a:rPr lang="en-US" dirty="0" smtClean="0"/>
+              <a:t>Lacks automated backups</a:t>
+            </a:r>
+          </a:p>
+          <a:p>
+            <a:pPr>
+              <a:buFontTx/>
+              <a:buChar char="-"/>
             </a:pPr>
             <a:r>
-              <a:rPr lang="en-US" b="1" dirty="0" smtClean="0"/>
-              <a:t>Summarization: </a:t>
-            </a:r>
-            <a:r>
-              <a:rPr lang="en-US" dirty="0" smtClean="0"/>
-              <a:t>Google Big Query </a:t>
-            </a:r>
-          </a:p>
-          <a:p>
-            <a:pPr marL="0" indent="0">
-              <a:buNone/>
+              <a:rPr lang="en-US" dirty="0" smtClean="0"/>
+              <a:t>Lacks interoperability with existing </a:t>
+            </a:r>
+            <a:r>
+              <a:rPr lang="en-US" dirty="0" err="1" smtClean="0"/>
+              <a:t>filesystems</a:t>
+            </a:r>
+            <a:endParaRPr lang="en-US" dirty="0"/>
+          </a:p>
+          <a:p>
+            <a:pPr>
+              <a:buFontTx/>
+              <a:buChar char="-"/>
             </a:pPr>
             <a:r>
               <a:rPr lang="en-US" dirty="0" smtClean="0"/>
-              <a:t>Machine Learning: About to discuss [but first, streaming…]</a:t>
-            </a:r>
-          </a:p>
-          <a:p>
-            <a:pPr marL="0" indent="0">
-              <a:buNone/>
-            </a:pPr>
+              <a:t>Better for batch than interactive tasks</a:t>
+            </a:r>
             <a:endParaRPr lang="en-US" dirty="0"/>
           </a:p>
         </p:txBody>
@@ -18053,10 +18166,94 @@
           </a:p>
         </p:txBody>
       </p:sp>
+      <p:sp>
+        <p:nvSpPr>
+          <p:cNvPr id="7" name="Rectangle 6"/>
+          <p:cNvSpPr/>
+          <p:nvPr/>
+        </p:nvSpPr>
+        <p:spPr>
+          <a:xfrm>
+            <a:off x="1128942" y="5396742"/>
+            <a:ext cx="6597625" cy="861774"/>
+          </a:xfrm>
+          <a:prstGeom prst="rect">
+            <a:avLst/>
+          </a:prstGeom>
+        </p:spPr>
+        <p:txBody>
+          <a:bodyPr wrap="square">
+            <a:spAutoFit/>
+          </a:bodyPr>
+          <a:lstStyle/>
+          <a:p>
+            <a:r>
+              <a:rPr lang="en-US" sz="3200" dirty="0" smtClean="0">
+                <a:solidFill>
+                  <a:schemeClr val="accent3"/>
+                </a:solidFill>
+              </a:rPr>
+              <a:t>Other options to compare: </a:t>
+            </a:r>
+            <a:br>
+              <a:rPr lang="en-US" sz="3200" dirty="0" smtClean="0">
+                <a:solidFill>
+                  <a:schemeClr val="accent3"/>
+                </a:solidFill>
+              </a:rPr>
+            </a:br>
+            <a:r>
+              <a:rPr lang="en-US" dirty="0" smtClean="0">
+                <a:solidFill>
+                  <a:schemeClr val="accent3"/>
+                </a:solidFill>
+              </a:rPr>
+              <a:t>http</a:t>
+            </a:r>
+            <a:r>
+              <a:rPr lang="en-US" dirty="0">
+                <a:solidFill>
+                  <a:schemeClr val="accent3"/>
+                </a:solidFill>
+              </a:rPr>
+              <a:t>://</a:t>
+            </a:r>
+            <a:r>
+              <a:rPr lang="en-US" dirty="0" err="1">
+                <a:solidFill>
+                  <a:schemeClr val="accent3"/>
+                </a:solidFill>
+              </a:rPr>
+              <a:t>kkovacs.eu</a:t>
+            </a:r>
+            <a:r>
+              <a:rPr lang="en-US" dirty="0">
+                <a:solidFill>
+                  <a:schemeClr val="accent3"/>
+                </a:solidFill>
+              </a:rPr>
+              <a:t>/</a:t>
+            </a:r>
+            <a:r>
+              <a:rPr lang="en-US" dirty="0" err="1">
+                <a:solidFill>
+                  <a:schemeClr val="accent3"/>
+                </a:solidFill>
+              </a:rPr>
+              <a:t>cassandra-vs-mongodb-vs-couchdb-vs-redis</a:t>
+            </a:r>
+            <a:endParaRPr lang="en-US" dirty="0">
+              <a:solidFill>
+                <a:schemeClr val="accent3"/>
+              </a:solidFill>
+            </a:endParaRPr>
+          </a:p>
+        </p:txBody>
+      </p:sp>
     </p:spTree>
     <p:extLst>
       <p:ext uri="{BB962C8B-B14F-4D97-AF65-F5344CB8AC3E}">
-        <p14:creationId xmlns:p14="http://schemas.microsoft.com/office/powerpoint/2010/main" val="2900033141"/>
+        <p14:creationId xmlns:p14="http://schemas.microsoft.com/office/powerpoint/2010/main" val="850245698"/>
       </p:ext>
     </p:extLst>
   </p:cSld>
@@ -18093,75 +18290,128 @@
             <p:ph type="title"/>
           </p:nvPr>
         </p:nvSpPr>
+        <p:spPr/>
+        <p:txBody>
+          <a:bodyPr/>
+          <a:lstStyle/>
+          <a:p>
+            <a:r>
+              <a:rPr lang="en-US" dirty="0" smtClean="0"/>
+              <a:t>Relating infrastructure solutions to the Data Pipeline</a:t>
+            </a:r>
+            <a:endParaRPr lang="en-US" dirty="0"/>
+          </a:p>
+        </p:txBody>
+      </p:sp>
+      <p:sp>
+        <p:nvSpPr>
+          <p:cNvPr id="3" name="Content Placeholder 2"/>
+          <p:cNvSpPr>
+            <a:spLocks noGrp="1"/>
+          </p:cNvSpPr>
+          <p:nvPr>
+            <p:ph idx="1"/>
+          </p:nvPr>
+        </p:nvSpPr>
         <p:spPr>
           <a:xfrm>
-            <a:off x="954132" y="310162"/>
-            <a:ext cx="7394545" cy="990107"/>
+            <a:off x="1128943" y="1847153"/>
+            <a:ext cx="7887140" cy="4379976"/>
           </a:xfrm>
         </p:spPr>
         <p:txBody>
           <a:bodyPr/>
           <a:lstStyle/>
           <a:p>
-            <a:r>
-              <a:rPr lang="en-US" dirty="0" smtClean="0"/>
-              <a:t>What are some Big </a:t>
+            <a:pPr marL="0" indent="0">
+              <a:buNone/>
+            </a:pPr>
+            <a:r>
+              <a:rPr lang="en-US" b="1" dirty="0" smtClean="0"/>
+              <a:t>Collecting Data:</a:t>
+            </a:r>
+            <a:r>
+              <a:rPr lang="en-US" dirty="0" smtClean="0"/>
+              <a:t> FS/</a:t>
+            </a:r>
+            <a:r>
+              <a:rPr lang="en-US" dirty="0" err="1" smtClean="0"/>
+              <a:t>Redis</a:t>
+            </a:r>
+            <a:r>
+              <a:rPr lang="en-US" dirty="0" smtClean="0"/>
+              <a:t>  [write heavy]</a:t>
+            </a:r>
+          </a:p>
+          <a:p>
+            <a:pPr marL="0" indent="0">
+              <a:buNone/>
+            </a:pPr>
+            <a:r>
+              <a:rPr lang="en-US" b="1" dirty="0" smtClean="0"/>
+              <a:t>Organizing and Processing for future needs: </a:t>
+            </a:r>
+            <a:r>
+              <a:rPr lang="en-US" dirty="0" err="1" smtClean="0"/>
+              <a:t>Hadoop</a:t>
+            </a:r>
+            <a:r>
+              <a:rPr lang="en-US" dirty="0" smtClean="0"/>
+              <a:t>/Map Reduce related tools [flexible, not always efficient, not enterprise-ready]</a:t>
+            </a:r>
+          </a:p>
+          <a:p>
+            <a:pPr marL="0" indent="0">
+              <a:buNone/>
+            </a:pPr>
+            <a:r>
+              <a:rPr lang="en-US" b="1" dirty="0" smtClean="0"/>
+              <a:t>Visualization:</a:t>
+            </a:r>
+            <a:r>
+              <a:rPr lang="en-US" dirty="0" smtClean="0"/>
+              <a:t> Google Big Query + D3 </a:t>
+            </a:r>
+          </a:p>
+          <a:p>
+            <a:pPr marL="0" indent="0">
+              <a:buNone/>
+            </a:pPr>
+            <a:r>
+              <a:rPr lang="en-US" b="1" dirty="0"/>
+              <a:t>Summarization: </a:t>
             </a:r>
             <a:r>
               <a:rPr lang="en-US" dirty="0"/>
-              <a:t>D</a:t>
-            </a:r>
-            <a:r>
-              <a:rPr lang="en-US" dirty="0" smtClean="0"/>
-              <a:t>ata problems?</a:t>
-            </a:r>
-            <a:endParaRPr lang="en-US" dirty="0"/>
-          </a:p>
-        </p:txBody>
-      </p:sp>
-      <p:sp>
-        <p:nvSpPr>
-          <p:cNvPr id="3" name="Content Placeholder 2"/>
-          <p:cNvSpPr>
-            <a:spLocks noGrp="1"/>
-          </p:cNvSpPr>
-          <p:nvPr>
-            <p:ph idx="1"/>
-          </p:nvPr>
-        </p:nvSpPr>
-        <p:spPr/>
-        <p:txBody>
-          <a:bodyPr/>
-          <a:lstStyle/>
-          <a:p>
-            <a:r>
-              <a:rPr lang="en-US" dirty="0" smtClean="0"/>
-              <a:t>How to store it so that operations can be completed quickly and with guarantees</a:t>
-            </a:r>
-          </a:p>
-          <a:p>
-            <a:r>
-              <a:rPr lang="en-US" b="1" dirty="0" smtClean="0"/>
-              <a:t>How to handle ongoing growth (streaming)</a:t>
-            </a:r>
-          </a:p>
-          <a:p>
-            <a:r>
-              <a:rPr lang="en-US" dirty="0" smtClean="0"/>
-              <a:t>How to design algorithms that can operate effectively on Big Data</a:t>
-            </a:r>
-          </a:p>
-          <a:p>
-            <a:r>
-              <a:rPr lang="en-US" dirty="0" smtClean="0"/>
-              <a:t>How to understand it and visualize it</a:t>
-            </a:r>
-          </a:p>
-          <a:p>
-            <a:r>
-              <a:rPr lang="en-US" dirty="0" smtClean="0"/>
-              <a:t>Others?</a:t>
-            </a:r>
+              <a:t>Google Big Query </a:t>
+            </a:r>
+            <a:endParaRPr lang="en-US" dirty="0" smtClean="0"/>
+          </a:p>
+          <a:p>
+            <a:pPr>
+              <a:buFontTx/>
+              <a:buChar char="-"/>
+            </a:pPr>
+            <a:r>
+              <a:rPr lang="en-US" dirty="0" smtClean="0"/>
+              <a:t>In the cloud </a:t>
+            </a:r>
+          </a:p>
+          <a:p>
+            <a:pPr>
+              <a:buFontTx/>
+              <a:buChar char="-"/>
+            </a:pPr>
+            <a:r>
+              <a:rPr lang="en-US" dirty="0" smtClean="0"/>
+              <a:t>Network speed a limiting factor</a:t>
+            </a:r>
+          </a:p>
+          <a:p>
+            <a:pPr>
+              <a:buFontTx/>
+              <a:buChar char="-"/>
+            </a:pPr>
             <a:endParaRPr lang="en-US" dirty="0"/>
           </a:p>
         </p:txBody>
@@ -18234,7 +18484,7 @@
     </p:spTree>
     <p:extLst>
       <p:ext uri="{BB962C8B-B14F-4D97-AF65-F5344CB8AC3E}">
-        <p14:creationId xmlns:p14="http://schemas.microsoft.com/office/powerpoint/2010/main" val="4091328665"/>
+        <p14:creationId xmlns:p14="http://schemas.microsoft.com/office/powerpoint/2010/main" val="3215531682"/>
       </p:ext>
     </p:extLst>
   </p:cSld>
@@ -18271,53 +18521,57 @@
             <p:ph type="title"/>
           </p:nvPr>
         </p:nvSpPr>
+        <p:spPr/>
+        <p:txBody>
+          <a:bodyPr/>
+          <a:lstStyle/>
+          <a:p>
+            <a:r>
+              <a:rPr lang="en-US" dirty="0" smtClean="0"/>
+              <a:t>Relating infrastructure solutions to the Data Pipeline</a:t>
+            </a:r>
+            <a:endParaRPr lang="en-US" dirty="0"/>
+          </a:p>
+        </p:txBody>
+      </p:sp>
+      <p:sp>
+        <p:nvSpPr>
+          <p:cNvPr id="3" name="Content Placeholder 2"/>
+          <p:cNvSpPr>
+            <a:spLocks noGrp="1"/>
+          </p:cNvSpPr>
+          <p:nvPr>
+            <p:ph idx="1"/>
+          </p:nvPr>
+        </p:nvSpPr>
         <p:spPr>
           <a:xfrm>
-            <a:off x="954131" y="310162"/>
-            <a:ext cx="8061951" cy="990107"/>
+            <a:off x="1128943" y="1847153"/>
+            <a:ext cx="7887140" cy="4379976"/>
           </a:xfrm>
         </p:spPr>
         <p:txBody>
           <a:bodyPr/>
           <a:lstStyle/>
           <a:p>
-            <a:r>
-              <a:rPr lang="en-US" dirty="0" smtClean="0"/>
-              <a:t>Mining data from streams [</a:t>
-            </a:r>
-            <a:r>
-              <a:rPr lang="en-US" i="1" dirty="0" smtClean="0"/>
-              <a:t>e.g.</a:t>
-            </a:r>
-            <a:r>
-              <a:rPr lang="en-US" dirty="0" smtClean="0"/>
-              <a:t>, Twitter]</a:t>
-            </a:r>
-            <a:endParaRPr lang="en-US" dirty="0"/>
-          </a:p>
-        </p:txBody>
-      </p:sp>
-      <p:sp>
-        <p:nvSpPr>
-          <p:cNvPr id="3" name="Content Placeholder 2"/>
-          <p:cNvSpPr>
-            <a:spLocks noGrp="1"/>
-          </p:cNvSpPr>
-          <p:nvPr>
-            <p:ph idx="1"/>
-          </p:nvPr>
-        </p:nvSpPr>
-        <p:spPr/>
-        <p:txBody>
-          <a:bodyPr/>
-          <a:lstStyle/>
-          <a:p>
             <a:pPr marL="0" indent="0">
               <a:buNone/>
             </a:pPr>
             <a:r>
-              <a:rPr lang="en-US" dirty="0" smtClean="0"/>
-              <a:t>Don’t know entire data set in advance</a:t>
+              <a:rPr lang="en-US" b="1" dirty="0" smtClean="0"/>
+              <a:t>Collecting Data: </a:t>
+            </a:r>
+            <a:r>
+              <a:rPr lang="en-US" dirty="0" smtClean="0"/>
+              <a:t>FS/</a:t>
+            </a:r>
+            <a:r>
+              <a:rPr lang="en-US" dirty="0" err="1" smtClean="0"/>
+              <a:t>Redis</a:t>
+            </a:r>
+            <a:r>
+              <a:rPr lang="en-US" dirty="0" smtClean="0"/>
+              <a:t>  [write heavy]</a:t>
             </a:r>
           </a:p>
           <a:p>
@@ -18325,39 +18579,57 @@
               <a:buNone/>
             </a:pPr>
             <a:r>
-              <a:rPr lang="en-US" dirty="0" smtClean="0"/>
-              <a:t>Cannot store entire stream</a:t>
-            </a:r>
-            <a:endParaRPr lang="en-US" dirty="0"/>
+              <a:rPr lang="en-US" b="1" dirty="0" smtClean="0"/>
+              <a:t>Organizing and Processing for future needs: </a:t>
+            </a:r>
+            <a:r>
+              <a:rPr lang="en-US" dirty="0" err="1" smtClean="0"/>
+              <a:t>Hadoop</a:t>
+            </a:r>
+            <a:r>
+              <a:rPr lang="en-US" dirty="0" smtClean="0"/>
+              <a:t>/Map Reduce related tools [flexible, not always efficient, not enterprise-ready]</a:t>
+            </a:r>
           </a:p>
           <a:p>
             <a:pPr marL="0" indent="0">
               <a:buNone/>
             </a:pPr>
             <a:r>
-              <a:rPr lang="en-US" dirty="0" smtClean="0"/>
-              <a:t>Ideal for ‘online learning’ (can do this with regression using</a:t>
-            </a:r>
-            <a:r>
-              <a:rPr lang="en-US" i="1" dirty="0" smtClean="0"/>
-              <a:t> stochastic gradient descent </a:t>
-            </a:r>
-            <a:r>
-              <a:rPr lang="en-US" dirty="0" smtClean="0"/>
-              <a:t>learning algorithm)</a:t>
-            </a:r>
-          </a:p>
-          <a:p>
-            <a:r>
-              <a:rPr lang="en-US" dirty="0" smtClean="0"/>
-              <a:t>Train on initial data</a:t>
-            </a:r>
-          </a:p>
-          <a:p>
-            <a:r>
-              <a:rPr lang="en-US" dirty="0" smtClean="0"/>
-              <a:t>Each new example in the stream updates the model</a:t>
-            </a:r>
+              <a:rPr lang="en-US" b="1" dirty="0" smtClean="0"/>
+              <a:t>Visualization: </a:t>
+            </a:r>
+            <a:r>
+              <a:rPr lang="en-US" dirty="0" smtClean="0"/>
+              <a:t>Google Big Query + D3 </a:t>
+            </a:r>
+          </a:p>
+          <a:p>
+            <a:pPr marL="0" indent="0">
+              <a:buNone/>
+            </a:pPr>
+            <a:r>
+              <a:rPr lang="en-US" b="1" dirty="0" smtClean="0"/>
+              <a:t>Summarization: </a:t>
+            </a:r>
+            <a:r>
+              <a:rPr lang="en-US" dirty="0" smtClean="0"/>
+              <a:t>Google Big Query </a:t>
+            </a:r>
+          </a:p>
+          <a:p>
+            <a:pPr marL="0" indent="0">
+              <a:buNone/>
+            </a:pPr>
+            <a:r>
+              <a:rPr lang="en-US" dirty="0" smtClean="0"/>
+              <a:t>Machine Learning: About to discuss [but first, streaming…]</a:t>
+            </a:r>
+          </a:p>
+          <a:p>
+            <a:pPr marL="0" indent="0">
+              <a:buNone/>
+            </a:pPr>
             <a:endParaRPr lang="en-US" dirty="0"/>
           </a:p>
         </p:txBody>
@@ -18430,7 +18702,7 @@
     </p:spTree>
     <p:extLst>
       <p:ext uri="{BB962C8B-B14F-4D97-AF65-F5344CB8AC3E}">
-        <p14:creationId xmlns:p14="http://schemas.microsoft.com/office/powerpoint/2010/main" val="3432432339"/>
+        <p14:creationId xmlns:p14="http://schemas.microsoft.com/office/powerpoint/2010/main" val="2900033141"/>
       </p:ext>
     </p:extLst>
   </p:cSld>
@@ -18470,7 +18742,7 @@
         <p:spPr>
           <a:xfrm>
             <a:off x="954132" y="310162"/>
-            <a:ext cx="7560667" cy="990107"/>
+            <a:ext cx="7394545" cy="990107"/>
           </a:xfrm>
         </p:spPr>
         <p:txBody>
@@ -18479,15 +18751,15 @@
           <a:p>
             <a:r>
               <a:rPr lang="en-US" dirty="0" smtClean="0"/>
-              <a:t>Need to </a:t>
-            </a:r>
-            <a:r>
-              <a:rPr lang="en-US" i="1" dirty="0" smtClean="0"/>
-              <a:t>sample </a:t>
-            </a:r>
-            <a:r>
-              <a:rPr lang="en-US" dirty="0" smtClean="0"/>
-              <a:t>the stream at fixed size </a:t>
+              <a:t>What are some Big </a:t>
+            </a:r>
+            <a:r>
+              <a:rPr lang="en-US" dirty="0"/>
+              <a:t>D</a:t>
+            </a:r>
+            <a:r>
+              <a:rPr lang="en-US" dirty="0" smtClean="0"/>
+              <a:t>ata problems?</a:t>
             </a:r>
             <a:endParaRPr lang="en-US" dirty="0"/>
           </a:p>
@@ -18508,12 +18780,33 @@
           <a:bodyPr/>
           <a:lstStyle/>
           <a:p>
-            <a:pPr marL="0" indent="0">
-              <a:buNone/>
-            </a:pPr>
-            <a:r>
-              <a:rPr lang="en-US" dirty="0" smtClean="0"/>
-              <a:t>Just use the last n elements? </a:t>
+            <a:r>
+              <a:rPr lang="en-US" dirty="0" smtClean="0"/>
+              <a:t>How to store it so that operations can be completed quickly and with guarantees</a:t>
+            </a:r>
+          </a:p>
+          <a:p>
+            <a:r>
+              <a:rPr lang="en-US" b="1" dirty="0" smtClean="0"/>
+              <a:t>How to handle ongoing growth (streaming)</a:t>
+            </a:r>
+          </a:p>
+          <a:p>
+            <a:r>
+              <a:rPr lang="en-US" dirty="0" smtClean="0"/>
+              <a:t>How to design algorithms that can operate effectively on Big Data</a:t>
+            </a:r>
+          </a:p>
+          <a:p>
+            <a:r>
+              <a:rPr lang="en-US" dirty="0" smtClean="0"/>
+              <a:t>How to understand it and visualize it</a:t>
+            </a:r>
+          </a:p>
+          <a:p>
+            <a:r>
+              <a:rPr lang="en-US" dirty="0" smtClean="0"/>
+              <a:t>Others?</a:t>
             </a:r>
             <a:endParaRPr lang="en-US" dirty="0"/>
           </a:p>
@@ -18587,7 +18880,7 @@
     </p:spTree>
     <p:extLst>
       <p:ext uri="{BB962C8B-B14F-4D97-AF65-F5344CB8AC3E}">
-        <p14:creationId xmlns:p14="http://schemas.microsoft.com/office/powerpoint/2010/main" val="221272697"/>
+        <p14:creationId xmlns:p14="http://schemas.microsoft.com/office/powerpoint/2010/main" val="4091328665"/>
       </p:ext>
     </p:extLst>
   </p:cSld>
@@ -18624,22 +18917,27 @@
             <p:ph type="title"/>
           </p:nvPr>
         </p:nvSpPr>
-        <p:spPr/>
-        <p:txBody>
-          <a:bodyPr/>
-          <a:lstStyle/>
-          <a:p>
-            <a:r>
-              <a:rPr lang="en-US" dirty="0" smtClean="0"/>
-              <a:t>Need to </a:t>
+        <p:spPr>
+          <a:xfrm>
+            <a:off x="954131" y="310162"/>
+            <a:ext cx="8061951" cy="990107"/>
+          </a:xfrm>
+        </p:spPr>
+        <p:txBody>
+          <a:bodyPr/>
+          <a:lstStyle/>
+          <a:p>
+            <a:r>
+              <a:rPr lang="en-US" dirty="0" smtClean="0"/>
+              <a:t>Mining data from streams [</a:t>
             </a:r>
             <a:r>
               <a:rPr lang="en-US" i="1" dirty="0" smtClean="0"/>
-              <a:t>sample </a:t>
-            </a:r>
-            <a:r>
-              <a:rPr lang="en-US" dirty="0" smtClean="0"/>
-              <a:t>the stream</a:t>
+              <a:t>e.g.</a:t>
+            </a:r>
+            <a:r>
+              <a:rPr lang="en-US" dirty="0" smtClean="0"/>
+              <a:t>, Twitter]</a:t>
             </a:r>
             <a:endParaRPr lang="en-US" dirty="0"/>
           </a:p>
@@ -18664,8 +18962,8 @@
               <a:buNone/>
             </a:pPr>
             <a:r>
-              <a:rPr lang="en-US" strike="sngStrike" dirty="0" smtClean="0"/>
-              <a:t>Just use the last n elements?</a:t>
+              <a:rPr lang="en-US" dirty="0" smtClean="0"/>
+              <a:t>Don’t know entire data set in advance</a:t>
             </a:r>
           </a:p>
           <a:p>
@@ -18674,7 +18972,37 @@
             </a:pPr>
             <a:r>
               <a:rPr lang="en-US" dirty="0" smtClean="0"/>
-              <a:t>Sample 1/n as far back as we can?</a:t>
+              <a:t>Cannot store entire stream</a:t>
+            </a:r>
+            <a:endParaRPr lang="en-US" dirty="0"/>
+          </a:p>
+          <a:p>
+            <a:pPr marL="0" indent="0">
+              <a:buNone/>
+            </a:pPr>
+            <a:r>
+              <a:rPr lang="en-US" dirty="0" smtClean="0"/>
+              <a:t>Ideal for ‘online learning’ (can do this with regression using</a:t>
+            </a:r>
+            <a:r>
+              <a:rPr lang="en-US" i="1" dirty="0" smtClean="0"/>
+              <a:t> stochastic gradient descent </a:t>
+            </a:r>
+            <a:r>
+              <a:rPr lang="en-US" dirty="0" smtClean="0"/>
+              <a:t>learning algorithm)</a:t>
+            </a:r>
+          </a:p>
+          <a:p>
+            <a:r>
+              <a:rPr lang="en-US" dirty="0" smtClean="0"/>
+              <a:t>Train on initial data</a:t>
+            </a:r>
+          </a:p>
+          <a:p>
+            <a:r>
+              <a:rPr lang="en-US" dirty="0" smtClean="0"/>
+              <a:t>Each new example in the stream updates the model</a:t>
             </a:r>
             <a:endParaRPr lang="en-US" dirty="0"/>
           </a:p>
@@ -18748,7 +19076,7 @@
     </p:spTree>
     <p:extLst>
       <p:ext uri="{BB962C8B-B14F-4D97-AF65-F5344CB8AC3E}">
-        <p14:creationId xmlns:p14="http://schemas.microsoft.com/office/powerpoint/2010/main" val="827121470"/>
+        <p14:creationId xmlns:p14="http://schemas.microsoft.com/office/powerpoint/2010/main" val="3432432339"/>
       </p:ext>
     </p:extLst>
   </p:cSld>
@@ -18792,15 +19120,7 @@
           <a:p>
             <a:r>
               <a:rPr lang="en-US" dirty="0" smtClean="0"/>
-              <a:t>Need to </a:t>
-            </a:r>
-            <a:r>
-              <a:rPr lang="en-US" i="1" dirty="0" smtClean="0"/>
-              <a:t>sample </a:t>
-            </a:r>
-            <a:r>
-              <a:rPr lang="en-US" dirty="0" smtClean="0"/>
-              <a:t>the stream</a:t>
+              <a:t>Sampling from Streams</a:t>
             </a:r>
             <a:endParaRPr lang="en-US" dirty="0"/>
           </a:p>
@@ -18816,7 +19136,12 @@
             <p:ph idx="1"/>
           </p:nvPr>
         </p:nvSpPr>
-        <p:spPr/>
+        <p:spPr>
+          <a:xfrm>
+            <a:off x="1128943" y="1621018"/>
+            <a:ext cx="7048804" cy="4379976"/>
+          </a:xfrm>
+        </p:spPr>
         <p:txBody>
           <a:bodyPr/>
           <a:lstStyle/>
@@ -18825,59 +19150,29 @@
               <a:buNone/>
             </a:pPr>
             <a:r>
-              <a:rPr lang="en-US" strike="sngStrike" dirty="0" smtClean="0"/>
-              <a:t>Just use the last n elements?</a:t>
+              <a:rPr lang="en-US" dirty="0" smtClean="0"/>
+              <a:t>Example</a:t>
+            </a:r>
+            <a:r>
+              <a:rPr lang="en-US" dirty="0"/>
+              <a:t>: Want to ask question of a subset of data and have them be representative of the whole stream</a:t>
             </a:r>
           </a:p>
           <a:p>
             <a:pPr marL="0" indent="0">
               <a:buNone/>
             </a:pPr>
-            <a:r>
-              <a:rPr lang="en-US" strike="sngStrike" dirty="0" smtClean="0"/>
-              <a:t>Sample 1/n as far back as we can?</a:t>
-            </a:r>
+            <a:endParaRPr lang="en-US" dirty="0" smtClean="0"/>
           </a:p>
           <a:p>
             <a:pPr marL="0" indent="0">
               <a:buNone/>
             </a:pPr>
             <a:r>
-              <a:rPr lang="en-US" dirty="0" smtClean="0"/>
-              <a:t>Account for duplicates &amp; so on with weighted samples</a:t>
-            </a:r>
-          </a:p>
-          <a:p>
-            <a:pPr marL="0" indent="0">
-              <a:buNone/>
-            </a:pPr>
-            <a:r>
-              <a:rPr lang="en-US" i="1" dirty="0" smtClean="0"/>
-              <a:t>Or</a:t>
-            </a:r>
-          </a:p>
-          <a:p>
-            <a:pPr marL="0" indent="0">
-              <a:buNone/>
-            </a:pPr>
-            <a:r>
-              <a:rPr lang="en-US" dirty="0" smtClean="0"/>
-              <a:t>Sample 1/n </a:t>
-            </a:r>
-            <a:r>
-              <a:rPr lang="en-US" i="1" dirty="0" smtClean="0"/>
-              <a:t>users </a:t>
-            </a:r>
-            <a:r>
-              <a:rPr lang="en-US" dirty="0" smtClean="0"/>
-              <a:t>but keep entire user log</a:t>
-            </a:r>
-          </a:p>
-          <a:p>
-            <a:pPr marL="0" indent="0">
-              <a:buNone/>
-            </a:pPr>
-            <a:endParaRPr lang="en-US" dirty="0"/>
+              <a:rPr lang="en-US" dirty="0"/>
+              <a:t>	</a:t>
+            </a:r>
+            <a:endParaRPr lang="en-US" dirty="0" smtClean="0"/>
           </a:p>
         </p:txBody>
       </p:sp>
@@ -18946,10 +19241,91 @@
           </a:p>
         </p:txBody>
       </p:sp>
+      <p:sp>
+        <p:nvSpPr>
+          <p:cNvPr id="7" name="Rectangle 6"/>
+          <p:cNvSpPr/>
+          <p:nvPr/>
+        </p:nvSpPr>
+        <p:spPr>
+          <a:xfrm>
+            <a:off x="1128943" y="5635665"/>
+            <a:ext cx="7219734" cy="369332"/>
+          </a:xfrm>
+          <a:prstGeom prst="rect">
+            <a:avLst/>
+          </a:prstGeom>
+        </p:spPr>
+        <p:txBody>
+          <a:bodyPr wrap="square">
+            <a:spAutoFit/>
+          </a:bodyPr>
+          <a:lstStyle/>
+          <a:p>
+            <a:r>
+              <a:rPr lang="en-US" dirty="0" err="1" smtClean="0"/>
+              <a:t>infolab.stanford.edu</a:t>
+            </a:r>
+            <a:r>
+              <a:rPr lang="en-US" dirty="0" smtClean="0"/>
+              <a:t>/~</a:t>
+            </a:r>
+            <a:r>
+              <a:rPr lang="en-US" dirty="0" err="1" smtClean="0"/>
+              <a:t>ullman</a:t>
+            </a:r>
+            <a:r>
+              <a:rPr lang="en-US" dirty="0" smtClean="0"/>
+              <a:t>/</a:t>
+            </a:r>
+            <a:r>
+              <a:rPr lang="en-US" dirty="0" err="1" smtClean="0"/>
+              <a:t>mmds</a:t>
+            </a:r>
+            <a:r>
+              <a:rPr lang="en-US" dirty="0" smtClean="0"/>
+              <a:t>/ch4.pdf</a:t>
+            </a:r>
+            <a:endParaRPr lang="en-US" dirty="0"/>
+          </a:p>
+        </p:txBody>
+      </p:sp>
+      <p:sp>
+        <p:nvSpPr>
+          <p:cNvPr id="8" name="Rectangle 7"/>
+          <p:cNvSpPr/>
+          <p:nvPr/>
+        </p:nvSpPr>
+        <p:spPr>
+          <a:xfrm>
+            <a:off x="1142657" y="6044837"/>
+            <a:ext cx="6223341" cy="369332"/>
+          </a:xfrm>
+          <a:prstGeom prst="rect">
+            <a:avLst/>
+          </a:prstGeom>
+        </p:spPr>
+        <p:txBody>
+          <a:bodyPr wrap="square">
+            <a:spAutoFit/>
+          </a:bodyPr>
+          <a:lstStyle/>
+          <a:p>
+            <a:r>
+              <a:rPr lang="en-US" dirty="0" err="1"/>
+              <a:t>www.kdd.org</a:t>
+            </a:r>
+            <a:r>
+              <a:rPr lang="en-US" dirty="0"/>
+              <a:t>/kdd2014/tutorials/t10_part1.pptx</a:t>
+            </a:r>
+          </a:p>
+        </p:txBody>
+      </p:sp>
     </p:spTree>
     <p:extLst>
       <p:ext uri="{BB962C8B-B14F-4D97-AF65-F5344CB8AC3E}">
-        <p14:creationId xmlns:p14="http://schemas.microsoft.com/office/powerpoint/2010/main" val="1934151397"/>
+        <p14:creationId xmlns:p14="http://schemas.microsoft.com/office/powerpoint/2010/main" val="1883476239"/>
       </p:ext>
     </p:extLst>
   </p:cSld>
@@ -18993,7 +19369,7 @@
           <a:p>
             <a:r>
               <a:rPr lang="en-US" dirty="0" smtClean="0"/>
-              <a:t>Other sampling strategies</a:t>
+              <a:t>Sampling from Streams</a:t>
             </a:r>
             <a:endParaRPr lang="en-US" dirty="0"/>
           </a:p>
@@ -19009,7 +19385,12 @@
             <p:ph idx="1"/>
           </p:nvPr>
         </p:nvSpPr>
-        <p:spPr/>
+        <p:spPr>
+          <a:xfrm>
+            <a:off x="1128943" y="1621018"/>
+            <a:ext cx="7048804" cy="4379976"/>
+          </a:xfrm>
+        </p:spPr>
         <p:txBody>
           <a:bodyPr/>
           <a:lstStyle/>
@@ -19019,7 +19400,15 @@
             </a:pPr>
             <a:r>
               <a:rPr lang="en-US" dirty="0" smtClean="0"/>
-              <a:t>What queries are more frequent today than yesterday?</a:t>
+              <a:t>Example</a:t>
+            </a:r>
+            <a:r>
+              <a:rPr lang="en-US" dirty="0"/>
+              <a:t>: Want to ask question of a subset of data and have them be representative of the whole </a:t>
+            </a:r>
+            <a:r>
+              <a:rPr lang="en-US" dirty="0" smtClean="0"/>
+              <a:t>stream</a:t>
             </a:r>
           </a:p>
           <a:p>
@@ -19027,13 +19416,32 @@
               <a:buNone/>
             </a:pPr>
             <a:r>
-              <a:rPr lang="en-US" dirty="0"/>
-              <a:t>	</a:t>
-            </a:r>
-            <a:r>
-              <a:rPr lang="en-US" dirty="0" smtClean="0"/>
-              <a:t>- just need last two days (sliding window)</a:t>
-            </a:r>
+              <a:rPr lang="en-US" dirty="0" smtClean="0"/>
+              <a:t>Could sample 1 of every n elements</a:t>
+            </a:r>
+          </a:p>
+          <a:p>
+            <a:pPr marL="0" indent="0">
+              <a:buNone/>
+            </a:pPr>
+            <a:r>
+              <a:rPr lang="en-US" dirty="0" smtClean="0"/>
+              <a:t>Can also sample based on priority</a:t>
+            </a:r>
+            <a:r>
+              <a:rPr lang="en-US" smtClean="0"/>
+              <a:t>, weights, </a:t>
+            </a:r>
+            <a:r>
+              <a:rPr lang="en-US" dirty="0" smtClean="0"/>
+              <a:t>etc.</a:t>
+            </a:r>
+          </a:p>
+          <a:p>
+            <a:pPr marL="0" indent="0">
+              <a:buNone/>
+            </a:pPr>
+            <a:endParaRPr lang="en-US" dirty="0" smtClean="0"/>
           </a:p>
         </p:txBody>
       </p:sp>
@@ -19102,10 +19510,91 @@
           </a:p>
         </p:txBody>
       </p:sp>
+      <p:sp>
+        <p:nvSpPr>
+          <p:cNvPr id="7" name="Rectangle 6"/>
+          <p:cNvSpPr/>
+          <p:nvPr/>
+        </p:nvSpPr>
+        <p:spPr>
+          <a:xfrm>
+            <a:off x="1128943" y="5635665"/>
+            <a:ext cx="7219734" cy="369332"/>
+          </a:xfrm>
+          <a:prstGeom prst="rect">
+            <a:avLst/>
+          </a:prstGeom>
+        </p:spPr>
+        <p:txBody>
+          <a:bodyPr wrap="square">
+            <a:spAutoFit/>
+          </a:bodyPr>
+          <a:lstStyle/>
+          <a:p>
+            <a:r>
+              <a:rPr lang="en-US" dirty="0" err="1" smtClean="0"/>
+              <a:t>infolab.stanford.edu</a:t>
+            </a:r>
+            <a:r>
+              <a:rPr lang="en-US" dirty="0" smtClean="0"/>
+              <a:t>/~</a:t>
+            </a:r>
+            <a:r>
+              <a:rPr lang="en-US" dirty="0" err="1" smtClean="0"/>
+              <a:t>ullman</a:t>
+            </a:r>
+            <a:r>
+              <a:rPr lang="en-US" dirty="0" smtClean="0"/>
+              <a:t>/</a:t>
+            </a:r>
+            <a:r>
+              <a:rPr lang="en-US" dirty="0" err="1" smtClean="0"/>
+              <a:t>mmds</a:t>
+            </a:r>
+            <a:r>
+              <a:rPr lang="en-US" dirty="0" smtClean="0"/>
+              <a:t>/ch4.pdf</a:t>
+            </a:r>
+            <a:endParaRPr lang="en-US" dirty="0"/>
+          </a:p>
+        </p:txBody>
+      </p:sp>
+      <p:sp>
+        <p:nvSpPr>
+          <p:cNvPr id="8" name="Rectangle 7"/>
+          <p:cNvSpPr/>
+          <p:nvPr/>
+        </p:nvSpPr>
+        <p:spPr>
+          <a:xfrm>
+            <a:off x="1142657" y="6044837"/>
+            <a:ext cx="6223341" cy="369332"/>
+          </a:xfrm>
+          <a:prstGeom prst="rect">
+            <a:avLst/>
+          </a:prstGeom>
+        </p:spPr>
+        <p:txBody>
+          <a:bodyPr wrap="square">
+            <a:spAutoFit/>
+          </a:bodyPr>
+          <a:lstStyle/>
+          <a:p>
+            <a:r>
+              <a:rPr lang="en-US" dirty="0" err="1"/>
+              <a:t>www.kdd.org</a:t>
+            </a:r>
+            <a:r>
+              <a:rPr lang="en-US" dirty="0"/>
+              <a:t>/kdd2014/tutorials/t10_part1.pptx</a:t>
+            </a:r>
+          </a:p>
+        </p:txBody>
+      </p:sp>
     </p:spTree>
     <p:extLst>
       <p:ext uri="{BB962C8B-B14F-4D97-AF65-F5344CB8AC3E}">
-        <p14:creationId xmlns:p14="http://schemas.microsoft.com/office/powerpoint/2010/main" val="2980782060"/>
+        <p14:creationId xmlns:p14="http://schemas.microsoft.com/office/powerpoint/2010/main" val="1977985206"/>
       </p:ext>
     </p:extLst>
   </p:cSld>
@@ -20653,7 +21142,7 @@
           <a:p>
             <a:r>
               <a:rPr lang="en-US" dirty="0" smtClean="0"/>
-              <a:t>Other sampling strategies</a:t>
+              <a:t>Sampling from Streams</a:t>
             </a:r>
             <a:endParaRPr lang="en-US" dirty="0"/>
           </a:p>
@@ -20669,7 +21158,12 @@
             <p:ph idx="1"/>
           </p:nvPr>
         </p:nvSpPr>
-        <p:spPr/>
+        <p:spPr>
+          <a:xfrm>
+            <a:off x="1128943" y="1621018"/>
+            <a:ext cx="7048804" cy="4379976"/>
+          </a:xfrm>
+        </p:spPr>
         <p:txBody>
           <a:bodyPr/>
           <a:lstStyle/>
@@ -20678,8 +21172,32 @@
               <a:buNone/>
             </a:pPr>
             <a:r>
-              <a:rPr lang="en-US" dirty="0" smtClean="0"/>
-              <a:t>What queries are more frequent today than yesterday?</a:t>
+              <a:rPr lang="en-US" dirty="0"/>
+              <a:t>Example: Want to ask question of a subset of data and have them be representative of the whole stream</a:t>
+            </a:r>
+          </a:p>
+          <a:p>
+            <a:pPr marL="0" indent="0">
+              <a:buNone/>
+            </a:pPr>
+            <a:r>
+              <a:rPr lang="en-US" dirty="0" smtClean="0"/>
+              <a:t>Example: Count-distinct elements</a:t>
+            </a:r>
+            <a:br>
+              <a:rPr lang="en-US" dirty="0" smtClean="0"/>
+            </a:br>
+            <a:r>
+              <a:rPr lang="en-US" dirty="0" smtClean="0"/>
+              <a:t>(</a:t>
+            </a:r>
+            <a:r>
+              <a:rPr lang="en-US" i="1" dirty="0" smtClean="0"/>
+              <a:t>e.g. </a:t>
+            </a:r>
+            <a:r>
+              <a:rPr lang="en-US" dirty="0" smtClean="0"/>
+              <a:t>Which pages are getting an unusual number of hits this hour?)</a:t>
             </a:r>
           </a:p>
           <a:p>
@@ -20690,48 +21208,7 @@
               <a:rPr lang="en-US" dirty="0"/>
               <a:t>	</a:t>
             </a:r>
-            <a:r>
-              <a:rPr lang="en-US" dirty="0" smtClean="0"/>
-              <a:t>- just need last two days (sliding window)</a:t>
-            </a:r>
-          </a:p>
-          <a:p>
-            <a:pPr marL="0" indent="0">
-              <a:buNone/>
-            </a:pPr>
-            <a:r>
-              <a:rPr lang="en-US" dirty="0" smtClean="0"/>
-              <a:t>Which pages are getting an unusual number of hits this hour?</a:t>
-            </a:r>
-          </a:p>
-          <a:p>
-            <a:pPr marL="0" indent="0">
-              <a:buNone/>
-            </a:pPr>
-            <a:r>
-              <a:rPr lang="en-US" dirty="0"/>
-              <a:t>	</a:t>
-            </a:r>
-            <a:r>
-              <a:rPr lang="en-US" dirty="0" smtClean="0"/>
-              <a:t>- Count the number of 1s in last N elements (can still be a big problem; </a:t>
-            </a:r>
-            <a:r>
-              <a:rPr lang="en-US" dirty="0" err="1" smtClean="0"/>
-              <a:t>algthms</a:t>
-            </a:r>
-            <a:r>
-              <a:rPr lang="en-US" dirty="0" smtClean="0"/>
-              <a:t> for this in Ullman </a:t>
-            </a:r>
-            <a:r>
-              <a:rPr lang="en-US" dirty="0" err="1" smtClean="0"/>
-              <a:t>Ch</a:t>
-            </a:r>
-            <a:r>
-              <a:rPr lang="en-US" dirty="0" smtClean="0"/>
-              <a:t> 4)</a:t>
-            </a:r>
+            <a:endParaRPr lang="en-US" dirty="0" smtClean="0"/>
           </a:p>
         </p:txBody>
       </p:sp>
@@ -20800,10 +21277,91 @@
           </a:p>
         </p:txBody>
       </p:sp>
+      <p:sp>
+        <p:nvSpPr>
+          <p:cNvPr id="7" name="Rectangle 6"/>
+          <p:cNvSpPr/>
+          <p:nvPr/>
+        </p:nvSpPr>
+        <p:spPr>
+          <a:xfrm>
+            <a:off x="1128943" y="5635665"/>
+            <a:ext cx="7219734" cy="369332"/>
+          </a:xfrm>
+          <a:prstGeom prst="rect">
+            <a:avLst/>
+          </a:prstGeom>
+        </p:spPr>
+        <p:txBody>
+          <a:bodyPr wrap="square">
+            <a:spAutoFit/>
+          </a:bodyPr>
+          <a:lstStyle/>
+          <a:p>
+            <a:r>
+              <a:rPr lang="en-US" dirty="0" err="1" smtClean="0"/>
+              <a:t>infolab.stanford.edu</a:t>
+            </a:r>
+            <a:r>
+              <a:rPr lang="en-US" dirty="0" smtClean="0"/>
+              <a:t>/~</a:t>
+            </a:r>
+            <a:r>
+              <a:rPr lang="en-US" dirty="0" err="1" smtClean="0"/>
+              <a:t>ullman</a:t>
+            </a:r>
+            <a:r>
+              <a:rPr lang="en-US" dirty="0" smtClean="0"/>
+              <a:t>/</a:t>
+            </a:r>
+            <a:r>
+              <a:rPr lang="en-US" dirty="0" err="1" smtClean="0"/>
+              <a:t>mmds</a:t>
+            </a:r>
+            <a:r>
+              <a:rPr lang="en-US" dirty="0" smtClean="0"/>
+              <a:t>/ch4.pdf</a:t>
+            </a:r>
+            <a:endParaRPr lang="en-US" dirty="0"/>
+          </a:p>
+        </p:txBody>
+      </p:sp>
+      <p:sp>
+        <p:nvSpPr>
+          <p:cNvPr id="8" name="Rectangle 7"/>
+          <p:cNvSpPr/>
+          <p:nvPr/>
+        </p:nvSpPr>
+        <p:spPr>
+          <a:xfrm>
+            <a:off x="1142657" y="6044837"/>
+            <a:ext cx="6223341" cy="369332"/>
+          </a:xfrm>
+          <a:prstGeom prst="rect">
+            <a:avLst/>
+          </a:prstGeom>
+        </p:spPr>
+        <p:txBody>
+          <a:bodyPr wrap="square">
+            <a:spAutoFit/>
+          </a:bodyPr>
+          <a:lstStyle/>
+          <a:p>
+            <a:r>
+              <a:rPr lang="en-US" dirty="0" err="1"/>
+              <a:t>www.kdd.org</a:t>
+            </a:r>
+            <a:r>
+              <a:rPr lang="en-US" dirty="0"/>
+              <a:t>/kdd2014/tutorials/t10_part1.pptx</a:t>
+            </a:r>
+          </a:p>
+        </p:txBody>
+      </p:sp>
     </p:spTree>
     <p:extLst>
       <p:ext uri="{BB962C8B-B14F-4D97-AF65-F5344CB8AC3E}">
-        <p14:creationId xmlns:p14="http://schemas.microsoft.com/office/powerpoint/2010/main" val="2288842646"/>
+        <p14:creationId xmlns:p14="http://schemas.microsoft.com/office/powerpoint/2010/main" val="2730005872"/>
       </p:ext>
     </p:extLst>
   </p:cSld>
@@ -20840,70 +21398,89 @@
             <p:ph type="title"/>
           </p:nvPr>
         </p:nvSpPr>
+        <p:spPr/>
+        <p:txBody>
+          <a:bodyPr/>
+          <a:lstStyle/>
+          <a:p>
+            <a:r>
+              <a:rPr lang="en-US" dirty="0" smtClean="0"/>
+              <a:t>Sampling from Streams</a:t>
+            </a:r>
+            <a:endParaRPr lang="en-US" dirty="0"/>
+          </a:p>
+        </p:txBody>
+      </p:sp>
+      <p:sp>
+        <p:nvSpPr>
+          <p:cNvPr id="3" name="Content Placeholder 2"/>
+          <p:cNvSpPr>
+            <a:spLocks noGrp="1"/>
+          </p:cNvSpPr>
+          <p:nvPr>
+            <p:ph idx="1"/>
+          </p:nvPr>
+        </p:nvSpPr>
         <p:spPr>
           <a:xfrm>
-            <a:off x="954132" y="310162"/>
-            <a:ext cx="7559401" cy="990107"/>
+            <a:off x="1128943" y="1621018"/>
+            <a:ext cx="7048804" cy="4379976"/>
           </a:xfrm>
         </p:spPr>
         <p:txBody>
           <a:bodyPr/>
           <a:lstStyle/>
           <a:p>
-            <a:r>
-              <a:rPr lang="en-US" dirty="0" smtClean="0"/>
-              <a:t>What are some Big </a:t>
-            </a:r>
+            <a:pPr marL="0" indent="0">
+              <a:buNone/>
+            </a:pPr>
             <a:r>
               <a:rPr lang="en-US" dirty="0"/>
-              <a:t>D</a:t>
-            </a:r>
-            <a:r>
-              <a:rPr lang="en-US" dirty="0" smtClean="0"/>
-              <a:t>ata problems?</a:t>
-            </a:r>
-            <a:endParaRPr lang="en-US" dirty="0"/>
-          </a:p>
-        </p:txBody>
-      </p:sp>
-      <p:sp>
-        <p:nvSpPr>
-          <p:cNvPr id="3" name="Content Placeholder 2"/>
-          <p:cNvSpPr>
-            <a:spLocks noGrp="1"/>
-          </p:cNvSpPr>
-          <p:nvPr>
-            <p:ph idx="1"/>
-          </p:nvPr>
-        </p:nvSpPr>
-        <p:spPr/>
-        <p:txBody>
-          <a:bodyPr/>
-          <a:lstStyle/>
-          <a:p>
-            <a:r>
-              <a:rPr lang="en-US" dirty="0" smtClean="0"/>
-              <a:t>How to store it so that operations can be completed quickly and with guarantees</a:t>
-            </a:r>
-          </a:p>
-          <a:p>
-            <a:r>
-              <a:rPr lang="en-US" dirty="0" smtClean="0"/>
-              <a:t>How to handle ongoing growth (streaming)</a:t>
-            </a:r>
-          </a:p>
-          <a:p>
-            <a:r>
-              <a:rPr lang="en-US" b="1" dirty="0" smtClean="0"/>
-              <a:t>How to design algorithms that can operate effectively on Big Data</a:t>
-            </a:r>
-          </a:p>
-          <a:p>
-            <a:r>
-              <a:rPr lang="en-US" dirty="0" smtClean="0"/>
-              <a:t>Others?</a:t>
-            </a:r>
-            <a:endParaRPr lang="en-US" dirty="0"/>
+              <a:t>Example: Want to ask question of a subset of data and have them be representative of the whole stream</a:t>
+            </a:r>
+          </a:p>
+          <a:p>
+            <a:pPr marL="0" indent="0">
+              <a:buNone/>
+            </a:pPr>
+            <a:r>
+              <a:rPr lang="en-US" dirty="0" smtClean="0"/>
+              <a:t>Example: Count-distinct elements</a:t>
+            </a:r>
+            <a:br>
+              <a:rPr lang="en-US" dirty="0" smtClean="0"/>
+            </a:br>
+            <a:r>
+              <a:rPr lang="en-US" dirty="0" smtClean="0"/>
+              <a:t>(</a:t>
+            </a:r>
+            <a:r>
+              <a:rPr lang="en-US" i="1" dirty="0" smtClean="0"/>
+              <a:t>e.g. </a:t>
+            </a:r>
+            <a:r>
+              <a:rPr lang="en-US" dirty="0" smtClean="0"/>
+              <a:t>Which pages are getting an unusual number of hits this hour?)</a:t>
+            </a:r>
+          </a:p>
+          <a:p>
+            <a:pPr marL="0" indent="0">
+              <a:buNone/>
+            </a:pPr>
+            <a:r>
+              <a:rPr lang="en-US" dirty="0" smtClean="0"/>
+              <a:t>Example: Analyzing things that meet a criterion (filtering) </a:t>
+            </a:r>
+          </a:p>
+          <a:p>
+            <a:pPr marL="0" indent="0">
+              <a:buNone/>
+            </a:pPr>
+            <a:r>
+              <a:rPr lang="en-US" dirty="0"/>
+              <a:t>	</a:t>
+            </a:r>
+            <a:endParaRPr lang="en-US" dirty="0" smtClean="0"/>
           </a:p>
         </p:txBody>
       </p:sp>
@@ -20972,10 +21549,91 @@
           </a:p>
         </p:txBody>
       </p:sp>
+      <p:sp>
+        <p:nvSpPr>
+          <p:cNvPr id="7" name="Rectangle 6"/>
+          <p:cNvSpPr/>
+          <p:nvPr/>
+        </p:nvSpPr>
+        <p:spPr>
+          <a:xfrm>
+            <a:off x="1128943" y="5635665"/>
+            <a:ext cx="7219734" cy="369332"/>
+          </a:xfrm>
+          <a:prstGeom prst="rect">
+            <a:avLst/>
+          </a:prstGeom>
+        </p:spPr>
+        <p:txBody>
+          <a:bodyPr wrap="square">
+            <a:spAutoFit/>
+          </a:bodyPr>
+          <a:lstStyle/>
+          <a:p>
+            <a:r>
+              <a:rPr lang="en-US" dirty="0" err="1" smtClean="0"/>
+              <a:t>infolab.stanford.edu</a:t>
+            </a:r>
+            <a:r>
+              <a:rPr lang="en-US" dirty="0" smtClean="0"/>
+              <a:t>/~</a:t>
+            </a:r>
+            <a:r>
+              <a:rPr lang="en-US" dirty="0" err="1" smtClean="0"/>
+              <a:t>ullman</a:t>
+            </a:r>
+            <a:r>
+              <a:rPr lang="en-US" dirty="0" smtClean="0"/>
+              <a:t>/</a:t>
+            </a:r>
+            <a:r>
+              <a:rPr lang="en-US" dirty="0" err="1" smtClean="0"/>
+              <a:t>mmds</a:t>
+            </a:r>
+            <a:r>
+              <a:rPr lang="en-US" dirty="0" smtClean="0"/>
+              <a:t>/ch4.pdf</a:t>
+            </a:r>
+            <a:endParaRPr lang="en-US" dirty="0"/>
+          </a:p>
+        </p:txBody>
+      </p:sp>
+      <p:sp>
+        <p:nvSpPr>
+          <p:cNvPr id="8" name="Rectangle 7"/>
+          <p:cNvSpPr/>
+          <p:nvPr/>
+        </p:nvSpPr>
+        <p:spPr>
+          <a:xfrm>
+            <a:off x="1142657" y="6044837"/>
+            <a:ext cx="6223341" cy="369332"/>
+          </a:xfrm>
+          <a:prstGeom prst="rect">
+            <a:avLst/>
+          </a:prstGeom>
+        </p:spPr>
+        <p:txBody>
+          <a:bodyPr wrap="square">
+            <a:spAutoFit/>
+          </a:bodyPr>
+          <a:lstStyle/>
+          <a:p>
+            <a:r>
+              <a:rPr lang="en-US" dirty="0" err="1"/>
+              <a:t>www.kdd.org</a:t>
+            </a:r>
+            <a:r>
+              <a:rPr lang="en-US" dirty="0"/>
+              <a:t>/kdd2014/tutorials/t10_part1.pptx</a:t>
+            </a:r>
+          </a:p>
+        </p:txBody>
+      </p:sp>
     </p:spTree>
     <p:extLst>
       <p:ext uri="{BB962C8B-B14F-4D97-AF65-F5344CB8AC3E}">
-        <p14:creationId xmlns:p14="http://schemas.microsoft.com/office/powerpoint/2010/main" val="2662474949"/>
+        <p14:creationId xmlns:p14="http://schemas.microsoft.com/office/powerpoint/2010/main" val="3012242566"/>
       </p:ext>
     </p:extLst>
   </p:cSld>
@@ -21012,73 +21670,53 @@
             <p:ph type="title"/>
           </p:nvPr>
         </p:nvSpPr>
-        <p:spPr/>
-        <p:txBody>
-          <a:bodyPr/>
-          <a:lstStyle/>
-          <a:p>
-            <a:r>
-              <a:rPr lang="en-US" dirty="0" smtClean="0"/>
-              <a:t>How do we handle </a:t>
-            </a:r>
-            <a:r>
-              <a:rPr lang="en-US" i="1" dirty="0" smtClean="0"/>
-              <a:t>big data</a:t>
-            </a:r>
-            <a:endParaRPr lang="en-US" dirty="0"/>
-          </a:p>
-        </p:txBody>
-      </p:sp>
-      <p:sp>
-        <p:nvSpPr>
-          <p:cNvPr id="3" name="Content Placeholder 2"/>
-          <p:cNvSpPr>
-            <a:spLocks noGrp="1"/>
-          </p:cNvSpPr>
-          <p:nvPr>
-            <p:ph idx="1"/>
-          </p:nvPr>
-        </p:nvSpPr>
         <p:spPr>
           <a:xfrm>
-            <a:off x="1128942" y="1847153"/>
-            <a:ext cx="7526985" cy="4379976"/>
+            <a:off x="954132" y="310162"/>
+            <a:ext cx="7560667" cy="990107"/>
           </a:xfrm>
         </p:spPr>
         <p:txBody>
           <a:bodyPr/>
           <a:lstStyle/>
           <a:p>
+            <a:r>
+              <a:rPr lang="en-US" dirty="0" smtClean="0"/>
+              <a:t>Need to </a:t>
+            </a:r>
+            <a:r>
+              <a:rPr lang="en-US" i="1" dirty="0" smtClean="0"/>
+              <a:t>sample </a:t>
+            </a:r>
+            <a:r>
+              <a:rPr lang="en-US" dirty="0" smtClean="0"/>
+              <a:t>the stream at fixed size </a:t>
+            </a:r>
+            <a:endParaRPr lang="en-US" dirty="0"/>
+          </a:p>
+        </p:txBody>
+      </p:sp>
+      <p:sp>
+        <p:nvSpPr>
+          <p:cNvPr id="3" name="Content Placeholder 2"/>
+          <p:cNvSpPr>
+            <a:spLocks noGrp="1"/>
+          </p:cNvSpPr>
+          <p:nvPr>
+            <p:ph idx="1"/>
+          </p:nvPr>
+        </p:nvSpPr>
+        <p:spPr/>
+        <p:txBody>
+          <a:bodyPr/>
+          <a:lstStyle/>
+          <a:p>
             <a:pPr marL="0" indent="0">
               <a:buNone/>
             </a:pPr>
             <a:r>
               <a:rPr lang="en-US" dirty="0" smtClean="0"/>
-              <a:t>Two approaches</a:t>
-            </a:r>
-          </a:p>
-          <a:p>
-            <a:r>
-              <a:rPr lang="en-US" dirty="0" smtClean="0"/>
-              <a:t>Distribute the work (parallelize)</a:t>
-            </a:r>
-          </a:p>
-          <a:p>
-            <a:r>
-              <a:rPr lang="en-US" dirty="0" smtClean="0"/>
-              <a:t>Break the work up into smaller batches</a:t>
-            </a:r>
-          </a:p>
-          <a:p>
-            <a:endParaRPr lang="en-US" dirty="0"/>
-          </a:p>
-          <a:p>
-            <a:pPr marL="0" indent="0">
-              <a:buNone/>
-            </a:pPr>
-            <a:r>
-              <a:rPr lang="en-US" dirty="0" smtClean="0"/>
-              <a:t>Algorithms that can operate on partial data sets are key</a:t>
+              <a:t>Just use the last n elements? </a:t>
             </a:r>
             <a:endParaRPr lang="en-US" dirty="0"/>
           </a:p>
@@ -21152,7 +21790,7 @@
     </p:spTree>
     <p:extLst>
       <p:ext uri="{BB962C8B-B14F-4D97-AF65-F5344CB8AC3E}">
-        <p14:creationId xmlns:p14="http://schemas.microsoft.com/office/powerpoint/2010/main" val="344833017"/>
+        <p14:creationId xmlns:p14="http://schemas.microsoft.com/office/powerpoint/2010/main" val="221272697"/>
       </p:ext>
     </p:extLst>
   </p:cSld>
@@ -21196,6 +21834,1161 @@
           <a:p>
             <a:r>
               <a:rPr lang="en-US" dirty="0" smtClean="0"/>
+              <a:t>Need to </a:t>
+            </a:r>
+            <a:r>
+              <a:rPr lang="en-US" i="1" dirty="0" smtClean="0"/>
+              <a:t>sample </a:t>
+            </a:r>
+            <a:r>
+              <a:rPr lang="en-US" dirty="0" smtClean="0"/>
+              <a:t>the stream</a:t>
+            </a:r>
+            <a:endParaRPr lang="en-US" dirty="0"/>
+          </a:p>
+        </p:txBody>
+      </p:sp>
+      <p:sp>
+        <p:nvSpPr>
+          <p:cNvPr id="3" name="Content Placeholder 2"/>
+          <p:cNvSpPr>
+            <a:spLocks noGrp="1"/>
+          </p:cNvSpPr>
+          <p:nvPr>
+            <p:ph idx="1"/>
+          </p:nvPr>
+        </p:nvSpPr>
+        <p:spPr/>
+        <p:txBody>
+          <a:bodyPr/>
+          <a:lstStyle/>
+          <a:p>
+            <a:pPr marL="0" indent="0">
+              <a:buNone/>
+            </a:pPr>
+            <a:r>
+              <a:rPr lang="en-US" strike="sngStrike" dirty="0" smtClean="0"/>
+              <a:t>Just use the last n elements?</a:t>
+            </a:r>
+          </a:p>
+          <a:p>
+            <a:pPr marL="0" indent="0">
+              <a:buNone/>
+            </a:pPr>
+            <a:r>
+              <a:rPr lang="en-US" dirty="0" smtClean="0"/>
+              <a:t>Sample 1/n as far back as we can?</a:t>
+            </a:r>
+            <a:endParaRPr lang="en-US" dirty="0"/>
+          </a:p>
+        </p:txBody>
+      </p:sp>
+      <p:sp>
+        <p:nvSpPr>
+          <p:cNvPr id="4" name="Date Placeholder 3"/>
+          <p:cNvSpPr>
+            <a:spLocks noGrp="1"/>
+          </p:cNvSpPr>
+          <p:nvPr>
+            <p:ph type="dt" sz="half" idx="10"/>
+          </p:nvPr>
+        </p:nvSpPr>
+        <p:spPr/>
+        <p:txBody>
+          <a:bodyPr/>
+          <a:lstStyle/>
+          <a:p>
+            <a:fld id="{7053BEFA-1175-F644-B249-7D41D72BD3FF}" type="datetime1">
+              <a:rPr lang="en-US" smtClean="0"/>
+              <a:t>3/23/15</a:t>
+            </a:fld>
+            <a:endParaRPr lang="en-US"/>
+          </a:p>
+        </p:txBody>
+      </p:sp>
+      <p:sp>
+        <p:nvSpPr>
+          <p:cNvPr id="5" name="Footer Placeholder 4"/>
+          <p:cNvSpPr>
+            <a:spLocks noGrp="1"/>
+          </p:cNvSpPr>
+          <p:nvPr>
+            <p:ph type="ftr" sz="quarter" idx="11"/>
+          </p:nvPr>
+        </p:nvSpPr>
+        <p:spPr/>
+        <p:txBody>
+          <a:bodyPr/>
+          <a:lstStyle/>
+          <a:p>
+            <a:endParaRPr lang="en-US" dirty="0"/>
+          </a:p>
+        </p:txBody>
+      </p:sp>
+      <p:sp>
+        <p:nvSpPr>
+          <p:cNvPr id="6" name="Slide Number Placeholder 5"/>
+          <p:cNvSpPr>
+            <a:spLocks noGrp="1"/>
+          </p:cNvSpPr>
+          <p:nvPr>
+            <p:ph type="sldNum" sz="quarter" idx="12"/>
+          </p:nvPr>
+        </p:nvSpPr>
+        <p:spPr/>
+        <p:txBody>
+          <a:bodyPr/>
+          <a:lstStyle/>
+          <a:p>
+            <a:fld id="{17E276FA-8F89-B34D-A726-BE3FA1F8DD97}" type="slidenum">
+              <a:rPr lang="en-US" smtClean="0"/>
+              <a:t>53</a:t>
+            </a:fld>
+            <a:endParaRPr lang="en-US" dirty="0"/>
+          </a:p>
+        </p:txBody>
+      </p:sp>
+    </p:spTree>
+    <p:extLst>
+      <p:ext uri="{BB962C8B-B14F-4D97-AF65-F5344CB8AC3E}">
+        <p14:creationId xmlns:p14="http://schemas.microsoft.com/office/powerpoint/2010/main" val="827121470"/>
+      </p:ext>
+    </p:extLst>
+  </p:cSld>
+  <p:clrMapOvr>
+    <a:masterClrMapping/>
+  </p:clrMapOvr>
+</p:sld>
+</file>
+
+<file path=ppt/slides/slide54.xml><?xml version="1.0" encoding="utf-8"?>
+<p:sld xmlns:a="http://schemas.openxmlformats.org/drawingml/2006/main" xmlns:r="http://schemas.openxmlformats.org/officeDocument/2006/relationships" xmlns:p="http://schemas.openxmlformats.org/presentationml/2006/main">
+  <p:cSld>
+    <p:spTree>
+      <p:nvGrpSpPr>
+        <p:cNvPr id="1" name=""/>
+        <p:cNvGrpSpPr/>
+        <p:nvPr/>
+      </p:nvGrpSpPr>
+      <p:grpSpPr>
+        <a:xfrm>
+          <a:off x="0" y="0"/>
+          <a:ext cx="0" cy="0"/>
+          <a:chOff x="0" y="0"/>
+          <a:chExt cx="0" cy="0"/>
+        </a:xfrm>
+      </p:grpSpPr>
+      <p:sp>
+        <p:nvSpPr>
+          <p:cNvPr id="2" name="Title 1"/>
+          <p:cNvSpPr>
+            <a:spLocks noGrp="1"/>
+          </p:cNvSpPr>
+          <p:nvPr>
+            <p:ph type="title"/>
+          </p:nvPr>
+        </p:nvSpPr>
+        <p:spPr/>
+        <p:txBody>
+          <a:bodyPr/>
+          <a:lstStyle/>
+          <a:p>
+            <a:r>
+              <a:rPr lang="en-US" dirty="0" smtClean="0"/>
+              <a:t>Need to </a:t>
+            </a:r>
+            <a:r>
+              <a:rPr lang="en-US" i="1" dirty="0" smtClean="0"/>
+              <a:t>sample </a:t>
+            </a:r>
+            <a:r>
+              <a:rPr lang="en-US" dirty="0" smtClean="0"/>
+              <a:t>the stream</a:t>
+            </a:r>
+            <a:endParaRPr lang="en-US" dirty="0"/>
+          </a:p>
+        </p:txBody>
+      </p:sp>
+      <p:sp>
+        <p:nvSpPr>
+          <p:cNvPr id="3" name="Content Placeholder 2"/>
+          <p:cNvSpPr>
+            <a:spLocks noGrp="1"/>
+          </p:cNvSpPr>
+          <p:nvPr>
+            <p:ph idx="1"/>
+          </p:nvPr>
+        </p:nvSpPr>
+        <p:spPr/>
+        <p:txBody>
+          <a:bodyPr/>
+          <a:lstStyle/>
+          <a:p>
+            <a:pPr marL="0" indent="0">
+              <a:buNone/>
+            </a:pPr>
+            <a:r>
+              <a:rPr lang="en-US" strike="sngStrike" dirty="0" smtClean="0"/>
+              <a:t>Just use the last n elements?</a:t>
+            </a:r>
+          </a:p>
+          <a:p>
+            <a:pPr marL="0" indent="0">
+              <a:buNone/>
+            </a:pPr>
+            <a:r>
+              <a:rPr lang="en-US" strike="sngStrike" dirty="0" smtClean="0"/>
+              <a:t>Sample 1/n as far back as we can?</a:t>
+            </a:r>
+          </a:p>
+          <a:p>
+            <a:pPr marL="0" indent="0">
+              <a:buNone/>
+            </a:pPr>
+            <a:r>
+              <a:rPr lang="en-US" dirty="0" smtClean="0"/>
+              <a:t>Account for duplicates &amp; so on with weighted samples</a:t>
+            </a:r>
+          </a:p>
+          <a:p>
+            <a:pPr marL="0" indent="0">
+              <a:buNone/>
+            </a:pPr>
+            <a:r>
+              <a:rPr lang="en-US" i="1" dirty="0" smtClean="0"/>
+              <a:t>Or</a:t>
+            </a:r>
+          </a:p>
+          <a:p>
+            <a:pPr marL="0" indent="0">
+              <a:buNone/>
+            </a:pPr>
+            <a:r>
+              <a:rPr lang="en-US" dirty="0" smtClean="0"/>
+              <a:t>Sample 1/n </a:t>
+            </a:r>
+            <a:r>
+              <a:rPr lang="en-US" i="1" dirty="0" smtClean="0"/>
+              <a:t>users </a:t>
+            </a:r>
+            <a:r>
+              <a:rPr lang="en-US" dirty="0" smtClean="0"/>
+              <a:t>but keep entire user log</a:t>
+            </a:r>
+          </a:p>
+          <a:p>
+            <a:pPr marL="0" indent="0">
+              <a:buNone/>
+            </a:pPr>
+            <a:endParaRPr lang="en-US" dirty="0"/>
+          </a:p>
+        </p:txBody>
+      </p:sp>
+      <p:sp>
+        <p:nvSpPr>
+          <p:cNvPr id="4" name="Date Placeholder 3"/>
+          <p:cNvSpPr>
+            <a:spLocks noGrp="1"/>
+          </p:cNvSpPr>
+          <p:nvPr>
+            <p:ph type="dt" sz="half" idx="10"/>
+          </p:nvPr>
+        </p:nvSpPr>
+        <p:spPr/>
+        <p:txBody>
+          <a:bodyPr/>
+          <a:lstStyle/>
+          <a:p>
+            <a:fld id="{7053BEFA-1175-F644-B249-7D41D72BD3FF}" type="datetime1">
+              <a:rPr lang="en-US" smtClean="0"/>
+              <a:t>3/23/15</a:t>
+            </a:fld>
+            <a:endParaRPr lang="en-US"/>
+          </a:p>
+        </p:txBody>
+      </p:sp>
+      <p:sp>
+        <p:nvSpPr>
+          <p:cNvPr id="5" name="Footer Placeholder 4"/>
+          <p:cNvSpPr>
+            <a:spLocks noGrp="1"/>
+          </p:cNvSpPr>
+          <p:nvPr>
+            <p:ph type="ftr" sz="quarter" idx="11"/>
+          </p:nvPr>
+        </p:nvSpPr>
+        <p:spPr/>
+        <p:txBody>
+          <a:bodyPr/>
+          <a:lstStyle/>
+          <a:p>
+            <a:endParaRPr lang="en-US" dirty="0"/>
+          </a:p>
+        </p:txBody>
+      </p:sp>
+      <p:sp>
+        <p:nvSpPr>
+          <p:cNvPr id="6" name="Slide Number Placeholder 5"/>
+          <p:cNvSpPr>
+            <a:spLocks noGrp="1"/>
+          </p:cNvSpPr>
+          <p:nvPr>
+            <p:ph type="sldNum" sz="quarter" idx="12"/>
+          </p:nvPr>
+        </p:nvSpPr>
+        <p:spPr/>
+        <p:txBody>
+          <a:bodyPr/>
+          <a:lstStyle/>
+          <a:p>
+            <a:fld id="{17E276FA-8F89-B34D-A726-BE3FA1F8DD97}" type="slidenum">
+              <a:rPr lang="en-US" smtClean="0"/>
+              <a:t>54</a:t>
+            </a:fld>
+            <a:endParaRPr lang="en-US" dirty="0"/>
+          </a:p>
+        </p:txBody>
+      </p:sp>
+    </p:spTree>
+    <p:extLst>
+      <p:ext uri="{BB962C8B-B14F-4D97-AF65-F5344CB8AC3E}">
+        <p14:creationId xmlns:p14="http://schemas.microsoft.com/office/powerpoint/2010/main" val="1934151397"/>
+      </p:ext>
+    </p:extLst>
+  </p:cSld>
+  <p:clrMapOvr>
+    <a:masterClrMapping/>
+  </p:clrMapOvr>
+</p:sld>
+</file>
+
+<file path=ppt/slides/slide55.xml><?xml version="1.0" encoding="utf-8"?>
+<p:sld xmlns:a="http://schemas.openxmlformats.org/drawingml/2006/main" xmlns:r="http://schemas.openxmlformats.org/officeDocument/2006/relationships" xmlns:p="http://schemas.openxmlformats.org/presentationml/2006/main">
+  <p:cSld>
+    <p:spTree>
+      <p:nvGrpSpPr>
+        <p:cNvPr id="1" name=""/>
+        <p:cNvGrpSpPr/>
+        <p:nvPr/>
+      </p:nvGrpSpPr>
+      <p:grpSpPr>
+        <a:xfrm>
+          <a:off x="0" y="0"/>
+          <a:ext cx="0" cy="0"/>
+          <a:chOff x="0" y="0"/>
+          <a:chExt cx="0" cy="0"/>
+        </a:xfrm>
+      </p:grpSpPr>
+      <p:sp>
+        <p:nvSpPr>
+          <p:cNvPr id="2" name="Title 1"/>
+          <p:cNvSpPr>
+            <a:spLocks noGrp="1"/>
+          </p:cNvSpPr>
+          <p:nvPr>
+            <p:ph type="title"/>
+          </p:nvPr>
+        </p:nvSpPr>
+        <p:spPr/>
+        <p:txBody>
+          <a:bodyPr/>
+          <a:lstStyle/>
+          <a:p>
+            <a:r>
+              <a:rPr lang="en-US" dirty="0" smtClean="0"/>
+              <a:t>Other sampling strategies</a:t>
+            </a:r>
+            <a:endParaRPr lang="en-US" dirty="0"/>
+          </a:p>
+        </p:txBody>
+      </p:sp>
+      <p:sp>
+        <p:nvSpPr>
+          <p:cNvPr id="3" name="Content Placeholder 2"/>
+          <p:cNvSpPr>
+            <a:spLocks noGrp="1"/>
+          </p:cNvSpPr>
+          <p:nvPr>
+            <p:ph idx="1"/>
+          </p:nvPr>
+        </p:nvSpPr>
+        <p:spPr/>
+        <p:txBody>
+          <a:bodyPr/>
+          <a:lstStyle/>
+          <a:p>
+            <a:pPr marL="0" indent="0">
+              <a:buNone/>
+            </a:pPr>
+            <a:r>
+              <a:rPr lang="en-US" dirty="0" smtClean="0"/>
+              <a:t>What queries are more frequent today than yesterday?</a:t>
+            </a:r>
+          </a:p>
+          <a:p>
+            <a:pPr marL="0" indent="0">
+              <a:buNone/>
+            </a:pPr>
+            <a:r>
+              <a:rPr lang="en-US" dirty="0"/>
+              <a:t>	</a:t>
+            </a:r>
+            <a:r>
+              <a:rPr lang="en-US" dirty="0" smtClean="0"/>
+              <a:t>- just need last two days (sliding window)</a:t>
+            </a:r>
+          </a:p>
+        </p:txBody>
+      </p:sp>
+      <p:sp>
+        <p:nvSpPr>
+          <p:cNvPr id="4" name="Date Placeholder 3"/>
+          <p:cNvSpPr>
+            <a:spLocks noGrp="1"/>
+          </p:cNvSpPr>
+          <p:nvPr>
+            <p:ph type="dt" sz="half" idx="10"/>
+          </p:nvPr>
+        </p:nvSpPr>
+        <p:spPr/>
+        <p:txBody>
+          <a:bodyPr/>
+          <a:lstStyle/>
+          <a:p>
+            <a:fld id="{7053BEFA-1175-F644-B249-7D41D72BD3FF}" type="datetime1">
+              <a:rPr lang="en-US" smtClean="0"/>
+              <a:t>3/23/15</a:t>
+            </a:fld>
+            <a:endParaRPr lang="en-US"/>
+          </a:p>
+        </p:txBody>
+      </p:sp>
+      <p:sp>
+        <p:nvSpPr>
+          <p:cNvPr id="5" name="Footer Placeholder 4"/>
+          <p:cNvSpPr>
+            <a:spLocks noGrp="1"/>
+          </p:cNvSpPr>
+          <p:nvPr>
+            <p:ph type="ftr" sz="quarter" idx="11"/>
+          </p:nvPr>
+        </p:nvSpPr>
+        <p:spPr/>
+        <p:txBody>
+          <a:bodyPr/>
+          <a:lstStyle/>
+          <a:p>
+            <a:endParaRPr lang="en-US" dirty="0"/>
+          </a:p>
+        </p:txBody>
+      </p:sp>
+      <p:sp>
+        <p:nvSpPr>
+          <p:cNvPr id="6" name="Slide Number Placeholder 5"/>
+          <p:cNvSpPr>
+            <a:spLocks noGrp="1"/>
+          </p:cNvSpPr>
+          <p:nvPr>
+            <p:ph type="sldNum" sz="quarter" idx="12"/>
+          </p:nvPr>
+        </p:nvSpPr>
+        <p:spPr/>
+        <p:txBody>
+          <a:bodyPr/>
+          <a:lstStyle/>
+          <a:p>
+            <a:fld id="{17E276FA-8F89-B34D-A726-BE3FA1F8DD97}" type="slidenum">
+              <a:rPr lang="en-US" smtClean="0"/>
+              <a:t>55</a:t>
+            </a:fld>
+            <a:endParaRPr lang="en-US" dirty="0"/>
+          </a:p>
+        </p:txBody>
+      </p:sp>
+    </p:spTree>
+    <p:extLst>
+      <p:ext uri="{BB962C8B-B14F-4D97-AF65-F5344CB8AC3E}">
+        <p14:creationId xmlns:p14="http://schemas.microsoft.com/office/powerpoint/2010/main" val="2980782060"/>
+      </p:ext>
+    </p:extLst>
+  </p:cSld>
+  <p:clrMapOvr>
+    <a:masterClrMapping/>
+  </p:clrMapOvr>
+</p:sld>
+</file>
+
+<file path=ppt/slides/slide56.xml><?xml version="1.0" encoding="utf-8"?>
+<p:sld xmlns:a="http://schemas.openxmlformats.org/drawingml/2006/main" xmlns:r="http://schemas.openxmlformats.org/officeDocument/2006/relationships" xmlns:p="http://schemas.openxmlformats.org/presentationml/2006/main" show="0">
+  <p:cSld>
+    <p:spTree>
+      <p:nvGrpSpPr>
+        <p:cNvPr id="1" name=""/>
+        <p:cNvGrpSpPr/>
+        <p:nvPr/>
+      </p:nvGrpSpPr>
+      <p:grpSpPr>
+        <a:xfrm>
+          <a:off x="0" y="0"/>
+          <a:ext cx="0" cy="0"/>
+          <a:chOff x="0" y="0"/>
+          <a:chExt cx="0" cy="0"/>
+        </a:xfrm>
+      </p:grpSpPr>
+      <p:sp>
+        <p:nvSpPr>
+          <p:cNvPr id="2" name="Title 1"/>
+          <p:cNvSpPr>
+            <a:spLocks noGrp="1"/>
+          </p:cNvSpPr>
+          <p:nvPr>
+            <p:ph type="title"/>
+          </p:nvPr>
+        </p:nvSpPr>
+        <p:spPr/>
+        <p:txBody>
+          <a:bodyPr/>
+          <a:lstStyle/>
+          <a:p>
+            <a:r>
+              <a:rPr lang="en-US" dirty="0" smtClean="0"/>
+              <a:t>Other sampling strategies</a:t>
+            </a:r>
+            <a:endParaRPr lang="en-US" dirty="0"/>
+          </a:p>
+        </p:txBody>
+      </p:sp>
+      <p:sp>
+        <p:nvSpPr>
+          <p:cNvPr id="3" name="Content Placeholder 2"/>
+          <p:cNvSpPr>
+            <a:spLocks noGrp="1"/>
+          </p:cNvSpPr>
+          <p:nvPr>
+            <p:ph idx="1"/>
+          </p:nvPr>
+        </p:nvSpPr>
+        <p:spPr/>
+        <p:txBody>
+          <a:bodyPr/>
+          <a:lstStyle/>
+          <a:p>
+            <a:pPr marL="0" indent="0">
+              <a:buNone/>
+            </a:pPr>
+            <a:r>
+              <a:rPr lang="en-US" dirty="0" smtClean="0"/>
+              <a:t>What queries are more frequent today than yesterday?</a:t>
+            </a:r>
+          </a:p>
+          <a:p>
+            <a:pPr marL="0" indent="0">
+              <a:buNone/>
+            </a:pPr>
+            <a:r>
+              <a:rPr lang="en-US" dirty="0"/>
+              <a:t>	</a:t>
+            </a:r>
+            <a:r>
+              <a:rPr lang="en-US" dirty="0" smtClean="0"/>
+              <a:t>- just need last two days (sliding window)</a:t>
+            </a:r>
+          </a:p>
+          <a:p>
+            <a:pPr marL="0" indent="0">
+              <a:buNone/>
+            </a:pPr>
+            <a:r>
+              <a:rPr lang="en-US" dirty="0" smtClean="0"/>
+              <a:t>Which pages are getting an unusual number of hits this hour?</a:t>
+            </a:r>
+          </a:p>
+          <a:p>
+            <a:pPr marL="0" indent="0">
+              <a:buNone/>
+            </a:pPr>
+            <a:r>
+              <a:rPr lang="en-US" dirty="0"/>
+              <a:t>	</a:t>
+            </a:r>
+            <a:r>
+              <a:rPr lang="en-US" dirty="0" smtClean="0"/>
+              <a:t>- Count the number of 1s in last N elements (can still be a big problem; </a:t>
+            </a:r>
+            <a:r>
+              <a:rPr lang="en-US" dirty="0" err="1" smtClean="0"/>
+              <a:t>algthms</a:t>
+            </a:r>
+            <a:r>
+              <a:rPr lang="en-US" dirty="0" smtClean="0"/>
+              <a:t> for this in Ullman </a:t>
+            </a:r>
+            <a:r>
+              <a:rPr lang="en-US" dirty="0" err="1" smtClean="0"/>
+              <a:t>Ch</a:t>
+            </a:r>
+            <a:r>
+              <a:rPr lang="en-US" dirty="0" smtClean="0"/>
+              <a:t> 4</a:t>
+            </a:r>
+            <a:r>
+              <a:rPr lang="en-US" dirty="0" smtClean="0"/>
+              <a:t>)</a:t>
+            </a:r>
+            <a:endParaRPr lang="en-US" dirty="0" smtClean="0"/>
+          </a:p>
+        </p:txBody>
+      </p:sp>
+      <p:sp>
+        <p:nvSpPr>
+          <p:cNvPr id="4" name="Date Placeholder 3"/>
+          <p:cNvSpPr>
+            <a:spLocks noGrp="1"/>
+          </p:cNvSpPr>
+          <p:nvPr>
+            <p:ph type="dt" sz="half" idx="10"/>
+          </p:nvPr>
+        </p:nvSpPr>
+        <p:spPr/>
+        <p:txBody>
+          <a:bodyPr/>
+          <a:lstStyle/>
+          <a:p>
+            <a:fld id="{7053BEFA-1175-F644-B249-7D41D72BD3FF}" type="datetime1">
+              <a:rPr lang="en-US" smtClean="0"/>
+              <a:t>3/23/15</a:t>
+            </a:fld>
+            <a:endParaRPr lang="en-US"/>
+          </a:p>
+        </p:txBody>
+      </p:sp>
+      <p:sp>
+        <p:nvSpPr>
+          <p:cNvPr id="5" name="Footer Placeholder 4"/>
+          <p:cNvSpPr>
+            <a:spLocks noGrp="1"/>
+          </p:cNvSpPr>
+          <p:nvPr>
+            <p:ph type="ftr" sz="quarter" idx="11"/>
+          </p:nvPr>
+        </p:nvSpPr>
+        <p:spPr/>
+        <p:txBody>
+          <a:bodyPr/>
+          <a:lstStyle/>
+          <a:p>
+            <a:endParaRPr lang="en-US" dirty="0"/>
+          </a:p>
+        </p:txBody>
+      </p:sp>
+      <p:sp>
+        <p:nvSpPr>
+          <p:cNvPr id="6" name="Slide Number Placeholder 5"/>
+          <p:cNvSpPr>
+            <a:spLocks noGrp="1"/>
+          </p:cNvSpPr>
+          <p:nvPr>
+            <p:ph type="sldNum" sz="quarter" idx="12"/>
+          </p:nvPr>
+        </p:nvSpPr>
+        <p:spPr/>
+        <p:txBody>
+          <a:bodyPr/>
+          <a:lstStyle/>
+          <a:p>
+            <a:fld id="{17E276FA-8F89-B34D-A726-BE3FA1F8DD97}" type="slidenum">
+              <a:rPr lang="en-US" smtClean="0"/>
+              <a:t>56</a:t>
+            </a:fld>
+            <a:endParaRPr lang="en-US" dirty="0"/>
+          </a:p>
+        </p:txBody>
+      </p:sp>
+      <p:sp>
+        <p:nvSpPr>
+          <p:cNvPr id="7" name="Rectangle 6"/>
+          <p:cNvSpPr/>
+          <p:nvPr/>
+        </p:nvSpPr>
+        <p:spPr>
+          <a:xfrm>
+            <a:off x="1128943" y="5635665"/>
+            <a:ext cx="7219734" cy="369332"/>
+          </a:xfrm>
+          <a:prstGeom prst="rect">
+            <a:avLst/>
+          </a:prstGeom>
+        </p:spPr>
+        <p:txBody>
+          <a:bodyPr wrap="square">
+            <a:spAutoFit/>
+          </a:bodyPr>
+          <a:lstStyle/>
+          <a:p>
+            <a:r>
+              <a:rPr lang="en-US" dirty="0" err="1" smtClean="0"/>
+              <a:t>infolab.stanford.edu</a:t>
+            </a:r>
+            <a:r>
+              <a:rPr lang="en-US" dirty="0" smtClean="0"/>
+              <a:t>/~</a:t>
+            </a:r>
+            <a:r>
+              <a:rPr lang="en-US" dirty="0" err="1" smtClean="0"/>
+              <a:t>ullman</a:t>
+            </a:r>
+            <a:r>
+              <a:rPr lang="en-US" dirty="0" smtClean="0"/>
+              <a:t>/</a:t>
+            </a:r>
+            <a:r>
+              <a:rPr lang="en-US" dirty="0" err="1" smtClean="0"/>
+              <a:t>mmds</a:t>
+            </a:r>
+            <a:r>
+              <a:rPr lang="en-US" dirty="0" smtClean="0"/>
+              <a:t>/ch4.pdf</a:t>
+            </a:r>
+            <a:endParaRPr lang="en-US" dirty="0"/>
+          </a:p>
+        </p:txBody>
+      </p:sp>
+      <p:sp>
+        <p:nvSpPr>
+          <p:cNvPr id="8" name="Rectangle 7"/>
+          <p:cNvSpPr/>
+          <p:nvPr/>
+        </p:nvSpPr>
+        <p:spPr>
+          <a:xfrm>
+            <a:off x="1142657" y="6044837"/>
+            <a:ext cx="6223341" cy="369332"/>
+          </a:xfrm>
+          <a:prstGeom prst="rect">
+            <a:avLst/>
+          </a:prstGeom>
+        </p:spPr>
+        <p:txBody>
+          <a:bodyPr wrap="square">
+            <a:spAutoFit/>
+          </a:bodyPr>
+          <a:lstStyle/>
+          <a:p>
+            <a:r>
+              <a:rPr lang="en-US" dirty="0" err="1"/>
+              <a:t>www.kdd.org</a:t>
+            </a:r>
+            <a:r>
+              <a:rPr lang="en-US" dirty="0"/>
+              <a:t>/kdd2014/tutorials/t10_part1.pptx</a:t>
+            </a:r>
+          </a:p>
+        </p:txBody>
+      </p:sp>
+    </p:spTree>
+    <p:extLst>
+      <p:ext uri="{BB962C8B-B14F-4D97-AF65-F5344CB8AC3E}">
+        <p14:creationId xmlns:p14="http://schemas.microsoft.com/office/powerpoint/2010/main" val="2288842646"/>
+      </p:ext>
+    </p:extLst>
+  </p:cSld>
+  <p:clrMapOvr>
+    <a:masterClrMapping/>
+  </p:clrMapOvr>
+  <mc:AlternateContent xmlns:mc="http://schemas.openxmlformats.org/markup-compatibility/2006">
+    <mc:Choice xmlns:p14="http://schemas.microsoft.com/office/powerpoint/2010/main" Requires="p14">
+      <p:transition spd="slow" p14:dur="2000"/>
+    </mc:Choice>
+    <mc:Fallback>
+      <p:transition xmlns:p14="http://schemas.microsoft.com/office/powerpoint/2010/main" spd="slow"/>
+    </mc:Fallback>
+  </mc:AlternateContent>
+</p:sld>
+</file>
+
+<file path=ppt/slides/slide57.xml><?xml version="1.0" encoding="utf-8"?>
+<p:sld xmlns:a="http://schemas.openxmlformats.org/drawingml/2006/main" xmlns:r="http://schemas.openxmlformats.org/officeDocument/2006/relationships" xmlns:p="http://schemas.openxmlformats.org/presentationml/2006/main">
+  <p:cSld>
+    <p:spTree>
+      <p:nvGrpSpPr>
+        <p:cNvPr id="1" name=""/>
+        <p:cNvGrpSpPr/>
+        <p:nvPr/>
+      </p:nvGrpSpPr>
+      <p:grpSpPr>
+        <a:xfrm>
+          <a:off x="0" y="0"/>
+          <a:ext cx="0" cy="0"/>
+          <a:chOff x="0" y="0"/>
+          <a:chExt cx="0" cy="0"/>
+        </a:xfrm>
+      </p:grpSpPr>
+      <p:sp>
+        <p:nvSpPr>
+          <p:cNvPr id="2" name="Title 1"/>
+          <p:cNvSpPr>
+            <a:spLocks noGrp="1"/>
+          </p:cNvSpPr>
+          <p:nvPr>
+            <p:ph type="title"/>
+          </p:nvPr>
+        </p:nvSpPr>
+        <p:spPr>
+          <a:xfrm>
+            <a:off x="954132" y="310162"/>
+            <a:ext cx="7559401" cy="990107"/>
+          </a:xfrm>
+        </p:spPr>
+        <p:txBody>
+          <a:bodyPr/>
+          <a:lstStyle/>
+          <a:p>
+            <a:r>
+              <a:rPr lang="en-US" dirty="0" smtClean="0"/>
+              <a:t>What are some Big </a:t>
+            </a:r>
+            <a:r>
+              <a:rPr lang="en-US" dirty="0"/>
+              <a:t>D</a:t>
+            </a:r>
+            <a:r>
+              <a:rPr lang="en-US" dirty="0" smtClean="0"/>
+              <a:t>ata problems?</a:t>
+            </a:r>
+            <a:endParaRPr lang="en-US" dirty="0"/>
+          </a:p>
+        </p:txBody>
+      </p:sp>
+      <p:sp>
+        <p:nvSpPr>
+          <p:cNvPr id="3" name="Content Placeholder 2"/>
+          <p:cNvSpPr>
+            <a:spLocks noGrp="1"/>
+          </p:cNvSpPr>
+          <p:nvPr>
+            <p:ph idx="1"/>
+          </p:nvPr>
+        </p:nvSpPr>
+        <p:spPr/>
+        <p:txBody>
+          <a:bodyPr/>
+          <a:lstStyle/>
+          <a:p>
+            <a:r>
+              <a:rPr lang="en-US" dirty="0" smtClean="0"/>
+              <a:t>How to store it so that operations can be completed quickly and with guarantees</a:t>
+            </a:r>
+          </a:p>
+          <a:p>
+            <a:r>
+              <a:rPr lang="en-US" dirty="0" smtClean="0"/>
+              <a:t>How to handle ongoing growth (streaming)</a:t>
+            </a:r>
+          </a:p>
+          <a:p>
+            <a:r>
+              <a:rPr lang="en-US" b="1" dirty="0" smtClean="0"/>
+              <a:t>How to design algorithms that can operate effectively on Big Data</a:t>
+            </a:r>
+          </a:p>
+          <a:p>
+            <a:r>
+              <a:rPr lang="en-US" dirty="0" smtClean="0"/>
+              <a:t>Others?</a:t>
+            </a:r>
+            <a:endParaRPr lang="en-US" dirty="0"/>
+          </a:p>
+        </p:txBody>
+      </p:sp>
+      <p:sp>
+        <p:nvSpPr>
+          <p:cNvPr id="4" name="Date Placeholder 3"/>
+          <p:cNvSpPr>
+            <a:spLocks noGrp="1"/>
+          </p:cNvSpPr>
+          <p:nvPr>
+            <p:ph type="dt" sz="half" idx="10"/>
+          </p:nvPr>
+        </p:nvSpPr>
+        <p:spPr/>
+        <p:txBody>
+          <a:bodyPr/>
+          <a:lstStyle/>
+          <a:p>
+            <a:fld id="{7053BEFA-1175-F644-B249-7D41D72BD3FF}" type="datetime1">
+              <a:rPr lang="en-US" smtClean="0"/>
+              <a:t>3/23/15</a:t>
+            </a:fld>
+            <a:endParaRPr lang="en-US"/>
+          </a:p>
+        </p:txBody>
+      </p:sp>
+      <p:sp>
+        <p:nvSpPr>
+          <p:cNvPr id="5" name="Footer Placeholder 4"/>
+          <p:cNvSpPr>
+            <a:spLocks noGrp="1"/>
+          </p:cNvSpPr>
+          <p:nvPr>
+            <p:ph type="ftr" sz="quarter" idx="11"/>
+          </p:nvPr>
+        </p:nvSpPr>
+        <p:spPr/>
+        <p:txBody>
+          <a:bodyPr/>
+          <a:lstStyle/>
+          <a:p>
+            <a:endParaRPr lang="en-US" dirty="0"/>
+          </a:p>
+        </p:txBody>
+      </p:sp>
+      <p:sp>
+        <p:nvSpPr>
+          <p:cNvPr id="6" name="Slide Number Placeholder 5"/>
+          <p:cNvSpPr>
+            <a:spLocks noGrp="1"/>
+          </p:cNvSpPr>
+          <p:nvPr>
+            <p:ph type="sldNum" sz="quarter" idx="12"/>
+          </p:nvPr>
+        </p:nvSpPr>
+        <p:spPr/>
+        <p:txBody>
+          <a:bodyPr/>
+          <a:lstStyle/>
+          <a:p>
+            <a:fld id="{17E276FA-8F89-B34D-A726-BE3FA1F8DD97}" type="slidenum">
+              <a:rPr lang="en-US" smtClean="0"/>
+              <a:t>57</a:t>
+            </a:fld>
+            <a:endParaRPr lang="en-US" dirty="0"/>
+          </a:p>
+        </p:txBody>
+      </p:sp>
+    </p:spTree>
+    <p:extLst>
+      <p:ext uri="{BB962C8B-B14F-4D97-AF65-F5344CB8AC3E}">
+        <p14:creationId xmlns:p14="http://schemas.microsoft.com/office/powerpoint/2010/main" val="2662474949"/>
+      </p:ext>
+    </p:extLst>
+  </p:cSld>
+  <p:clrMapOvr>
+    <a:masterClrMapping/>
+  </p:clrMapOvr>
+</p:sld>
+</file>
+
+<file path=ppt/slides/slide58.xml><?xml version="1.0" encoding="utf-8"?>
+<p:sld xmlns:a="http://schemas.openxmlformats.org/drawingml/2006/main" xmlns:r="http://schemas.openxmlformats.org/officeDocument/2006/relationships" xmlns:p="http://schemas.openxmlformats.org/presentationml/2006/main">
+  <p:cSld>
+    <p:spTree>
+      <p:nvGrpSpPr>
+        <p:cNvPr id="1" name=""/>
+        <p:cNvGrpSpPr/>
+        <p:nvPr/>
+      </p:nvGrpSpPr>
+      <p:grpSpPr>
+        <a:xfrm>
+          <a:off x="0" y="0"/>
+          <a:ext cx="0" cy="0"/>
+          <a:chOff x="0" y="0"/>
+          <a:chExt cx="0" cy="0"/>
+        </a:xfrm>
+      </p:grpSpPr>
+      <p:sp>
+        <p:nvSpPr>
+          <p:cNvPr id="2" name="Title 1"/>
+          <p:cNvSpPr>
+            <a:spLocks noGrp="1"/>
+          </p:cNvSpPr>
+          <p:nvPr>
+            <p:ph type="title"/>
+          </p:nvPr>
+        </p:nvSpPr>
+        <p:spPr/>
+        <p:txBody>
+          <a:bodyPr/>
+          <a:lstStyle/>
+          <a:p>
+            <a:r>
+              <a:rPr lang="en-US" dirty="0" smtClean="0"/>
+              <a:t>How do we handle </a:t>
+            </a:r>
+            <a:r>
+              <a:rPr lang="en-US" i="1" dirty="0" smtClean="0"/>
+              <a:t>big data</a:t>
+            </a:r>
+            <a:endParaRPr lang="en-US" dirty="0"/>
+          </a:p>
+        </p:txBody>
+      </p:sp>
+      <p:sp>
+        <p:nvSpPr>
+          <p:cNvPr id="3" name="Content Placeholder 2"/>
+          <p:cNvSpPr>
+            <a:spLocks noGrp="1"/>
+          </p:cNvSpPr>
+          <p:nvPr>
+            <p:ph idx="1"/>
+          </p:nvPr>
+        </p:nvSpPr>
+        <p:spPr>
+          <a:xfrm>
+            <a:off x="1128942" y="1847153"/>
+            <a:ext cx="7526985" cy="4379976"/>
+          </a:xfrm>
+        </p:spPr>
+        <p:txBody>
+          <a:bodyPr/>
+          <a:lstStyle/>
+          <a:p>
+            <a:pPr marL="0" indent="0">
+              <a:buNone/>
+            </a:pPr>
+            <a:r>
+              <a:rPr lang="en-US" dirty="0" smtClean="0"/>
+              <a:t>Two approaches</a:t>
+            </a:r>
+          </a:p>
+          <a:p>
+            <a:r>
+              <a:rPr lang="en-US" dirty="0" smtClean="0"/>
+              <a:t>Distribute the work (parallelize)</a:t>
+            </a:r>
+          </a:p>
+          <a:p>
+            <a:r>
+              <a:rPr lang="en-US" dirty="0" smtClean="0"/>
+              <a:t>Break the work up into smaller batches</a:t>
+            </a:r>
+          </a:p>
+          <a:p>
+            <a:endParaRPr lang="en-US" dirty="0"/>
+          </a:p>
+          <a:p>
+            <a:pPr marL="0" indent="0">
+              <a:buNone/>
+            </a:pPr>
+            <a:r>
+              <a:rPr lang="en-US" dirty="0" smtClean="0"/>
+              <a:t>Algorithms that can operate on partial data sets are key</a:t>
+            </a:r>
+            <a:endParaRPr lang="en-US" dirty="0"/>
+          </a:p>
+        </p:txBody>
+      </p:sp>
+      <p:sp>
+        <p:nvSpPr>
+          <p:cNvPr id="4" name="Date Placeholder 3"/>
+          <p:cNvSpPr>
+            <a:spLocks noGrp="1"/>
+          </p:cNvSpPr>
+          <p:nvPr>
+            <p:ph type="dt" sz="half" idx="10"/>
+          </p:nvPr>
+        </p:nvSpPr>
+        <p:spPr/>
+        <p:txBody>
+          <a:bodyPr/>
+          <a:lstStyle/>
+          <a:p>
+            <a:fld id="{7053BEFA-1175-F644-B249-7D41D72BD3FF}" type="datetime1">
+              <a:rPr lang="en-US" smtClean="0"/>
+              <a:t>3/23/15</a:t>
+            </a:fld>
+            <a:endParaRPr lang="en-US"/>
+          </a:p>
+        </p:txBody>
+      </p:sp>
+      <p:sp>
+        <p:nvSpPr>
+          <p:cNvPr id="5" name="Footer Placeholder 4"/>
+          <p:cNvSpPr>
+            <a:spLocks noGrp="1"/>
+          </p:cNvSpPr>
+          <p:nvPr>
+            <p:ph type="ftr" sz="quarter" idx="11"/>
+          </p:nvPr>
+        </p:nvSpPr>
+        <p:spPr/>
+        <p:txBody>
+          <a:bodyPr/>
+          <a:lstStyle/>
+          <a:p>
+            <a:endParaRPr lang="en-US" dirty="0"/>
+          </a:p>
+        </p:txBody>
+      </p:sp>
+      <p:sp>
+        <p:nvSpPr>
+          <p:cNvPr id="6" name="Slide Number Placeholder 5"/>
+          <p:cNvSpPr>
+            <a:spLocks noGrp="1"/>
+          </p:cNvSpPr>
+          <p:nvPr>
+            <p:ph type="sldNum" sz="quarter" idx="12"/>
+          </p:nvPr>
+        </p:nvSpPr>
+        <p:spPr/>
+        <p:txBody>
+          <a:bodyPr/>
+          <a:lstStyle/>
+          <a:p>
+            <a:fld id="{17E276FA-8F89-B34D-A726-BE3FA1F8DD97}" type="slidenum">
+              <a:rPr lang="en-US" smtClean="0"/>
+              <a:t>58</a:t>
+            </a:fld>
+            <a:endParaRPr lang="en-US" dirty="0"/>
+          </a:p>
+        </p:txBody>
+      </p:sp>
+    </p:spTree>
+    <p:extLst>
+      <p:ext uri="{BB962C8B-B14F-4D97-AF65-F5344CB8AC3E}">
+        <p14:creationId xmlns:p14="http://schemas.microsoft.com/office/powerpoint/2010/main" val="344833017"/>
+      </p:ext>
+    </p:extLst>
+  </p:cSld>
+  <p:clrMapOvr>
+    <a:masterClrMapping/>
+  </p:clrMapOvr>
+</p:sld>
+</file>
+
+<file path=ppt/slides/slide59.xml><?xml version="1.0" encoding="utf-8"?>
+<p:sld xmlns:a="http://schemas.openxmlformats.org/drawingml/2006/main" xmlns:r="http://schemas.openxmlformats.org/officeDocument/2006/relationships" xmlns:p="http://schemas.openxmlformats.org/presentationml/2006/main">
+  <p:cSld>
+    <p:spTree>
+      <p:nvGrpSpPr>
+        <p:cNvPr id="1" name=""/>
+        <p:cNvGrpSpPr/>
+        <p:nvPr/>
+      </p:nvGrpSpPr>
+      <p:grpSpPr>
+        <a:xfrm>
+          <a:off x="0" y="0"/>
+          <a:ext cx="0" cy="0"/>
+          <a:chOff x="0" y="0"/>
+          <a:chExt cx="0" cy="0"/>
+        </a:xfrm>
+      </p:grpSpPr>
+      <p:sp>
+        <p:nvSpPr>
+          <p:cNvPr id="2" name="Title 1"/>
+          <p:cNvSpPr>
+            <a:spLocks noGrp="1"/>
+          </p:cNvSpPr>
+          <p:nvPr>
+            <p:ph type="title"/>
+          </p:nvPr>
+        </p:nvSpPr>
+        <p:spPr/>
+        <p:txBody>
+          <a:bodyPr/>
+          <a:lstStyle/>
+          <a:p>
+            <a:r>
+              <a:rPr lang="en-US" dirty="0" smtClean="0"/>
               <a:t>Logistic regression</a:t>
             </a:r>
             <a:endParaRPr lang="en-US" dirty="0"/>
@@ -21455,7 +23248,7 @@
           <a:graphicData uri="http://schemas.openxmlformats.org/presentationml/2006/ole">
             <mc:AlternateContent xmlns:mc="http://schemas.openxmlformats.org/markup-compatibility/2006">
               <mc:Choice xmlns:v="urn:schemas-microsoft-com:vml" Requires="v">
-                <p:oleObj spid="_x0000_s9378" name="Equation" r:id="rId4" imgW="1308100" imgH="444500" progId="Equation.3">
+                <p:oleObj spid="_x0000_s9396" name="Equation" r:id="rId4" imgW="1308100" imgH="444500" progId="Equation.3">
                   <p:embed/>
                 </p:oleObj>
               </mc:Choice>
@@ -21517,7 +23310,7 @@
           <a:graphicData uri="http://schemas.openxmlformats.org/presentationml/2006/ole">
             <mc:AlternateContent xmlns:mc="http://schemas.openxmlformats.org/markup-compatibility/2006">
               <mc:Choice xmlns:v="urn:schemas-microsoft-com:vml" Requires="v">
-                <p:oleObj spid="_x0000_s9379" name="Equation" r:id="rId6" imgW="774700" imgH="444500" progId="Equation.3">
+                <p:oleObj spid="_x0000_s9397" name="Equation" r:id="rId6" imgW="774700" imgH="444500" progId="Equation.3">
                   <p:embed/>
                 </p:oleObj>
               </mc:Choice>
@@ -21577,7 +23370,7 @@
 </p:sld>
 </file>
 
-<file path=ppt/slides/slide54.xml><?xml version="1.0" encoding="utf-8"?>
+<file path=ppt/slides/slide6.xml><?xml version="1.0" encoding="utf-8"?>
 <p:sld xmlns:a="http://schemas.openxmlformats.org/drawingml/2006/main" xmlns:r="http://schemas.openxmlformats.org/officeDocument/2006/relationships" xmlns:p="http://schemas.openxmlformats.org/presentationml/2006/main">
   <p:cSld>
     <p:spTree>
@@ -21604,6 +23397,251 @@
             <p:ph type="title"/>
           </p:nvPr>
         </p:nvSpPr>
+        <p:spPr>
+          <a:xfrm>
+            <a:off x="954132" y="310162"/>
+            <a:ext cx="7223615" cy="990107"/>
+          </a:xfrm>
+        </p:spPr>
+        <p:txBody>
+          <a:bodyPr/>
+          <a:lstStyle/>
+          <a:p>
+            <a:r>
+              <a:rPr lang="en-US" dirty="0" smtClean="0"/>
+              <a:t>Review: Decision Trees &amp; Naïve Bayes</a:t>
+            </a:r>
+            <a:endParaRPr lang="en-US" dirty="0"/>
+          </a:p>
+        </p:txBody>
+      </p:sp>
+      <p:sp>
+        <p:nvSpPr>
+          <p:cNvPr id="3" name="Content Placeholder 2"/>
+          <p:cNvSpPr>
+            <a:spLocks noGrp="1"/>
+          </p:cNvSpPr>
+          <p:nvPr>
+            <p:ph idx="1"/>
+          </p:nvPr>
+        </p:nvSpPr>
+        <p:spPr/>
+        <p:txBody>
+          <a:bodyPr/>
+          <a:lstStyle/>
+          <a:p>
+            <a:pPr marL="0" indent="0">
+              <a:buNone/>
+            </a:pPr>
+            <a:r>
+              <a:rPr lang="en-US" dirty="0" smtClean="0"/>
+              <a:t>Minimum description length principal</a:t>
+            </a:r>
+          </a:p>
+          <a:p>
+            <a:pPr marL="0" indent="0">
+              <a:buNone/>
+            </a:pPr>
+            <a:r>
+              <a:rPr lang="en-US" dirty="0"/>
+              <a:t>Decision trees are simple and easily learned</a:t>
+            </a:r>
+          </a:p>
+          <a:p>
+            <a:pPr lvl="1"/>
+            <a:r>
+              <a:rPr lang="en-US" dirty="0"/>
+              <a:t>Add nodes based on information gain</a:t>
+            </a:r>
+          </a:p>
+          <a:p>
+            <a:pPr marL="0" indent="0">
+              <a:buNone/>
+            </a:pPr>
+            <a:r>
+              <a:rPr lang="en-US" dirty="0" smtClean="0"/>
+              <a:t>Naïve Bayes pros</a:t>
+            </a:r>
+          </a:p>
+          <a:p>
+            <a:pPr lvl="1"/>
+            <a:r>
+              <a:rPr lang="en-US" dirty="0" smtClean="0"/>
+              <a:t>Takes priors into account</a:t>
+            </a:r>
+          </a:p>
+          <a:p>
+            <a:pPr lvl="1"/>
+            <a:r>
+              <a:rPr lang="en-US" dirty="0" smtClean="0"/>
+              <a:t>Robust even when features are missing</a:t>
+            </a:r>
+            <a:endParaRPr lang="en-US" dirty="0"/>
+          </a:p>
+          <a:p>
+            <a:pPr marL="0" indent="0">
+              <a:buNone/>
+            </a:pPr>
+            <a:r>
+              <a:rPr lang="en-US" dirty="0" smtClean="0"/>
+              <a:t>Naïve Bayes cons</a:t>
+            </a:r>
+          </a:p>
+          <a:p>
+            <a:pPr lvl="1"/>
+            <a:r>
+              <a:rPr lang="en-US" dirty="0" smtClean="0"/>
+              <a:t>Assumptions: </a:t>
+            </a:r>
+            <a:r>
+              <a:rPr lang="en-US" dirty="0"/>
+              <a:t>I</a:t>
+            </a:r>
+            <a:r>
+              <a:rPr lang="en-US" dirty="0" smtClean="0"/>
+              <a:t>ndependence; Closed world</a:t>
+            </a:r>
+          </a:p>
+          <a:p>
+            <a:pPr lvl="1"/>
+            <a:r>
+              <a:rPr lang="en-US" dirty="0" smtClean="0"/>
+              <a:t>Fails when things are highly conditional</a:t>
+            </a:r>
+          </a:p>
+          <a:p>
+            <a:pPr lvl="1"/>
+            <a:r>
+              <a:rPr lang="en-US" dirty="0" smtClean="0"/>
+              <a:t>Fails when data is highly skewed </a:t>
+            </a:r>
+            <a:endParaRPr lang="en-US" dirty="0"/>
+          </a:p>
+          <a:p>
+            <a:pPr marL="0" indent="0">
+              <a:buNone/>
+            </a:pPr>
+            <a:endParaRPr lang="en-US" dirty="0" smtClean="0"/>
+          </a:p>
+          <a:p>
+            <a:pPr marL="0" indent="0">
+              <a:buNone/>
+            </a:pPr>
+            <a:endParaRPr lang="en-US" dirty="0"/>
+          </a:p>
+          <a:p>
+            <a:pPr marL="0" indent="0">
+              <a:buNone/>
+            </a:pPr>
+            <a:endParaRPr lang="en-US" dirty="0"/>
+          </a:p>
+        </p:txBody>
+      </p:sp>
+      <p:sp>
+        <p:nvSpPr>
+          <p:cNvPr id="4" name="Date Placeholder 3"/>
+          <p:cNvSpPr>
+            <a:spLocks noGrp="1"/>
+          </p:cNvSpPr>
+          <p:nvPr>
+            <p:ph type="dt" sz="half" idx="10"/>
+          </p:nvPr>
+        </p:nvSpPr>
+        <p:spPr/>
+        <p:txBody>
+          <a:bodyPr/>
+          <a:lstStyle/>
+          <a:p>
+            <a:fld id="{7053BEFA-1175-F644-B249-7D41D72BD3FF}" type="datetime1">
+              <a:rPr lang="en-US" smtClean="0"/>
+              <a:t>3/23/15</a:t>
+            </a:fld>
+            <a:endParaRPr lang="en-US"/>
+          </a:p>
+        </p:txBody>
+      </p:sp>
+      <p:sp>
+        <p:nvSpPr>
+          <p:cNvPr id="5" name="Footer Placeholder 4"/>
+          <p:cNvSpPr>
+            <a:spLocks noGrp="1"/>
+          </p:cNvSpPr>
+          <p:nvPr>
+            <p:ph type="ftr" sz="quarter" idx="11"/>
+          </p:nvPr>
+        </p:nvSpPr>
+        <p:spPr/>
+        <p:txBody>
+          <a:bodyPr/>
+          <a:lstStyle/>
+          <a:p>
+            <a:endParaRPr lang="en-US" dirty="0"/>
+          </a:p>
+        </p:txBody>
+      </p:sp>
+      <p:sp>
+        <p:nvSpPr>
+          <p:cNvPr id="6" name="Slide Number Placeholder 5"/>
+          <p:cNvSpPr>
+            <a:spLocks noGrp="1"/>
+          </p:cNvSpPr>
+          <p:nvPr>
+            <p:ph type="sldNum" sz="quarter" idx="12"/>
+          </p:nvPr>
+        </p:nvSpPr>
+        <p:spPr/>
+        <p:txBody>
+          <a:bodyPr/>
+          <a:lstStyle/>
+          <a:p>
+            <a:fld id="{17E276FA-8F89-B34D-A726-BE3FA1F8DD97}" type="slidenum">
+              <a:rPr lang="en-US" smtClean="0"/>
+              <a:t>6</a:t>
+            </a:fld>
+            <a:endParaRPr lang="en-US" dirty="0"/>
+          </a:p>
+        </p:txBody>
+      </p:sp>
+    </p:spTree>
+    <p:extLst>
+      <p:ext uri="{BB962C8B-B14F-4D97-AF65-F5344CB8AC3E}">
+        <p14:creationId xmlns:p14="http://schemas.microsoft.com/office/powerpoint/2010/main" val="1982925228"/>
+      </p:ext>
+    </p:extLst>
+  </p:cSld>
+  <p:clrMapOvr>
+    <a:masterClrMapping/>
+  </p:clrMapOvr>
+</p:sld>
+</file>
+
+<file path=ppt/slides/slide60.xml><?xml version="1.0" encoding="utf-8"?>
+<p:sld xmlns:a="http://schemas.openxmlformats.org/drawingml/2006/main" xmlns:r="http://schemas.openxmlformats.org/officeDocument/2006/relationships" xmlns:p="http://schemas.openxmlformats.org/presentationml/2006/main">
+  <p:cSld>
+    <p:spTree>
+      <p:nvGrpSpPr>
+        <p:cNvPr id="1" name=""/>
+        <p:cNvGrpSpPr/>
+        <p:nvPr/>
+      </p:nvGrpSpPr>
+      <p:grpSpPr>
+        <a:xfrm>
+          <a:off x="0" y="0"/>
+          <a:ext cx="0" cy="0"/>
+          <a:chOff x="0" y="0"/>
+          <a:chExt cx="0" cy="0"/>
+        </a:xfrm>
+      </p:grpSpPr>
+      <p:sp>
+        <p:nvSpPr>
+          <p:cNvPr id="2" name="Title 1"/>
+          <p:cNvSpPr>
+            <a:spLocks noGrp="1"/>
+          </p:cNvSpPr>
+          <p:nvPr>
+            <p:ph type="title"/>
+          </p:nvPr>
+        </p:nvSpPr>
         <p:spPr/>
         <p:txBody>
           <a:bodyPr/>
@@ -21751,7 +23789,7 @@
           <a:graphicData uri="http://schemas.openxmlformats.org/presentationml/2006/ole">
             <mc:AlternateContent xmlns:mc="http://schemas.openxmlformats.org/markup-compatibility/2006">
               <mc:Choice xmlns:v="urn:schemas-microsoft-com:vml" Requires="v">
-                <p:oleObj spid="_x0000_s10339" name="Equation" r:id="rId4" imgW="1993900" imgH="457200" progId="Equation.3">
+                <p:oleObj spid="_x0000_s10349" name="Equation" r:id="rId4" imgW="1993900" imgH="457200" progId="Equation.3">
                   <p:embed/>
                 </p:oleObj>
               </mc:Choice>
@@ -21811,7 +23849,7 @@
 </p:sld>
 </file>
 
-<file path=ppt/slides/slide55.xml><?xml version="1.0" encoding="utf-8"?>
+<file path=ppt/slides/slide61.xml><?xml version="1.0" encoding="utf-8"?>
 <p:sld xmlns:a="http://schemas.openxmlformats.org/drawingml/2006/main" xmlns:r="http://schemas.openxmlformats.org/officeDocument/2006/relationships" xmlns:p="http://schemas.openxmlformats.org/presentationml/2006/main">
   <p:cSld>
     <p:spTree>
@@ -21985,7 +24023,7 @@
           <a:graphicData uri="http://schemas.openxmlformats.org/presentationml/2006/ole">
             <mc:AlternateContent xmlns:mc="http://schemas.openxmlformats.org/markup-compatibility/2006">
               <mc:Choice xmlns:v="urn:schemas-microsoft-com:vml" Requires="v">
-                <p:oleObj spid="_x0000_s11331" name="Equation" r:id="rId4" imgW="1993900" imgH="457200" progId="Equation.3">
+                <p:oleObj spid="_x0000_s11341" name="Equation" r:id="rId4" imgW="1993900" imgH="457200" progId="Equation.3">
                   <p:embed/>
                 </p:oleObj>
               </mc:Choice>
@@ -22138,7 +24176,7 @@
 </p:sld>
 </file>
 
-<file path=ppt/slides/slide56.xml><?xml version="1.0" encoding="utf-8"?>
+<file path=ppt/slides/slide62.xml><?xml version="1.0" encoding="utf-8"?>
 <p:sld xmlns:a="http://schemas.openxmlformats.org/drawingml/2006/main" xmlns:r="http://schemas.openxmlformats.org/officeDocument/2006/relationships" xmlns:p="http://schemas.openxmlformats.org/presentationml/2006/main">
   <p:cSld>
     <p:spTree>
@@ -22312,7 +24350,7 @@
           <a:graphicData uri="http://schemas.openxmlformats.org/presentationml/2006/ole">
             <mc:AlternateContent xmlns:mc="http://schemas.openxmlformats.org/markup-compatibility/2006">
               <mc:Choice xmlns:v="urn:schemas-microsoft-com:vml" Requires="v">
-                <p:oleObj spid="_x0000_s12354" name="Equation" r:id="rId4" imgW="1993900" imgH="457200" progId="Equation.3">
+                <p:oleObj spid="_x0000_s12364" name="Equation" r:id="rId4" imgW="1993900" imgH="457200" progId="Equation.3">
                   <p:embed/>
                 </p:oleObj>
               </mc:Choice>
@@ -22459,7 +24497,7 @@
 </p:sld>
 </file>
 
-<file path=ppt/slides/slide57.xml><?xml version="1.0" encoding="utf-8"?>
+<file path=ppt/slides/slide63.xml><?xml version="1.0" encoding="utf-8"?>
 <p:sld xmlns:a="http://schemas.openxmlformats.org/drawingml/2006/main" xmlns:r="http://schemas.openxmlformats.org/officeDocument/2006/relationships" xmlns:p="http://schemas.openxmlformats.org/presentationml/2006/main">
   <p:cSld>
     <p:spTree>
@@ -22633,7 +24671,7 @@
           <a:graphicData uri="http://schemas.openxmlformats.org/presentationml/2006/ole">
             <mc:AlternateContent xmlns:mc="http://schemas.openxmlformats.org/markup-compatibility/2006">
               <mc:Choice xmlns:v="urn:schemas-microsoft-com:vml" Requires="v">
-                <p:oleObj spid="_x0000_s13378" name="Equation" r:id="rId4" imgW="1993900" imgH="457200" progId="Equation.3">
+                <p:oleObj spid="_x0000_s13388" name="Equation" r:id="rId4" imgW="1993900" imgH="457200" progId="Equation.3">
                   <p:embed/>
                 </p:oleObj>
               </mc:Choice>
@@ -22796,7 +24834,7 @@
 </p:sld>
 </file>
 
-<file path=ppt/slides/slide58.xml><?xml version="1.0" encoding="utf-8"?>
+<file path=ppt/slides/slide64.xml><?xml version="1.0" encoding="utf-8"?>
 <p:sld xmlns:a="http://schemas.openxmlformats.org/drawingml/2006/main" xmlns:r="http://schemas.openxmlformats.org/officeDocument/2006/relationships" xmlns:p="http://schemas.openxmlformats.org/presentationml/2006/main">
   <p:cSld>
     <p:spTree>
@@ -22970,7 +25008,7 @@
           <a:graphicData uri="http://schemas.openxmlformats.org/presentationml/2006/ole">
             <mc:AlternateContent xmlns:mc="http://schemas.openxmlformats.org/markup-compatibility/2006">
               <mc:Choice xmlns:v="urn:schemas-microsoft-com:vml" Requires="v">
-                <p:oleObj spid="_x0000_s14402" name="Equation" r:id="rId4" imgW="1993900" imgH="457200" progId="Equation.3">
+                <p:oleObj spid="_x0000_s14412" name="Equation" r:id="rId4" imgW="1993900" imgH="457200" progId="Equation.3">
                   <p:embed/>
                 </p:oleObj>
               </mc:Choice>
@@ -23116,7 +25154,7 @@
 </p:sld>
 </file>
 
-<file path=ppt/slides/slide59.xml><?xml version="1.0" encoding="utf-8"?>
+<file path=ppt/slides/slide65.xml><?xml version="1.0" encoding="utf-8"?>
 <p:sld xmlns:a="http://schemas.openxmlformats.org/drawingml/2006/main" xmlns:r="http://schemas.openxmlformats.org/officeDocument/2006/relationships" xmlns:p="http://schemas.openxmlformats.org/presentationml/2006/main">
   <p:cSld>
     <p:spTree>
@@ -23325,7 +25363,7 @@
           <a:graphicData uri="http://schemas.openxmlformats.org/presentationml/2006/ole">
             <mc:AlternateContent xmlns:mc="http://schemas.openxmlformats.org/markup-compatibility/2006">
               <mc:Choice xmlns:v="urn:schemas-microsoft-com:vml" Requires="v">
-                <p:oleObj spid="_x0000_s15485" name="Equation" r:id="rId5" imgW="1993900" imgH="457200" progId="Equation.3">
+                <p:oleObj spid="_x0000_s15503" name="Equation" r:id="rId5" imgW="1993900" imgH="457200" progId="Equation.3">
                   <p:embed/>
                 </p:oleObj>
               </mc:Choice>
@@ -23387,7 +25425,7 @@
           <a:graphicData uri="http://schemas.openxmlformats.org/presentationml/2006/ole">
             <mc:AlternateContent xmlns:mc="http://schemas.openxmlformats.org/markup-compatibility/2006">
               <mc:Choice xmlns:v="urn:schemas-microsoft-com:vml" Requires="v">
-                <p:oleObj spid="_x0000_s15486" name="Equation" r:id="rId7" imgW="2463800" imgH="241300" progId="Equation.3">
+                <p:oleObj spid="_x0000_s15504" name="Equation" r:id="rId7" imgW="2463800" imgH="241300" progId="Equation.3">
                   <p:embed/>
                 </p:oleObj>
               </mc:Choice>
@@ -23442,7 +25480,7 @@
 </p:sld>
 </file>
 
-<file path=ppt/slides/slide6.xml><?xml version="1.0" encoding="utf-8"?>
+<file path=ppt/slides/slide66.xml><?xml version="1.0" encoding="utf-8"?>
 <p:sld xmlns:a="http://schemas.openxmlformats.org/drawingml/2006/main" xmlns:r="http://schemas.openxmlformats.org/officeDocument/2006/relationships" xmlns:p="http://schemas.openxmlformats.org/presentationml/2006/main">
   <p:cSld>
     <p:spTree>
@@ -23469,19 +25507,14 @@
             <p:ph type="title"/>
           </p:nvPr>
         </p:nvSpPr>
-        <p:spPr>
-          <a:xfrm>
-            <a:off x="954132" y="310162"/>
-            <a:ext cx="7223615" cy="990107"/>
-          </a:xfrm>
-        </p:spPr>
-        <p:txBody>
-          <a:bodyPr/>
-          <a:lstStyle/>
-          <a:p>
-            <a:r>
-              <a:rPr lang="en-US" dirty="0" smtClean="0"/>
-              <a:t>Review: Decision Trees &amp; Naïve Bayes</a:t>
+        <p:spPr/>
+        <p:txBody>
+          <a:bodyPr/>
+          <a:lstStyle/>
+          <a:p>
+            <a:r>
+              <a:rPr lang="en-US" dirty="0" smtClean="0"/>
+              <a:t>Gradient Descent</a:t>
             </a:r>
             <a:endParaRPr lang="en-US" dirty="0"/>
           </a:p>
@@ -23503,109 +25536,145 @@
           <a:lstStyle/>
           <a:p>
             <a:pPr marL="0" indent="0">
+              <a:lnSpc>
+                <a:spcPct val="90000"/>
+              </a:lnSpc>
               <a:buNone/>
             </a:pPr>
             <a:r>
-              <a:rPr lang="en-US" dirty="0" smtClean="0"/>
-              <a:t>Minimum description length principal</a:t>
+              <a:rPr lang="en-US" altLang="he-IL" dirty="0" smtClean="0"/>
+              <a:t>Loops over the entire data set S </a:t>
             </a:r>
           </a:p>
           <a:p>
             <a:pPr marL="0" indent="0">
+              <a:lnSpc>
+                <a:spcPct val="90000"/>
+              </a:lnSpc>
               <a:buNone/>
             </a:pPr>
             <a:r>
+              <a:rPr lang="en-US" altLang="he-IL" dirty="0" smtClean="0"/>
+              <a:t>At each step change w based on the error and the step size </a:t>
+            </a:r>
+            <a:r>
+              <a:rPr lang="en-US" altLang="he-IL" dirty="0">
+                <a:sym typeface="Symbol" charset="0"/>
+              </a:rPr>
+              <a:t></a:t>
+            </a:r>
+            <a:endParaRPr lang="en-US" altLang="he-IL" dirty="0"/>
+          </a:p>
+          <a:p>
+            <a:pPr>
+              <a:lnSpc>
+                <a:spcPct val="110000"/>
+              </a:lnSpc>
+              <a:buFontTx/>
+              <a:buNone/>
+            </a:pPr>
+            <a:r>
+              <a:rPr lang="en-US" altLang="he-IL" dirty="0"/>
+              <a:t>   </a:t>
+            </a:r>
+            <a:r>
+              <a:rPr lang="en-US" dirty="0">
+                <a:latin typeface="Symbol" charset="0"/>
+              </a:rPr>
+              <a:t> </a:t>
+            </a:r>
+            <a:r>
+              <a:rPr lang="en-US" dirty="0" err="1" smtClean="0"/>
+              <a:t>w</a:t>
+            </a:r>
+            <a:r>
+              <a:rPr lang="en-US" baseline="-25000" dirty="0" err="1" smtClean="0"/>
+              <a:t>j</a:t>
+            </a:r>
+            <a:r>
+              <a:rPr lang="en-US" dirty="0" smtClean="0"/>
+              <a:t>  =  </a:t>
+            </a:r>
+            <a:r>
+              <a:rPr lang="en-US" dirty="0" err="1"/>
+              <a:t>w</a:t>
+            </a:r>
+            <a:r>
+              <a:rPr lang="en-US" baseline="-25000" dirty="0" err="1"/>
+              <a:t>i</a:t>
+            </a:r>
+            <a:r>
               <a:rPr lang="en-US" dirty="0"/>
-              <a:t>Decision trees are simple and easily learned</a:t>
-            </a:r>
-          </a:p>
-          <a:p>
-            <a:pPr lvl="1"/>
+              <a:t> </a:t>
+            </a:r>
+            <a:r>
+              <a:rPr lang="en-US" altLang="he-IL" dirty="0" smtClean="0"/>
+              <a:t>- </a:t>
+            </a:r>
+            <a:r>
+              <a:rPr lang="en-US" altLang="he-IL" dirty="0">
+                <a:sym typeface="Symbol" charset="0"/>
+              </a:rPr>
+              <a:t> </a:t>
+            </a:r>
+            <a:r>
+              <a:rPr lang="en-US" dirty="0" err="1"/>
+              <a:t>Δ</a:t>
+            </a:r>
             <a:r>
               <a:rPr lang="en-US" dirty="0"/>
-              <a:t>Add nodes based on information gain</a:t>
-            </a:r>
-          </a:p>
-          <a:p>
-            <a:pPr marL="0" indent="0">
+              <a:t>(w</a:t>
+            </a:r>
+            <a:r>
+              <a:rPr lang="en-US" dirty="0" smtClean="0"/>
+              <a:t>)</a:t>
+            </a:r>
+          </a:p>
+          <a:p>
+            <a:pPr>
+              <a:lnSpc>
+                <a:spcPct val="110000"/>
+              </a:lnSpc>
+              <a:buFontTx/>
               <a:buNone/>
             </a:pPr>
             <a:r>
               <a:rPr lang="en-US" dirty="0" smtClean="0"/>
-              <a:t>Naïve Bayes pros</a:t>
-            </a:r>
-          </a:p>
-          <a:p>
-            <a:pPr lvl="1"/>
-            <a:r>
-              <a:rPr lang="en-US" dirty="0" smtClean="0"/>
-              <a:t>Takes priors into account</a:t>
-            </a:r>
-          </a:p>
-          <a:p>
-            <a:pPr lvl="1"/>
-            <a:r>
-              <a:rPr lang="en-US" dirty="0" smtClean="0"/>
-              <a:t>Robust even when features are missing</a:t>
-            </a:r>
-            <a:endParaRPr lang="en-US" dirty="0"/>
-          </a:p>
-          <a:p>
-            <a:pPr marL="0" indent="0">
-              <a:buNone/>
-            </a:pPr>
-            <a:r>
-              <a:rPr lang="en-US" dirty="0" smtClean="0"/>
-              <a:t>Naïve Bayes cons</a:t>
-            </a:r>
-          </a:p>
-          <a:p>
-            <a:pPr lvl="1"/>
-            <a:r>
-              <a:rPr lang="en-US" dirty="0" smtClean="0"/>
-              <a:t>Assumptions: </a:t>
-            </a:r>
-            <a:r>
-              <a:rPr lang="en-US" dirty="0"/>
-              <a:t>I</a:t>
-            </a:r>
-            <a:r>
-              <a:rPr lang="en-US" dirty="0" smtClean="0"/>
-              <a:t>ndependence; Closed world</a:t>
-            </a:r>
-          </a:p>
-          <a:p>
-            <a:pPr lvl="1"/>
-            <a:r>
-              <a:rPr lang="en-US" dirty="0" smtClean="0"/>
-              <a:t>Fails when things are highly conditional</a:t>
-            </a:r>
-          </a:p>
-          <a:p>
-            <a:pPr lvl="1"/>
-            <a:r>
-              <a:rPr lang="en-US" dirty="0" smtClean="0"/>
-              <a:t>Fails when data is highly skewed </a:t>
-            </a:r>
-            <a:endParaRPr lang="en-US" dirty="0"/>
-          </a:p>
-          <a:p>
-            <a:pPr marL="0" indent="0">
+              <a:t>Based on the partial derivative of E(w)</a:t>
+            </a:r>
+          </a:p>
+          <a:p>
+            <a:pPr>
+              <a:lnSpc>
+                <a:spcPct val="110000"/>
+              </a:lnSpc>
+              <a:buFontTx/>
               <a:buNone/>
             </a:pPr>
             <a:endParaRPr lang="en-US" dirty="0" smtClean="0"/>
           </a:p>
           <a:p>
-            <a:pPr marL="0" indent="0">
+            <a:pPr>
+              <a:lnSpc>
+                <a:spcPct val="110000"/>
+              </a:lnSpc>
+              <a:buFontTx/>
               <a:buNone/>
             </a:pPr>
-            <a:endParaRPr lang="en-US" dirty="0"/>
-          </a:p>
-          <a:p>
-            <a:pPr marL="0" indent="0">
+            <a:endParaRPr lang="en-US" dirty="0" smtClean="0"/>
+          </a:p>
+          <a:p>
+            <a:pPr>
+              <a:lnSpc>
+                <a:spcPct val="110000"/>
+              </a:lnSpc>
+              <a:buFontTx/>
               <a:buNone/>
             </a:pPr>
-            <a:endParaRPr lang="en-US" dirty="0"/>
+            <a:r>
+              <a:rPr lang="en-US" dirty="0" smtClean="0"/>
+              <a:t>This is just the error (from the reg. line)</a:t>
+            </a:r>
           </a:p>
         </p:txBody>
       </p:sp>
@@ -23668,283 +25737,7 @@
           <a:p>
             <a:fld id="{17E276FA-8F89-B34D-A726-BE3FA1F8DD97}" type="slidenum">
               <a:rPr lang="en-US" smtClean="0"/>
-              <a:t>6</a:t>
-            </a:fld>
-            <a:endParaRPr lang="en-US" dirty="0"/>
-          </a:p>
-        </p:txBody>
-      </p:sp>
-    </p:spTree>
-    <p:extLst>
-      <p:ext uri="{BB962C8B-B14F-4D97-AF65-F5344CB8AC3E}">
-        <p14:creationId xmlns:p14="http://schemas.microsoft.com/office/powerpoint/2010/main" val="1982925228"/>
-      </p:ext>
-    </p:extLst>
-  </p:cSld>
-  <p:clrMapOvr>
-    <a:masterClrMapping/>
-  </p:clrMapOvr>
-</p:sld>
-</file>
-
-<file path=ppt/slides/slide60.xml><?xml version="1.0" encoding="utf-8"?>
-<p:sld xmlns:a="http://schemas.openxmlformats.org/drawingml/2006/main" xmlns:r="http://schemas.openxmlformats.org/officeDocument/2006/relationships" xmlns:p="http://schemas.openxmlformats.org/presentationml/2006/main">
-  <p:cSld>
-    <p:spTree>
-      <p:nvGrpSpPr>
-        <p:cNvPr id="1" name=""/>
-        <p:cNvGrpSpPr/>
-        <p:nvPr/>
-      </p:nvGrpSpPr>
-      <p:grpSpPr>
-        <a:xfrm>
-          <a:off x="0" y="0"/>
-          <a:ext cx="0" cy="0"/>
-          <a:chOff x="0" y="0"/>
-          <a:chExt cx="0" cy="0"/>
-        </a:xfrm>
-      </p:grpSpPr>
-      <p:sp>
-        <p:nvSpPr>
-          <p:cNvPr id="2" name="Title 1"/>
-          <p:cNvSpPr>
-            <a:spLocks noGrp="1"/>
-          </p:cNvSpPr>
-          <p:nvPr>
-            <p:ph type="title"/>
-          </p:nvPr>
-        </p:nvSpPr>
-        <p:spPr/>
-        <p:txBody>
-          <a:bodyPr/>
-          <a:lstStyle/>
-          <a:p>
-            <a:r>
-              <a:rPr lang="en-US" dirty="0" smtClean="0"/>
-              <a:t>Gradient Descent</a:t>
-            </a:r>
-            <a:endParaRPr lang="en-US" dirty="0"/>
-          </a:p>
-        </p:txBody>
-      </p:sp>
-      <p:sp>
-        <p:nvSpPr>
-          <p:cNvPr id="3" name="Content Placeholder 2"/>
-          <p:cNvSpPr>
-            <a:spLocks noGrp="1"/>
-          </p:cNvSpPr>
-          <p:nvPr>
-            <p:ph idx="1"/>
-          </p:nvPr>
-        </p:nvSpPr>
-        <p:spPr/>
-        <p:txBody>
-          <a:bodyPr/>
-          <a:lstStyle/>
-          <a:p>
-            <a:pPr marL="0" indent="0">
-              <a:lnSpc>
-                <a:spcPct val="90000"/>
-              </a:lnSpc>
-              <a:buNone/>
-            </a:pPr>
-            <a:r>
-              <a:rPr lang="en-US" altLang="he-IL" dirty="0" smtClean="0"/>
-              <a:t>Loops over the entire data set S </a:t>
-            </a:r>
-          </a:p>
-          <a:p>
-            <a:pPr marL="0" indent="0">
-              <a:lnSpc>
-                <a:spcPct val="90000"/>
-              </a:lnSpc>
-              <a:buNone/>
-            </a:pPr>
-            <a:r>
-              <a:rPr lang="en-US" altLang="he-IL" dirty="0" smtClean="0"/>
-              <a:t>At each step change w based on the error and the step size </a:t>
-            </a:r>
-            <a:r>
-              <a:rPr lang="en-US" altLang="he-IL" dirty="0">
-                <a:sym typeface="Symbol" charset="0"/>
-              </a:rPr>
-              <a:t></a:t>
-            </a:r>
-            <a:endParaRPr lang="en-US" altLang="he-IL" dirty="0"/>
-          </a:p>
-          <a:p>
-            <a:pPr>
-              <a:lnSpc>
-                <a:spcPct val="110000"/>
-              </a:lnSpc>
-              <a:buFontTx/>
-              <a:buNone/>
-            </a:pPr>
-            <a:r>
-              <a:rPr lang="en-US" altLang="he-IL" dirty="0"/>
-              <a:t>   </a:t>
-            </a:r>
-            <a:r>
-              <a:rPr lang="en-US" dirty="0">
-                <a:latin typeface="Symbol" charset="0"/>
-              </a:rPr>
-              <a:t> </a:t>
-            </a:r>
-            <a:r>
-              <a:rPr lang="en-US" dirty="0" err="1" smtClean="0"/>
-              <a:t>w</a:t>
-            </a:r>
-            <a:r>
-              <a:rPr lang="en-US" baseline="-25000" dirty="0" err="1" smtClean="0"/>
-              <a:t>j</a:t>
-            </a:r>
-            <a:r>
-              <a:rPr lang="en-US" dirty="0" smtClean="0"/>
-              <a:t>  =  </a:t>
-            </a:r>
-            <a:r>
-              <a:rPr lang="en-US" dirty="0" err="1"/>
-              <a:t>w</a:t>
-            </a:r>
-            <a:r>
-              <a:rPr lang="en-US" baseline="-25000" dirty="0" err="1"/>
-              <a:t>i</a:t>
-            </a:r>
-            <a:r>
-              <a:rPr lang="en-US" dirty="0"/>
-              <a:t> </a:t>
-            </a:r>
-            <a:r>
-              <a:rPr lang="en-US" altLang="he-IL" dirty="0" smtClean="0"/>
-              <a:t>- </a:t>
-            </a:r>
-            <a:r>
-              <a:rPr lang="en-US" altLang="he-IL" dirty="0">
-                <a:sym typeface="Symbol" charset="0"/>
-              </a:rPr>
-              <a:t> </a:t>
-            </a:r>
-            <a:r>
-              <a:rPr lang="en-US" dirty="0" err="1"/>
-              <a:t>Δ</a:t>
-            </a:r>
-            <a:r>
-              <a:rPr lang="en-US" dirty="0"/>
-              <a:t>(w</a:t>
-            </a:r>
-            <a:r>
-              <a:rPr lang="en-US" dirty="0" smtClean="0"/>
-              <a:t>)</a:t>
-            </a:r>
-          </a:p>
-          <a:p>
-            <a:pPr>
-              <a:lnSpc>
-                <a:spcPct val="110000"/>
-              </a:lnSpc>
-              <a:buFontTx/>
-              <a:buNone/>
-            </a:pPr>
-            <a:r>
-              <a:rPr lang="en-US" dirty="0" smtClean="0"/>
-              <a:t>Based on the partial derivative of E(w)</a:t>
-            </a:r>
-          </a:p>
-          <a:p>
-            <a:pPr>
-              <a:lnSpc>
-                <a:spcPct val="110000"/>
-              </a:lnSpc>
-              <a:buFontTx/>
-              <a:buNone/>
-            </a:pPr>
-            <a:endParaRPr lang="en-US" dirty="0" smtClean="0"/>
-          </a:p>
-          <a:p>
-            <a:pPr>
-              <a:lnSpc>
-                <a:spcPct val="110000"/>
-              </a:lnSpc>
-              <a:buFontTx/>
-              <a:buNone/>
-            </a:pPr>
-            <a:endParaRPr lang="en-US" dirty="0" smtClean="0"/>
-          </a:p>
-          <a:p>
-            <a:pPr>
-              <a:lnSpc>
-                <a:spcPct val="110000"/>
-              </a:lnSpc>
-              <a:buFontTx/>
-              <a:buNone/>
-            </a:pPr>
-            <a:r>
-              <a:rPr lang="en-US" dirty="0" smtClean="0"/>
-              <a:t>This is just the error (from the reg. line)</a:t>
-            </a:r>
-          </a:p>
-        </p:txBody>
-      </p:sp>
-      <p:sp>
-        <p:nvSpPr>
-          <p:cNvPr id="4" name="Date Placeholder 3"/>
-          <p:cNvSpPr>
-            <a:spLocks noGrp="1"/>
-          </p:cNvSpPr>
-          <p:nvPr>
-            <p:ph type="dt" sz="half" idx="10"/>
-          </p:nvPr>
-        </p:nvSpPr>
-        <p:spPr/>
-        <p:txBody>
-          <a:bodyPr/>
-          <a:lstStyle/>
-          <a:p>
-            <a:fld id="{7053BEFA-1175-F644-B249-7D41D72BD3FF}" type="datetime1">
-              <a:rPr lang="en-US" smtClean="0"/>
-              <a:t>3/23/15</a:t>
-            </a:fld>
-            <a:endParaRPr lang="en-US"/>
-          </a:p>
-        </p:txBody>
-      </p:sp>
-      <p:sp>
-        <p:nvSpPr>
-          <p:cNvPr id="5" name="Footer Placeholder 4"/>
-          <p:cNvSpPr>
-            <a:spLocks noGrp="1"/>
-          </p:cNvSpPr>
-          <p:nvPr>
-            <p:ph type="ftr" sz="quarter" idx="11"/>
-          </p:nvPr>
-        </p:nvSpPr>
-        <p:spPr/>
-        <p:txBody>
-          <a:bodyPr/>
-          <a:lstStyle/>
-          <a:p>
-            <a:endParaRPr lang="en-US" dirty="0"/>
-          </a:p>
-        </p:txBody>
-      </p:sp>
-      <p:sp>
-        <p:nvSpPr>
-          <p:cNvPr id="6" name="Slide Number Placeholder 5"/>
-          <p:cNvSpPr>
-            <a:spLocks noGrp="1"/>
-          </p:cNvSpPr>
-          <p:nvPr>
-            <p:ph type="sldNum" sz="quarter" idx="12"/>
-          </p:nvPr>
-        </p:nvSpPr>
-        <p:spPr/>
-        <p:txBody>
-          <a:bodyPr/>
-          <a:lstStyle/>
-          <a:p>
-            <a:fld id="{17E276FA-8F89-B34D-A726-BE3FA1F8DD97}" type="slidenum">
-              <a:rPr lang="en-US" smtClean="0"/>
-              <a:t>60</a:t>
+              <a:t>66</a:t>
             </a:fld>
             <a:endParaRPr lang="en-US" dirty="0"/>
           </a:p>
@@ -23972,7 +25765,7 @@
           <a:graphicData uri="http://schemas.openxmlformats.org/presentationml/2006/ole">
             <mc:AlternateContent xmlns:mc="http://schemas.openxmlformats.org/markup-compatibility/2006">
               <mc:Choice xmlns:v="urn:schemas-microsoft-com:vml" Requires="v">
-                <p:oleObj spid="_x0000_s16440" name="Equation" r:id="rId3" imgW="812800" imgH="241300" progId="Equation.3">
+                <p:oleObj spid="_x0000_s16450" name="Equation" r:id="rId3" imgW="812800" imgH="241300" progId="Equation.3">
                   <p:embed/>
                 </p:oleObj>
               </mc:Choice>
@@ -24027,7 +25820,7 @@
 </p:sld>
 </file>
 
-<file path=ppt/slides/slide61.xml><?xml version="1.0" encoding="utf-8"?>
+<file path=ppt/slides/slide67.xml><?xml version="1.0" encoding="utf-8"?>
 <p:sld xmlns:a="http://schemas.openxmlformats.org/drawingml/2006/main" xmlns:r="http://schemas.openxmlformats.org/officeDocument/2006/relationships" xmlns:p="http://schemas.openxmlformats.org/presentationml/2006/main">
   <p:cSld>
     <p:spTree>
@@ -24358,7 +26151,7 @@
           <a:p>
             <a:fld id="{17E276FA-8F89-B34D-A726-BE3FA1F8DD97}" type="slidenum">
               <a:rPr lang="en-US" smtClean="0"/>
-              <a:t>61</a:t>
+              <a:t>67</a:t>
             </a:fld>
             <a:endParaRPr lang="en-US" dirty="0"/>
           </a:p>
@@ -24386,7 +26179,7 @@
           <a:graphicData uri="http://schemas.openxmlformats.org/presentationml/2006/ole">
             <mc:AlternateContent xmlns:mc="http://schemas.openxmlformats.org/markup-compatibility/2006">
               <mc:Choice xmlns:v="urn:schemas-microsoft-com:vml" Requires="v">
-                <p:oleObj spid="_x0000_s17492" name="Equation" r:id="rId3" imgW="1943100" imgH="457200" progId="Equation.3">
+                <p:oleObj spid="_x0000_s17510" name="Equation" r:id="rId3" imgW="1943100" imgH="457200" progId="Equation.3">
                   <p:embed/>
                 </p:oleObj>
               </mc:Choice>
@@ -24443,7 +26236,7 @@
           <a:graphicData uri="http://schemas.openxmlformats.org/presentationml/2006/ole">
             <mc:AlternateContent xmlns:mc="http://schemas.openxmlformats.org/markup-compatibility/2006">
               <mc:Choice xmlns:v="urn:schemas-microsoft-com:vml" Requires="v">
-                <p:oleObj spid="_x0000_s17493" name="Equation" r:id="rId5" imgW="546100" imgH="444500" progId="Equation.3">
+                <p:oleObj spid="_x0000_s17511" name="Equation" r:id="rId5" imgW="546100" imgH="444500" progId="Equation.3">
                   <p:embed/>
                 </p:oleObj>
               </mc:Choice>
@@ -24503,7 +26296,7 @@
 </p:sld>
 </file>
 
-<file path=ppt/slides/slide62.xml><?xml version="1.0" encoding="utf-8"?>
+<file path=ppt/slides/slide68.xml><?xml version="1.0" encoding="utf-8"?>
 <p:sld xmlns:a="http://schemas.openxmlformats.org/drawingml/2006/main" xmlns:r="http://schemas.openxmlformats.org/officeDocument/2006/relationships" xmlns:p="http://schemas.openxmlformats.org/presentationml/2006/main">
   <p:cSld>
     <p:spTree>
@@ -24729,7 +26522,7 @@
           <a:p>
             <a:fld id="{17E276FA-8F89-B34D-A726-BE3FA1F8DD97}" type="slidenum">
               <a:rPr lang="en-US" smtClean="0"/>
-              <a:t>62</a:t>
+              <a:t>68</a:t>
             </a:fld>
             <a:endParaRPr lang="en-US" dirty="0"/>
           </a:p>
@@ -24755,7 +26548,7 @@
 </p:sld>
 </file>
 
-<file path=ppt/slides/slide63.xml><?xml version="1.0" encoding="utf-8"?>
+<file path=ppt/slides/slide69.xml><?xml version="1.0" encoding="utf-8"?>
 <p:sld xmlns:a="http://schemas.openxmlformats.org/drawingml/2006/main" xmlns:r="http://schemas.openxmlformats.org/officeDocument/2006/relationships" xmlns:p="http://schemas.openxmlformats.org/presentationml/2006/main">
   <p:cSld>
     <p:spTree>
@@ -25148,7 +26941,7 @@
           <a:p>
             <a:fld id="{17E276FA-8F89-B34D-A726-BE3FA1F8DD97}" type="slidenum">
               <a:rPr lang="en-US" smtClean="0"/>
-              <a:t>63</a:t>
+              <a:t>69</a:t>
             </a:fld>
             <a:endParaRPr lang="en-US" dirty="0"/>
           </a:p>
@@ -25174,7 +26967,7 @@
 </p:sld>
 </file>
 
-<file path=ppt/slides/slide64.xml><?xml version="1.0" encoding="utf-8"?>
+<file path=ppt/slides/slide7.xml><?xml version="1.0" encoding="utf-8"?>
 <p:sld xmlns:a="http://schemas.openxmlformats.org/drawingml/2006/main" xmlns:r="http://schemas.openxmlformats.org/officeDocument/2006/relationships" xmlns:p="http://schemas.openxmlformats.org/presentationml/2006/main">
   <p:cSld>
     <p:spTree>
@@ -25208,6 +27001,191 @@
           <a:p>
             <a:r>
               <a:rPr lang="en-US" dirty="0" smtClean="0"/>
+              <a:t>Goals for today</a:t>
+            </a:r>
+            <a:endParaRPr lang="en-US" dirty="0"/>
+          </a:p>
+        </p:txBody>
+      </p:sp>
+      <p:sp>
+        <p:nvSpPr>
+          <p:cNvPr id="3" name="Content Placeholder 2"/>
+          <p:cNvSpPr>
+            <a:spLocks noGrp="1"/>
+          </p:cNvSpPr>
+          <p:nvPr>
+            <p:ph idx="1"/>
+          </p:nvPr>
+        </p:nvSpPr>
+        <p:spPr/>
+        <p:txBody>
+          <a:bodyPr/>
+          <a:lstStyle/>
+          <a:p>
+            <a:pPr marL="0" indent="0">
+              <a:buNone/>
+            </a:pPr>
+            <a:r>
+              <a:rPr lang="en-US" dirty="0" smtClean="0"/>
+              <a:t>Review last Tuesday</a:t>
+            </a:r>
+          </a:p>
+          <a:p>
+            <a:pPr marL="0" indent="0">
+              <a:buNone/>
+            </a:pPr>
+            <a:r>
+              <a:rPr lang="en-US" b="1" dirty="0"/>
+              <a:t>Quiz </a:t>
+            </a:r>
+          </a:p>
+          <a:p>
+            <a:pPr marL="0" indent="0">
+              <a:buNone/>
+            </a:pPr>
+            <a:r>
+              <a:rPr lang="en-US" dirty="0" smtClean="0"/>
+              <a:t>Discuss infrastructure issues for Big Data</a:t>
+            </a:r>
+          </a:p>
+          <a:p>
+            <a:pPr marL="0" indent="0">
+              <a:buNone/>
+            </a:pPr>
+            <a:r>
+              <a:rPr lang="en-US" dirty="0" smtClean="0"/>
+              <a:t>Talk about Byte 6</a:t>
+            </a:r>
+          </a:p>
+          <a:p>
+            <a:pPr marL="0" indent="0">
+              <a:buNone/>
+            </a:pPr>
+            <a:r>
+              <a:rPr lang="en-US" dirty="0"/>
+              <a:t>Discuss Visualization for Big Data</a:t>
+            </a:r>
+          </a:p>
+          <a:p>
+            <a:pPr marL="0" indent="0">
+              <a:buNone/>
+            </a:pPr>
+            <a:endParaRPr lang="en-US" dirty="0"/>
+          </a:p>
+        </p:txBody>
+      </p:sp>
+      <p:sp>
+        <p:nvSpPr>
+          <p:cNvPr id="4" name="Date Placeholder 3"/>
+          <p:cNvSpPr>
+            <a:spLocks noGrp="1"/>
+          </p:cNvSpPr>
+          <p:nvPr>
+            <p:ph type="dt" sz="half" idx="10"/>
+          </p:nvPr>
+        </p:nvSpPr>
+        <p:spPr/>
+        <p:txBody>
+          <a:bodyPr/>
+          <a:lstStyle/>
+          <a:p>
+            <a:fld id="{7053BEFA-1175-F644-B249-7D41D72BD3FF}" type="datetime1">
+              <a:rPr lang="en-US" smtClean="0"/>
+              <a:t>3/23/15</a:t>
+            </a:fld>
+            <a:endParaRPr lang="en-US"/>
+          </a:p>
+        </p:txBody>
+      </p:sp>
+      <p:sp>
+        <p:nvSpPr>
+          <p:cNvPr id="5" name="Footer Placeholder 4"/>
+          <p:cNvSpPr>
+            <a:spLocks noGrp="1"/>
+          </p:cNvSpPr>
+          <p:nvPr>
+            <p:ph type="ftr" sz="quarter" idx="11"/>
+          </p:nvPr>
+        </p:nvSpPr>
+        <p:spPr/>
+        <p:txBody>
+          <a:bodyPr/>
+          <a:lstStyle/>
+          <a:p>
+            <a:endParaRPr lang="en-US" dirty="0"/>
+          </a:p>
+        </p:txBody>
+      </p:sp>
+      <p:sp>
+        <p:nvSpPr>
+          <p:cNvPr id="6" name="Slide Number Placeholder 5"/>
+          <p:cNvSpPr>
+            <a:spLocks noGrp="1"/>
+          </p:cNvSpPr>
+          <p:nvPr>
+            <p:ph type="sldNum" sz="quarter" idx="12"/>
+          </p:nvPr>
+        </p:nvSpPr>
+        <p:spPr/>
+        <p:txBody>
+          <a:bodyPr/>
+          <a:lstStyle/>
+          <a:p>
+            <a:fld id="{17E276FA-8F89-B34D-A726-BE3FA1F8DD97}" type="slidenum">
+              <a:rPr lang="en-US" smtClean="0"/>
+              <a:t>7</a:t>
+            </a:fld>
+            <a:endParaRPr lang="en-US" dirty="0"/>
+          </a:p>
+        </p:txBody>
+      </p:sp>
+    </p:spTree>
+    <p:extLst>
+      <p:ext uri="{BB962C8B-B14F-4D97-AF65-F5344CB8AC3E}">
+        <p14:creationId xmlns:p14="http://schemas.microsoft.com/office/powerpoint/2010/main" val="3125408635"/>
+      </p:ext>
+    </p:extLst>
+  </p:cSld>
+  <p:clrMapOvr>
+    <a:masterClrMapping/>
+  </p:clrMapOvr>
+</p:sld>
+</file>
+
+<file path=ppt/slides/slide70.xml><?xml version="1.0" encoding="utf-8"?>
+<p:sld xmlns:a="http://schemas.openxmlformats.org/drawingml/2006/main" xmlns:r="http://schemas.openxmlformats.org/officeDocument/2006/relationships" xmlns:p="http://schemas.openxmlformats.org/presentationml/2006/main">
+  <p:cSld>
+    <p:spTree>
+      <p:nvGrpSpPr>
+        <p:cNvPr id="1" name=""/>
+        <p:cNvGrpSpPr/>
+        <p:nvPr/>
+      </p:nvGrpSpPr>
+      <p:grpSpPr>
+        <a:xfrm>
+          <a:off x="0" y="0"/>
+          <a:ext cx="0" cy="0"/>
+          <a:chOff x="0" y="0"/>
+          <a:chExt cx="0" cy="0"/>
+        </a:xfrm>
+      </p:grpSpPr>
+      <p:sp>
+        <p:nvSpPr>
+          <p:cNvPr id="2" name="Title 1"/>
+          <p:cNvSpPr>
+            <a:spLocks noGrp="1"/>
+          </p:cNvSpPr>
+          <p:nvPr>
+            <p:ph type="title"/>
+          </p:nvPr>
+        </p:nvSpPr>
+        <p:spPr/>
+        <p:txBody>
+          <a:bodyPr/>
+          <a:lstStyle/>
+          <a:p>
+            <a:r>
+              <a:rPr lang="en-US" dirty="0" smtClean="0"/>
               <a:t>How do we handle </a:t>
             </a:r>
             <a:r>
@@ -25592,7 +27570,7 @@
           <a:p>
             <a:fld id="{17E276FA-8F89-B34D-A726-BE3FA1F8DD97}" type="slidenum">
               <a:rPr lang="en-US" smtClean="0"/>
-              <a:t>64</a:t>
+              <a:t>70</a:t>
             </a:fld>
             <a:endParaRPr lang="en-US" dirty="0"/>
           </a:p>
@@ -25620,7 +27598,7 @@
           <a:graphicData uri="http://schemas.openxmlformats.org/presentationml/2006/ole">
             <mc:AlternateContent xmlns:mc="http://schemas.openxmlformats.org/markup-compatibility/2006">
               <mc:Choice xmlns:v="urn:schemas-microsoft-com:vml" Requires="v">
-                <p:oleObj spid="_x0000_s1094" name="Equation" r:id="rId4" imgW="1943100" imgH="457200" progId="Equation.3">
+                <p:oleObj spid="_x0000_s1112" name="Equation" r:id="rId4" imgW="1943100" imgH="457200" progId="Equation.3">
                   <p:embed/>
                 </p:oleObj>
               </mc:Choice>
@@ -25677,7 +27655,7 @@
           <a:graphicData uri="http://schemas.openxmlformats.org/presentationml/2006/ole">
             <mc:AlternateContent xmlns:mc="http://schemas.openxmlformats.org/markup-compatibility/2006">
               <mc:Choice xmlns:v="urn:schemas-microsoft-com:vml" Requires="v">
-                <p:oleObj spid="_x0000_s1095" name="Equation" r:id="rId6" imgW="1778000" imgH="254000" progId="Equation.3">
+                <p:oleObj spid="_x0000_s1113" name="Equation" r:id="rId6" imgW="1778000" imgH="254000" progId="Equation.3">
                   <p:embed/>
                 </p:oleObj>
               </mc:Choice>
@@ -25732,7 +27710,7 @@
 </p:sld>
 </file>
 
-<file path=ppt/slides/slide65.xml><?xml version="1.0" encoding="utf-8"?>
+<file path=ppt/slides/slide71.xml><?xml version="1.0" encoding="utf-8"?>
 <p:sld xmlns:a="http://schemas.openxmlformats.org/drawingml/2006/main" xmlns:r="http://schemas.openxmlformats.org/officeDocument/2006/relationships" xmlns:p="http://schemas.openxmlformats.org/presentationml/2006/main">
   <p:cSld>
     <p:spTree>
@@ -26175,7 +28153,7 @@
           <a:p>
             <a:fld id="{17E276FA-8F89-B34D-A726-BE3FA1F8DD97}" type="slidenum">
               <a:rPr lang="en-US" smtClean="0"/>
-              <a:t>65</a:t>
+              <a:t>71</a:t>
             </a:fld>
             <a:endParaRPr lang="en-US" dirty="0"/>
           </a:p>
@@ -26201,7 +28179,7 @@
 </p:sld>
 </file>
 
-<file path=ppt/slides/slide66.xml><?xml version="1.0" encoding="utf-8"?>
+<file path=ppt/slides/slide72.xml><?xml version="1.0" encoding="utf-8"?>
 <p:sld xmlns:a="http://schemas.openxmlformats.org/drawingml/2006/main" xmlns:r="http://schemas.openxmlformats.org/officeDocument/2006/relationships" xmlns:p="http://schemas.openxmlformats.org/presentationml/2006/main">
   <p:cSld>
     <p:spTree>
@@ -26412,7 +28390,7 @@
           <a:p>
             <a:fld id="{17E276FA-8F89-B34D-A726-BE3FA1F8DD97}" type="slidenum">
               <a:rPr lang="en-US" smtClean="0"/>
-              <a:t>66</a:t>
+              <a:t>72</a:t>
             </a:fld>
             <a:endParaRPr lang="en-US" dirty="0"/>
           </a:p>
@@ -26438,7 +28416,7 @@
 </p:sld>
 </file>
 
-<file path=ppt/slides/slide67.xml><?xml version="1.0" encoding="utf-8"?>
+<file path=ppt/slides/slide73.xml><?xml version="1.0" encoding="utf-8"?>
 <p:sld xmlns:a="http://schemas.openxmlformats.org/drawingml/2006/main" xmlns:r="http://schemas.openxmlformats.org/officeDocument/2006/relationships" xmlns:p="http://schemas.openxmlformats.org/presentationml/2006/main">
   <p:cSld>
     <p:spTree>
@@ -26591,7 +28569,7 @@
           <a:p>
             <a:fld id="{17E276FA-8F89-B34D-A726-BE3FA1F8DD97}" type="slidenum">
               <a:rPr lang="en-US" smtClean="0"/>
-              <a:t>67</a:t>
+              <a:t>73</a:t>
             </a:fld>
             <a:endParaRPr lang="en-US" dirty="0"/>
           </a:p>
@@ -26617,7 +28595,7 @@
 </p:sld>
 </file>
 
-<file path=ppt/slides/slide68.xml><?xml version="1.0" encoding="utf-8"?>
+<file path=ppt/slides/slide74.xml><?xml version="1.0" encoding="utf-8"?>
 <p:sld xmlns:a="http://schemas.openxmlformats.org/drawingml/2006/main" xmlns:r="http://schemas.openxmlformats.org/officeDocument/2006/relationships" xmlns:p="http://schemas.openxmlformats.org/presentationml/2006/main">
   <p:cSld>
     <p:spTree>
@@ -26787,7 +28765,7 @@
           <a:p>
             <a:fld id="{17E276FA-8F89-B34D-A726-BE3FA1F8DD97}" type="slidenum">
               <a:rPr lang="en-US" smtClean="0"/>
-              <a:t>68</a:t>
+              <a:t>74</a:t>
             </a:fld>
             <a:endParaRPr lang="en-US" dirty="0"/>
           </a:p>
@@ -26810,191 +28788,6 @@
       </p:par>
     </p:tnLst>
   </p:timing>
-</p:sld>
-</file>
-
-<file path=ppt/slides/slide7.xml><?xml version="1.0" encoding="utf-8"?>
-<p:sld xmlns:a="http://schemas.openxmlformats.org/drawingml/2006/main" xmlns:r="http://schemas.openxmlformats.org/officeDocument/2006/relationships" xmlns:p="http://schemas.openxmlformats.org/presentationml/2006/main">
-  <p:cSld>
-    <p:spTree>
-      <p:nvGrpSpPr>
-        <p:cNvPr id="1" name=""/>
-        <p:cNvGrpSpPr/>
-        <p:nvPr/>
-      </p:nvGrpSpPr>
-      <p:grpSpPr>
-        <a:xfrm>
-          <a:off x="0" y="0"/>
-          <a:ext cx="0" cy="0"/>
-          <a:chOff x="0" y="0"/>
-          <a:chExt cx="0" cy="0"/>
-        </a:xfrm>
-      </p:grpSpPr>
-      <p:sp>
-        <p:nvSpPr>
-          <p:cNvPr id="2" name="Title 1"/>
-          <p:cNvSpPr>
-            <a:spLocks noGrp="1"/>
-          </p:cNvSpPr>
-          <p:nvPr>
-            <p:ph type="title"/>
-          </p:nvPr>
-        </p:nvSpPr>
-        <p:spPr/>
-        <p:txBody>
-          <a:bodyPr/>
-          <a:lstStyle/>
-          <a:p>
-            <a:r>
-              <a:rPr lang="en-US" dirty="0" smtClean="0"/>
-              <a:t>Goals for today</a:t>
-            </a:r>
-            <a:endParaRPr lang="en-US" dirty="0"/>
-          </a:p>
-        </p:txBody>
-      </p:sp>
-      <p:sp>
-        <p:nvSpPr>
-          <p:cNvPr id="3" name="Content Placeholder 2"/>
-          <p:cNvSpPr>
-            <a:spLocks noGrp="1"/>
-          </p:cNvSpPr>
-          <p:nvPr>
-            <p:ph idx="1"/>
-          </p:nvPr>
-        </p:nvSpPr>
-        <p:spPr/>
-        <p:txBody>
-          <a:bodyPr/>
-          <a:lstStyle/>
-          <a:p>
-            <a:pPr marL="0" indent="0">
-              <a:buNone/>
-            </a:pPr>
-            <a:r>
-              <a:rPr lang="en-US" dirty="0" smtClean="0"/>
-              <a:t>Review last Tuesday</a:t>
-            </a:r>
-          </a:p>
-          <a:p>
-            <a:pPr marL="0" indent="0">
-              <a:buNone/>
-            </a:pPr>
-            <a:r>
-              <a:rPr lang="en-US" b="1" dirty="0"/>
-              <a:t>Quiz </a:t>
-            </a:r>
-          </a:p>
-          <a:p>
-            <a:pPr marL="0" indent="0">
-              <a:buNone/>
-            </a:pPr>
-            <a:r>
-              <a:rPr lang="en-US" dirty="0" smtClean="0"/>
-              <a:t>Discuss infrastructure issues for Big Data</a:t>
-            </a:r>
-          </a:p>
-          <a:p>
-            <a:pPr marL="0" indent="0">
-              <a:buNone/>
-            </a:pPr>
-            <a:r>
-              <a:rPr lang="en-US" dirty="0" smtClean="0"/>
-              <a:t>Talk about Byte 6</a:t>
-            </a:r>
-          </a:p>
-          <a:p>
-            <a:pPr marL="0" indent="0">
-              <a:buNone/>
-            </a:pPr>
-            <a:r>
-              <a:rPr lang="en-US" dirty="0"/>
-              <a:t>Discuss Visualization for Big Data</a:t>
-            </a:r>
-          </a:p>
-          <a:p>
-            <a:pPr marL="0" indent="0">
-              <a:buNone/>
-            </a:pPr>
-            <a:endParaRPr lang="en-US" dirty="0"/>
-          </a:p>
-        </p:txBody>
-      </p:sp>
-      <p:sp>
-        <p:nvSpPr>
-          <p:cNvPr id="4" name="Date Placeholder 3"/>
-          <p:cNvSpPr>
-            <a:spLocks noGrp="1"/>
-          </p:cNvSpPr>
-          <p:nvPr>
-            <p:ph type="dt" sz="half" idx="10"/>
-          </p:nvPr>
-        </p:nvSpPr>
-        <p:spPr/>
-        <p:txBody>
-          <a:bodyPr/>
-          <a:lstStyle/>
-          <a:p>
-            <a:fld id="{7053BEFA-1175-F644-B249-7D41D72BD3FF}" type="datetime1">
-              <a:rPr lang="en-US" smtClean="0"/>
-              <a:t>3/23/15</a:t>
-            </a:fld>
-            <a:endParaRPr lang="en-US"/>
-          </a:p>
-        </p:txBody>
-      </p:sp>
-      <p:sp>
-        <p:nvSpPr>
-          <p:cNvPr id="5" name="Footer Placeholder 4"/>
-          <p:cNvSpPr>
-            <a:spLocks noGrp="1"/>
-          </p:cNvSpPr>
-          <p:nvPr>
-            <p:ph type="ftr" sz="quarter" idx="11"/>
-          </p:nvPr>
-        </p:nvSpPr>
-        <p:spPr/>
-        <p:txBody>
-          <a:bodyPr/>
-          <a:lstStyle/>
-          <a:p>
-            <a:endParaRPr lang="en-US" dirty="0"/>
-          </a:p>
-        </p:txBody>
-      </p:sp>
-      <p:sp>
-        <p:nvSpPr>
-          <p:cNvPr id="6" name="Slide Number Placeholder 5"/>
-          <p:cNvSpPr>
-            <a:spLocks noGrp="1"/>
-          </p:cNvSpPr>
-          <p:nvPr>
-            <p:ph type="sldNum" sz="quarter" idx="12"/>
-          </p:nvPr>
-        </p:nvSpPr>
-        <p:spPr/>
-        <p:txBody>
-          <a:bodyPr/>
-          <a:lstStyle/>
-          <a:p>
-            <a:fld id="{17E276FA-8F89-B34D-A726-BE3FA1F8DD97}" type="slidenum">
-              <a:rPr lang="en-US" smtClean="0"/>
-              <a:t>7</a:t>
-            </a:fld>
-            <a:endParaRPr lang="en-US" dirty="0"/>
-          </a:p>
-        </p:txBody>
-      </p:sp>
-    </p:spTree>
-    <p:extLst>
-      <p:ext uri="{BB962C8B-B14F-4D97-AF65-F5344CB8AC3E}">
-        <p14:creationId xmlns:p14="http://schemas.microsoft.com/office/powerpoint/2010/main" val="3125408635"/>
-      </p:ext>
-    </p:extLst>
-  </p:cSld>
-  <p:clrMapOvr>
-    <a:masterClrMapping/>
-  </p:clrMapOvr>
 </p:sld>
 </file>
 
